--- a/TermProject/Term중간발표.pptx
+++ b/TermProject/Term중간발표.pptx
@@ -12,8 +12,8 @@
     <p:sldId id="272" r:id="rId6"/>
     <p:sldId id="268" r:id="rId7"/>
     <p:sldId id="260" r:id="rId8"/>
-    <p:sldId id="270" r:id="rId9"/>
-    <p:sldId id="271" r:id="rId10"/>
+    <p:sldId id="271" r:id="rId9"/>
+    <p:sldId id="270" r:id="rId10"/>
   </p:sldIdLst>
   <p:sldSz cx="12192000" cy="6858000"/>
   <p:notesSz cx="6858000" cy="9144000"/>
@@ -6471,9 +6471,9 @@
           <a:stretch/>
         </p:blipFill>
         <p:spPr>
-          <a:xfrm rot="21432384">
-            <a:off x="8311034" y="6215833"/>
-            <a:ext cx="1223466" cy="1088905"/>
+          <a:xfrm rot="879744">
+            <a:off x="10091788" y="1794613"/>
+            <a:ext cx="1200947" cy="1068862"/>
           </a:xfrm>
           <a:prstGeom prst="rect">
             <a:avLst/>
@@ -6507,8 +6507,8 @@
         </p:blipFill>
         <p:spPr>
           <a:xfrm>
-            <a:off x="10461159" y="5001957"/>
-            <a:ext cx="984391" cy="960956"/>
+            <a:off x="635267" y="2202652"/>
+            <a:ext cx="736418" cy="718886"/>
           </a:xfrm>
           <a:prstGeom prst="rect">
             <a:avLst/>
@@ -6542,8 +6542,8 @@
         </p:blipFill>
         <p:spPr>
           <a:xfrm>
-            <a:off x="10349974" y="2624762"/>
-            <a:ext cx="1206759" cy="1366774"/>
+            <a:off x="10503792" y="4874903"/>
+            <a:ext cx="848452" cy="960956"/>
           </a:xfrm>
           <a:prstGeom prst="rect">
             <a:avLst/>
@@ -12509,7 +12509,35 @@
                 <a:ea typeface="210 골목길 L" panose="02020603020101020101" pitchFamily="18" charset="-127"/>
                 <a:cs typeface="Noto Sans SemBd"/>
               </a:rPr>
-              <a:t>지도, </a:t>
+              <a:t>그래프</a:t>
+            </a:r>
+            <a:r>
+              <a:rPr lang="en-US" altLang="ko-KR" sz="2800" dirty="0">
+                <a:solidFill>
+                  <a:schemeClr val="tx1">
+                    <a:lumMod val="75000"/>
+                    <a:lumOff val="25000"/>
+                  </a:schemeClr>
+                </a:solidFill>
+                <a:latin typeface="210 골목길 L" panose="02020603020101020101" pitchFamily="18" charset="-127"/>
+                <a:ea typeface="210 골목길 L" panose="02020603020101020101" pitchFamily="18" charset="-127"/>
+                <a:cs typeface="Noto Sans SemBd"/>
+              </a:rPr>
+              <a:t>,</a:t>
+            </a:r>
+            <a:r>
+              <a:rPr lang="ko-KR" altLang="en-US" sz="2800" dirty="0">
+                <a:solidFill>
+                  <a:schemeClr val="tx1">
+                    <a:lumMod val="75000"/>
+                    <a:lumOff val="25000"/>
+                  </a:schemeClr>
+                </a:solidFill>
+                <a:latin typeface="210 골목길 L" panose="02020603020101020101" pitchFamily="18" charset="-127"/>
+                <a:ea typeface="210 골목길 L" panose="02020603020101020101" pitchFamily="18" charset="-127"/>
+                <a:cs typeface="Noto Sans SemBd"/>
+              </a:rPr>
+              <a:t> </a:t>
             </a:r>
             <a:r>
               <a:rPr lang="en-US" altLang="ko-KR" sz="2800" dirty="0">
@@ -12660,7 +12688,21 @@
                 <a:ea typeface="210 골목길 L" panose="02020603020101020101" pitchFamily="18" charset="-127"/>
                 <a:cs typeface="Noto Sans SemBd"/>
               </a:rPr>
-              <a:t> 연동,  메일 보내기,  중간 발표</a:t>
+              <a:t> 연동,  메일 보내기, 지도 구현</a:t>
+            </a:r>
+            <a:r>
+              <a:rPr lang="en-US" altLang="ko-KR" sz="2800" dirty="0">
+                <a:solidFill>
+                  <a:schemeClr val="tx1">
+                    <a:lumMod val="75000"/>
+                    <a:lumOff val="25000"/>
+                  </a:schemeClr>
+                </a:solidFill>
+                <a:latin typeface="210 골목길 L" panose="02020603020101020101" pitchFamily="18" charset="-127"/>
+                <a:ea typeface="210 골목길 L" panose="02020603020101020101" pitchFamily="18" charset="-127"/>
+                <a:cs typeface="Noto Sans SemBd"/>
+              </a:rPr>
+              <a:t>, </a:t>
             </a:r>
             <a:r>
               <a:rPr lang="ko-KR" altLang="en-US" sz="2800" dirty="0">
@@ -12670,12 +12712,23 @@
                     <a:lumOff val="25000"/>
                   </a:schemeClr>
                 </a:solidFill>
-                <a:latin typeface="1훈떡볶이 R"/>
-                <a:ea typeface="1훈떡볶이 R"/>
+                <a:latin typeface="210 골목길 L" panose="02020603020101020101" pitchFamily="18" charset="-127"/>
+                <a:ea typeface="210 골목길 L" panose="02020603020101020101" pitchFamily="18" charset="-127"/>
                 <a:cs typeface="Noto Sans SemBd"/>
               </a:rPr>
-              <a:t>	</a:t>
+              <a:t>중간 발표</a:t>
             </a:r>
+            <a:endParaRPr lang="ko-KR" altLang="en-US" sz="2800" dirty="0">
+              <a:solidFill>
+                <a:schemeClr val="tx1">
+                  <a:lumMod val="75000"/>
+                  <a:lumOff val="25000"/>
+                </a:schemeClr>
+              </a:solidFill>
+              <a:latin typeface="1훈떡볶이 R"/>
+              <a:ea typeface="1훈떡볶이 R"/>
+              <a:cs typeface="Noto Sans SemBd"/>
+            </a:endParaRPr>
           </a:p>
         </p:txBody>
       </p:sp>
@@ -13385,6 +13438,204 @@
           </a:p>
         </p:txBody>
       </p:sp>
+      <p:sp>
+        <p:nvSpPr>
+          <p:cNvPr id="2" name="원형: 비어 있음 1">
+            <a:extLst>
+              <a:ext uri="{FF2B5EF4-FFF2-40B4-BE49-F238E27FC236}">
+                <a16:creationId xmlns:a16="http://schemas.microsoft.com/office/drawing/2014/main" id="{2BCAE975-9A1A-AC79-3F1F-38FEF5394E74}"/>
+              </a:ext>
+            </a:extLst>
+          </p:cNvPr>
+          <p:cNvSpPr/>
+          <p:nvPr/>
+        </p:nvSpPr>
+        <p:spPr>
+          <a:xfrm>
+            <a:off x="5665694" y="1690997"/>
+            <a:ext cx="2524607" cy="937904"/>
+          </a:xfrm>
+          <a:prstGeom prst="donut">
+            <a:avLst>
+              <a:gd name="adj" fmla="val 9792"/>
+            </a:avLst>
+          </a:prstGeom>
+          <a:solidFill>
+            <a:schemeClr val="accent6">
+              <a:lumMod val="60000"/>
+              <a:lumOff val="40000"/>
+            </a:schemeClr>
+          </a:solidFill>
+          <a:ln>
+            <a:solidFill>
+              <a:schemeClr val="accent4">
+                <a:lumMod val="20000"/>
+                <a:lumOff val="80000"/>
+              </a:schemeClr>
+            </a:solidFill>
+          </a:ln>
+        </p:spPr>
+        <p:style>
+          <a:lnRef idx="2">
+            <a:schemeClr val="accent1">
+              <a:shade val="50000"/>
+            </a:schemeClr>
+          </a:lnRef>
+          <a:fillRef idx="1">
+            <a:schemeClr val="accent1"/>
+          </a:fillRef>
+          <a:effectRef idx="0">
+            <a:schemeClr val="accent1"/>
+          </a:effectRef>
+          <a:fontRef idx="minor">
+            <a:schemeClr val="lt1"/>
+          </a:fontRef>
+        </p:style>
+        <p:txBody>
+          <a:bodyPr rtlCol="0" anchor="ctr"/>
+          <a:lstStyle/>
+          <a:p>
+            <a:pPr algn="ctr"/>
+            <a:endParaRPr lang="ko-KR" altLang="en-US">
+              <a:solidFill>
+                <a:schemeClr val="tx1"/>
+              </a:solidFill>
+            </a:endParaRPr>
+          </a:p>
+        </p:txBody>
+      </p:sp>
+      <p:sp>
+        <p:nvSpPr>
+          <p:cNvPr id="19" name="원형: 비어 있음 18">
+            <a:extLst>
+              <a:ext uri="{FF2B5EF4-FFF2-40B4-BE49-F238E27FC236}">
+                <a16:creationId xmlns:a16="http://schemas.microsoft.com/office/drawing/2014/main" id="{671179ED-B052-5D9A-0079-298B2C8FACAD}"/>
+              </a:ext>
+            </a:extLst>
+          </p:cNvPr>
+          <p:cNvSpPr/>
+          <p:nvPr/>
+        </p:nvSpPr>
+        <p:spPr>
+          <a:xfrm>
+            <a:off x="5665694" y="2733299"/>
+            <a:ext cx="2524607" cy="937904"/>
+          </a:xfrm>
+          <a:prstGeom prst="donut">
+            <a:avLst>
+              <a:gd name="adj" fmla="val 9792"/>
+            </a:avLst>
+          </a:prstGeom>
+          <a:solidFill>
+            <a:schemeClr val="accent6">
+              <a:lumMod val="60000"/>
+              <a:lumOff val="40000"/>
+            </a:schemeClr>
+          </a:solidFill>
+          <a:ln>
+            <a:solidFill>
+              <a:schemeClr val="accent4">
+                <a:lumMod val="20000"/>
+                <a:lumOff val="80000"/>
+              </a:schemeClr>
+            </a:solidFill>
+          </a:ln>
+        </p:spPr>
+        <p:style>
+          <a:lnRef idx="2">
+            <a:schemeClr val="accent1">
+              <a:shade val="50000"/>
+            </a:schemeClr>
+          </a:lnRef>
+          <a:fillRef idx="1">
+            <a:schemeClr val="accent1"/>
+          </a:fillRef>
+          <a:effectRef idx="0">
+            <a:schemeClr val="accent1"/>
+          </a:effectRef>
+          <a:fontRef idx="minor">
+            <a:schemeClr val="lt1"/>
+          </a:fontRef>
+        </p:style>
+        <p:txBody>
+          <a:bodyPr rtlCol="0" anchor="ctr"/>
+          <a:lstStyle/>
+          <a:p>
+            <a:pPr algn="ctr"/>
+            <a:endParaRPr lang="ko-KR" altLang="en-US">
+              <a:solidFill>
+                <a:schemeClr val="tx1"/>
+              </a:solidFill>
+            </a:endParaRPr>
+          </a:p>
+        </p:txBody>
+      </p:sp>
+      <p:sp>
+        <p:nvSpPr>
+          <p:cNvPr id="20" name="원형: 비어 있음 19">
+            <a:extLst>
+              <a:ext uri="{FF2B5EF4-FFF2-40B4-BE49-F238E27FC236}">
+                <a16:creationId xmlns:a16="http://schemas.microsoft.com/office/drawing/2014/main" id="{D64BCDE2-8DA9-76AC-2ECA-6362AE6ED2A2}"/>
+              </a:ext>
+            </a:extLst>
+          </p:cNvPr>
+          <p:cNvSpPr/>
+          <p:nvPr/>
+        </p:nvSpPr>
+        <p:spPr>
+          <a:xfrm>
+            <a:off x="5665694" y="3717833"/>
+            <a:ext cx="2524607" cy="937904"/>
+          </a:xfrm>
+          <a:prstGeom prst="donut">
+            <a:avLst>
+              <a:gd name="adj" fmla="val 9792"/>
+            </a:avLst>
+          </a:prstGeom>
+          <a:solidFill>
+            <a:schemeClr val="accent6">
+              <a:lumMod val="60000"/>
+              <a:lumOff val="40000"/>
+            </a:schemeClr>
+          </a:solidFill>
+          <a:ln>
+            <a:solidFill>
+              <a:schemeClr val="accent4">
+                <a:lumMod val="20000"/>
+                <a:lumOff val="80000"/>
+              </a:schemeClr>
+            </a:solidFill>
+          </a:ln>
+        </p:spPr>
+        <p:style>
+          <a:lnRef idx="2">
+            <a:schemeClr val="accent1">
+              <a:shade val="50000"/>
+            </a:schemeClr>
+          </a:lnRef>
+          <a:fillRef idx="1">
+            <a:schemeClr val="accent1"/>
+          </a:fillRef>
+          <a:effectRef idx="0">
+            <a:schemeClr val="accent1"/>
+          </a:effectRef>
+          <a:fontRef idx="minor">
+            <a:schemeClr val="lt1"/>
+          </a:fontRef>
+        </p:style>
+        <p:txBody>
+          <a:bodyPr rtlCol="0" anchor="ctr"/>
+          <a:lstStyle/>
+          <a:p>
+            <a:pPr algn="ctr"/>
+            <a:endParaRPr lang="ko-KR" altLang="en-US">
+              <a:solidFill>
+                <a:schemeClr val="tx1"/>
+              </a:solidFill>
+            </a:endParaRPr>
+          </a:p>
+        </p:txBody>
+      </p:sp>
     </p:spTree>
   </p:cSld>
   <p:clrMapOvr>
@@ -13394,7 +13645,7 @@
     <mc:Choice Requires="p14">
       <p:transition/>
     </mc:Choice>
-    <mc:Fallback xmlns="" xmlns:c="http://schemas.openxmlformats.org/drawingml/2006/chart" xmlns:dgm="http://schemas.openxmlformats.org/drawingml/2006/diagram" xmlns:dsp="http://schemas.microsoft.com/office/drawing/2008/diagram">
+    <mc:Fallback xmlns:dsp="http://schemas.microsoft.com/office/drawing/2008/diagram" xmlns:dgm="http://schemas.openxmlformats.org/drawingml/2006/diagram" xmlns:c="http://schemas.openxmlformats.org/drawingml/2006/chart" xmlns="">
       <p:transition/>
     </mc:Fallback>
   </mc:AlternateContent>
@@ -13402,6 +13653,1572 @@
 </file>
 
 <file path=ppt/slides/slide8.xml><?xml version="1.0" encoding="utf-8"?>
+<p:sld xmlns:a="http://schemas.openxmlformats.org/drawingml/2006/main" xmlns:r="http://schemas.openxmlformats.org/officeDocument/2006/relationships" xmlns:p="http://schemas.openxmlformats.org/presentationml/2006/main">
+  <p:cSld>
+    <p:bg>
+      <p:bgPr>
+        <a:solidFill>
+          <a:srgbClr val="E2F1FE"/>
+        </a:solidFill>
+        <a:effectLst/>
+      </p:bgPr>
+    </p:bg>
+    <p:spTree>
+      <p:nvGrpSpPr>
+        <p:cNvPr id="1" name=""/>
+        <p:cNvGrpSpPr/>
+        <p:nvPr/>
+      </p:nvGrpSpPr>
+      <p:grpSpPr>
+        <a:xfrm>
+          <a:off x="0" y="0"/>
+          <a:ext cx="0" cy="0"/>
+          <a:chOff x="0" y="0"/>
+          <a:chExt cx="0" cy="0"/>
+        </a:xfrm>
+      </p:grpSpPr>
+      <p:sp>
+        <p:nvSpPr>
+          <p:cNvPr id="18" name="자유형: 도형 17">
+            <a:extLst>
+              <a:ext uri="{FF2B5EF4-FFF2-40B4-BE49-F238E27FC236}">
+                <a16:creationId xmlns:a16="http://schemas.microsoft.com/office/drawing/2014/main" id="{40028E33-DADC-3A71-DA4D-59A12E4A19AA}"/>
+              </a:ext>
+            </a:extLst>
+          </p:cNvPr>
+          <p:cNvSpPr/>
+          <p:nvPr/>
+        </p:nvSpPr>
+        <p:spPr>
+          <a:xfrm rot="10800000">
+            <a:off x="0" y="0"/>
+            <a:ext cx="12192000" cy="1520891"/>
+          </a:xfrm>
+          <a:custGeom>
+            <a:avLst/>
+            <a:gdLst>
+              <a:gd name="connsiteX0" fmla="*/ 949124 w 12192000"/>
+              <a:gd name="connsiteY0" fmla="*/ 0 h 741099"/>
+              <a:gd name="connsiteX1" fmla="*/ 2939970 w 12192000"/>
+              <a:gd name="connsiteY1" fmla="*/ 208344 h 741099"/>
+              <a:gd name="connsiteX2" fmla="*/ 4132162 w 12192000"/>
+              <a:gd name="connsiteY2" fmla="*/ 104172 h 741099"/>
+              <a:gd name="connsiteX3" fmla="*/ 5335930 w 12192000"/>
+              <a:gd name="connsiteY3" fmla="*/ 231493 h 741099"/>
+              <a:gd name="connsiteX4" fmla="*/ 6840638 w 12192000"/>
+              <a:gd name="connsiteY4" fmla="*/ 81023 h 741099"/>
+              <a:gd name="connsiteX5" fmla="*/ 7998106 w 12192000"/>
+              <a:gd name="connsiteY5" fmla="*/ 81023 h 741099"/>
+              <a:gd name="connsiteX6" fmla="*/ 9387068 w 12192000"/>
+              <a:gd name="connsiteY6" fmla="*/ 46299 h 741099"/>
+              <a:gd name="connsiteX7" fmla="*/ 10417215 w 12192000"/>
+              <a:gd name="connsiteY7" fmla="*/ 196769 h 741099"/>
+              <a:gd name="connsiteX8" fmla="*/ 11447362 w 12192000"/>
+              <a:gd name="connsiteY8" fmla="*/ 69448 h 741099"/>
+              <a:gd name="connsiteX9" fmla="*/ 12121497 w 12192000"/>
+              <a:gd name="connsiteY9" fmla="*/ 132928 h 741099"/>
+              <a:gd name="connsiteX10" fmla="*/ 12192000 w 12192000"/>
+              <a:gd name="connsiteY10" fmla="*/ 153974 h 741099"/>
+              <a:gd name="connsiteX11" fmla="*/ 12192000 w 12192000"/>
+              <a:gd name="connsiteY11" fmla="*/ 741099 h 741099"/>
+              <a:gd name="connsiteX12" fmla="*/ 0 w 12192000"/>
+              <a:gd name="connsiteY12" fmla="*/ 741099 h 741099"/>
+              <a:gd name="connsiteX13" fmla="*/ 0 w 12192000"/>
+              <a:gd name="connsiteY13" fmla="*/ 195501 h 741099"/>
+              <a:gd name="connsiteX14" fmla="*/ 25907 w 12192000"/>
+              <a:gd name="connsiteY14" fmla="*/ 188315 h 741099"/>
+              <a:gd name="connsiteX15" fmla="*/ 949124 w 12192000"/>
+              <a:gd name="connsiteY15" fmla="*/ 0 h 741099"/>
+              <a:gd name="connsiteX0" fmla="*/ 949124 w 12192000"/>
+              <a:gd name="connsiteY0" fmla="*/ 0 h 741099"/>
+              <a:gd name="connsiteX1" fmla="*/ 2939970 w 12192000"/>
+              <a:gd name="connsiteY1" fmla="*/ 208344 h 741099"/>
+              <a:gd name="connsiteX2" fmla="*/ 4132162 w 12192000"/>
+              <a:gd name="connsiteY2" fmla="*/ 104172 h 741099"/>
+              <a:gd name="connsiteX3" fmla="*/ 5335930 w 12192000"/>
+              <a:gd name="connsiteY3" fmla="*/ 231493 h 741099"/>
+              <a:gd name="connsiteX4" fmla="*/ 6840638 w 12192000"/>
+              <a:gd name="connsiteY4" fmla="*/ 81023 h 741099"/>
+              <a:gd name="connsiteX5" fmla="*/ 7998106 w 12192000"/>
+              <a:gd name="connsiteY5" fmla="*/ 81023 h 741099"/>
+              <a:gd name="connsiteX6" fmla="*/ 9387068 w 12192000"/>
+              <a:gd name="connsiteY6" fmla="*/ 46299 h 741099"/>
+              <a:gd name="connsiteX7" fmla="*/ 10428789 w 12192000"/>
+              <a:gd name="connsiteY7" fmla="*/ 158103 h 741099"/>
+              <a:gd name="connsiteX8" fmla="*/ 11447362 w 12192000"/>
+              <a:gd name="connsiteY8" fmla="*/ 69448 h 741099"/>
+              <a:gd name="connsiteX9" fmla="*/ 12121497 w 12192000"/>
+              <a:gd name="connsiteY9" fmla="*/ 132928 h 741099"/>
+              <a:gd name="connsiteX10" fmla="*/ 12192000 w 12192000"/>
+              <a:gd name="connsiteY10" fmla="*/ 153974 h 741099"/>
+              <a:gd name="connsiteX11" fmla="*/ 12192000 w 12192000"/>
+              <a:gd name="connsiteY11" fmla="*/ 741099 h 741099"/>
+              <a:gd name="connsiteX12" fmla="*/ 0 w 12192000"/>
+              <a:gd name="connsiteY12" fmla="*/ 741099 h 741099"/>
+              <a:gd name="connsiteX13" fmla="*/ 0 w 12192000"/>
+              <a:gd name="connsiteY13" fmla="*/ 195501 h 741099"/>
+              <a:gd name="connsiteX14" fmla="*/ 25907 w 12192000"/>
+              <a:gd name="connsiteY14" fmla="*/ 188315 h 741099"/>
+              <a:gd name="connsiteX15" fmla="*/ 949124 w 12192000"/>
+              <a:gd name="connsiteY15" fmla="*/ 0 h 741099"/>
+              <a:gd name="connsiteX0" fmla="*/ 833377 w 12192000"/>
+              <a:gd name="connsiteY0" fmla="*/ 33474 h 697241"/>
+              <a:gd name="connsiteX1" fmla="*/ 2939970 w 12192000"/>
+              <a:gd name="connsiteY1" fmla="*/ 164486 h 697241"/>
+              <a:gd name="connsiteX2" fmla="*/ 4132162 w 12192000"/>
+              <a:gd name="connsiteY2" fmla="*/ 60314 h 697241"/>
+              <a:gd name="connsiteX3" fmla="*/ 5335930 w 12192000"/>
+              <a:gd name="connsiteY3" fmla="*/ 187635 h 697241"/>
+              <a:gd name="connsiteX4" fmla="*/ 6840638 w 12192000"/>
+              <a:gd name="connsiteY4" fmla="*/ 37165 h 697241"/>
+              <a:gd name="connsiteX5" fmla="*/ 7998106 w 12192000"/>
+              <a:gd name="connsiteY5" fmla="*/ 37165 h 697241"/>
+              <a:gd name="connsiteX6" fmla="*/ 9387068 w 12192000"/>
+              <a:gd name="connsiteY6" fmla="*/ 2441 h 697241"/>
+              <a:gd name="connsiteX7" fmla="*/ 10428789 w 12192000"/>
+              <a:gd name="connsiteY7" fmla="*/ 114245 h 697241"/>
+              <a:gd name="connsiteX8" fmla="*/ 11447362 w 12192000"/>
+              <a:gd name="connsiteY8" fmla="*/ 25590 h 697241"/>
+              <a:gd name="connsiteX9" fmla="*/ 12121497 w 12192000"/>
+              <a:gd name="connsiteY9" fmla="*/ 89070 h 697241"/>
+              <a:gd name="connsiteX10" fmla="*/ 12192000 w 12192000"/>
+              <a:gd name="connsiteY10" fmla="*/ 110116 h 697241"/>
+              <a:gd name="connsiteX11" fmla="*/ 12192000 w 12192000"/>
+              <a:gd name="connsiteY11" fmla="*/ 697241 h 697241"/>
+              <a:gd name="connsiteX12" fmla="*/ 0 w 12192000"/>
+              <a:gd name="connsiteY12" fmla="*/ 697241 h 697241"/>
+              <a:gd name="connsiteX13" fmla="*/ 0 w 12192000"/>
+              <a:gd name="connsiteY13" fmla="*/ 151643 h 697241"/>
+              <a:gd name="connsiteX14" fmla="*/ 25907 w 12192000"/>
+              <a:gd name="connsiteY14" fmla="*/ 144457 h 697241"/>
+              <a:gd name="connsiteX15" fmla="*/ 833377 w 12192000"/>
+              <a:gd name="connsiteY15" fmla="*/ 33474 h 697241"/>
+              <a:gd name="connsiteX0" fmla="*/ 833377 w 12192000"/>
+              <a:gd name="connsiteY0" fmla="*/ 31116 h 694883"/>
+              <a:gd name="connsiteX1" fmla="*/ 2939970 w 12192000"/>
+              <a:gd name="connsiteY1" fmla="*/ 162128 h 694883"/>
+              <a:gd name="connsiteX2" fmla="*/ 4132162 w 12192000"/>
+              <a:gd name="connsiteY2" fmla="*/ 57956 h 694883"/>
+              <a:gd name="connsiteX3" fmla="*/ 5335930 w 12192000"/>
+              <a:gd name="connsiteY3" fmla="*/ 185277 h 694883"/>
+              <a:gd name="connsiteX4" fmla="*/ 6840638 w 12192000"/>
+              <a:gd name="connsiteY4" fmla="*/ 34807 h 694883"/>
+              <a:gd name="connsiteX5" fmla="*/ 8113852 w 12192000"/>
+              <a:gd name="connsiteY5" fmla="*/ 92806 h 694883"/>
+              <a:gd name="connsiteX6" fmla="*/ 9387068 w 12192000"/>
+              <a:gd name="connsiteY6" fmla="*/ 83 h 694883"/>
+              <a:gd name="connsiteX7" fmla="*/ 10428789 w 12192000"/>
+              <a:gd name="connsiteY7" fmla="*/ 111887 h 694883"/>
+              <a:gd name="connsiteX8" fmla="*/ 11447362 w 12192000"/>
+              <a:gd name="connsiteY8" fmla="*/ 23232 h 694883"/>
+              <a:gd name="connsiteX9" fmla="*/ 12121497 w 12192000"/>
+              <a:gd name="connsiteY9" fmla="*/ 86712 h 694883"/>
+              <a:gd name="connsiteX10" fmla="*/ 12192000 w 12192000"/>
+              <a:gd name="connsiteY10" fmla="*/ 107758 h 694883"/>
+              <a:gd name="connsiteX11" fmla="*/ 12192000 w 12192000"/>
+              <a:gd name="connsiteY11" fmla="*/ 694883 h 694883"/>
+              <a:gd name="connsiteX12" fmla="*/ 0 w 12192000"/>
+              <a:gd name="connsiteY12" fmla="*/ 694883 h 694883"/>
+              <a:gd name="connsiteX13" fmla="*/ 0 w 12192000"/>
+              <a:gd name="connsiteY13" fmla="*/ 149285 h 694883"/>
+              <a:gd name="connsiteX14" fmla="*/ 25907 w 12192000"/>
+              <a:gd name="connsiteY14" fmla="*/ 142099 h 694883"/>
+              <a:gd name="connsiteX15" fmla="*/ 833377 w 12192000"/>
+              <a:gd name="connsiteY15" fmla="*/ 31116 h 694883"/>
+              <a:gd name="connsiteX0" fmla="*/ 833377 w 12192000"/>
+              <a:gd name="connsiteY0" fmla="*/ 31116 h 694883"/>
+              <a:gd name="connsiteX1" fmla="*/ 2939970 w 12192000"/>
+              <a:gd name="connsiteY1" fmla="*/ 162128 h 694883"/>
+              <a:gd name="connsiteX2" fmla="*/ 4132162 w 12192000"/>
+              <a:gd name="connsiteY2" fmla="*/ 57956 h 694883"/>
+              <a:gd name="connsiteX3" fmla="*/ 5243333 w 12192000"/>
+              <a:gd name="connsiteY3" fmla="*/ 140167 h 694883"/>
+              <a:gd name="connsiteX4" fmla="*/ 6840638 w 12192000"/>
+              <a:gd name="connsiteY4" fmla="*/ 34807 h 694883"/>
+              <a:gd name="connsiteX5" fmla="*/ 8113852 w 12192000"/>
+              <a:gd name="connsiteY5" fmla="*/ 92806 h 694883"/>
+              <a:gd name="connsiteX6" fmla="*/ 9387068 w 12192000"/>
+              <a:gd name="connsiteY6" fmla="*/ 83 h 694883"/>
+              <a:gd name="connsiteX7" fmla="*/ 10428789 w 12192000"/>
+              <a:gd name="connsiteY7" fmla="*/ 111887 h 694883"/>
+              <a:gd name="connsiteX8" fmla="*/ 11447362 w 12192000"/>
+              <a:gd name="connsiteY8" fmla="*/ 23232 h 694883"/>
+              <a:gd name="connsiteX9" fmla="*/ 12121497 w 12192000"/>
+              <a:gd name="connsiteY9" fmla="*/ 86712 h 694883"/>
+              <a:gd name="connsiteX10" fmla="*/ 12192000 w 12192000"/>
+              <a:gd name="connsiteY10" fmla="*/ 107758 h 694883"/>
+              <a:gd name="connsiteX11" fmla="*/ 12192000 w 12192000"/>
+              <a:gd name="connsiteY11" fmla="*/ 694883 h 694883"/>
+              <a:gd name="connsiteX12" fmla="*/ 0 w 12192000"/>
+              <a:gd name="connsiteY12" fmla="*/ 694883 h 694883"/>
+              <a:gd name="connsiteX13" fmla="*/ 0 w 12192000"/>
+              <a:gd name="connsiteY13" fmla="*/ 149285 h 694883"/>
+              <a:gd name="connsiteX14" fmla="*/ 25907 w 12192000"/>
+              <a:gd name="connsiteY14" fmla="*/ 142099 h 694883"/>
+              <a:gd name="connsiteX15" fmla="*/ 833377 w 12192000"/>
+              <a:gd name="connsiteY15" fmla="*/ 31116 h 694883"/>
+              <a:gd name="connsiteX0" fmla="*/ 833377 w 12192000"/>
+              <a:gd name="connsiteY0" fmla="*/ 31116 h 694883"/>
+              <a:gd name="connsiteX1" fmla="*/ 2939970 w 12192000"/>
+              <a:gd name="connsiteY1" fmla="*/ 162128 h 694883"/>
+              <a:gd name="connsiteX2" fmla="*/ 3935392 w 12192000"/>
+              <a:gd name="connsiteY2" fmla="*/ 64401 h 694883"/>
+              <a:gd name="connsiteX3" fmla="*/ 5243333 w 12192000"/>
+              <a:gd name="connsiteY3" fmla="*/ 140167 h 694883"/>
+              <a:gd name="connsiteX4" fmla="*/ 6840638 w 12192000"/>
+              <a:gd name="connsiteY4" fmla="*/ 34807 h 694883"/>
+              <a:gd name="connsiteX5" fmla="*/ 8113852 w 12192000"/>
+              <a:gd name="connsiteY5" fmla="*/ 92806 h 694883"/>
+              <a:gd name="connsiteX6" fmla="*/ 9387068 w 12192000"/>
+              <a:gd name="connsiteY6" fmla="*/ 83 h 694883"/>
+              <a:gd name="connsiteX7" fmla="*/ 10428789 w 12192000"/>
+              <a:gd name="connsiteY7" fmla="*/ 111887 h 694883"/>
+              <a:gd name="connsiteX8" fmla="*/ 11447362 w 12192000"/>
+              <a:gd name="connsiteY8" fmla="*/ 23232 h 694883"/>
+              <a:gd name="connsiteX9" fmla="*/ 12121497 w 12192000"/>
+              <a:gd name="connsiteY9" fmla="*/ 86712 h 694883"/>
+              <a:gd name="connsiteX10" fmla="*/ 12192000 w 12192000"/>
+              <a:gd name="connsiteY10" fmla="*/ 107758 h 694883"/>
+              <a:gd name="connsiteX11" fmla="*/ 12192000 w 12192000"/>
+              <a:gd name="connsiteY11" fmla="*/ 694883 h 694883"/>
+              <a:gd name="connsiteX12" fmla="*/ 0 w 12192000"/>
+              <a:gd name="connsiteY12" fmla="*/ 694883 h 694883"/>
+              <a:gd name="connsiteX13" fmla="*/ 0 w 12192000"/>
+              <a:gd name="connsiteY13" fmla="*/ 149285 h 694883"/>
+              <a:gd name="connsiteX14" fmla="*/ 25907 w 12192000"/>
+              <a:gd name="connsiteY14" fmla="*/ 142099 h 694883"/>
+              <a:gd name="connsiteX15" fmla="*/ 833377 w 12192000"/>
+              <a:gd name="connsiteY15" fmla="*/ 31116 h 694883"/>
+              <a:gd name="connsiteX0" fmla="*/ 833377 w 12192000"/>
+              <a:gd name="connsiteY0" fmla="*/ 31116 h 694883"/>
+              <a:gd name="connsiteX1" fmla="*/ 2233914 w 12192000"/>
+              <a:gd name="connsiteY1" fmla="*/ 162128 h 694883"/>
+              <a:gd name="connsiteX2" fmla="*/ 3935392 w 12192000"/>
+              <a:gd name="connsiteY2" fmla="*/ 64401 h 694883"/>
+              <a:gd name="connsiteX3" fmla="*/ 5243333 w 12192000"/>
+              <a:gd name="connsiteY3" fmla="*/ 140167 h 694883"/>
+              <a:gd name="connsiteX4" fmla="*/ 6840638 w 12192000"/>
+              <a:gd name="connsiteY4" fmla="*/ 34807 h 694883"/>
+              <a:gd name="connsiteX5" fmla="*/ 8113852 w 12192000"/>
+              <a:gd name="connsiteY5" fmla="*/ 92806 h 694883"/>
+              <a:gd name="connsiteX6" fmla="*/ 9387068 w 12192000"/>
+              <a:gd name="connsiteY6" fmla="*/ 83 h 694883"/>
+              <a:gd name="connsiteX7" fmla="*/ 10428789 w 12192000"/>
+              <a:gd name="connsiteY7" fmla="*/ 111887 h 694883"/>
+              <a:gd name="connsiteX8" fmla="*/ 11447362 w 12192000"/>
+              <a:gd name="connsiteY8" fmla="*/ 23232 h 694883"/>
+              <a:gd name="connsiteX9" fmla="*/ 12121497 w 12192000"/>
+              <a:gd name="connsiteY9" fmla="*/ 86712 h 694883"/>
+              <a:gd name="connsiteX10" fmla="*/ 12192000 w 12192000"/>
+              <a:gd name="connsiteY10" fmla="*/ 107758 h 694883"/>
+              <a:gd name="connsiteX11" fmla="*/ 12192000 w 12192000"/>
+              <a:gd name="connsiteY11" fmla="*/ 694883 h 694883"/>
+              <a:gd name="connsiteX12" fmla="*/ 0 w 12192000"/>
+              <a:gd name="connsiteY12" fmla="*/ 694883 h 694883"/>
+              <a:gd name="connsiteX13" fmla="*/ 0 w 12192000"/>
+              <a:gd name="connsiteY13" fmla="*/ 149285 h 694883"/>
+              <a:gd name="connsiteX14" fmla="*/ 25907 w 12192000"/>
+              <a:gd name="connsiteY14" fmla="*/ 142099 h 694883"/>
+              <a:gd name="connsiteX15" fmla="*/ 833377 w 12192000"/>
+              <a:gd name="connsiteY15" fmla="*/ 31116 h 694883"/>
+              <a:gd name="connsiteX0" fmla="*/ 1018572 w 12192000"/>
+              <a:gd name="connsiteY0" fmla="*/ 56894 h 694883"/>
+              <a:gd name="connsiteX1" fmla="*/ 2233914 w 12192000"/>
+              <a:gd name="connsiteY1" fmla="*/ 162128 h 694883"/>
+              <a:gd name="connsiteX2" fmla="*/ 3935392 w 12192000"/>
+              <a:gd name="connsiteY2" fmla="*/ 64401 h 694883"/>
+              <a:gd name="connsiteX3" fmla="*/ 5243333 w 12192000"/>
+              <a:gd name="connsiteY3" fmla="*/ 140167 h 694883"/>
+              <a:gd name="connsiteX4" fmla="*/ 6840638 w 12192000"/>
+              <a:gd name="connsiteY4" fmla="*/ 34807 h 694883"/>
+              <a:gd name="connsiteX5" fmla="*/ 8113852 w 12192000"/>
+              <a:gd name="connsiteY5" fmla="*/ 92806 h 694883"/>
+              <a:gd name="connsiteX6" fmla="*/ 9387068 w 12192000"/>
+              <a:gd name="connsiteY6" fmla="*/ 83 h 694883"/>
+              <a:gd name="connsiteX7" fmla="*/ 10428789 w 12192000"/>
+              <a:gd name="connsiteY7" fmla="*/ 111887 h 694883"/>
+              <a:gd name="connsiteX8" fmla="*/ 11447362 w 12192000"/>
+              <a:gd name="connsiteY8" fmla="*/ 23232 h 694883"/>
+              <a:gd name="connsiteX9" fmla="*/ 12121497 w 12192000"/>
+              <a:gd name="connsiteY9" fmla="*/ 86712 h 694883"/>
+              <a:gd name="connsiteX10" fmla="*/ 12192000 w 12192000"/>
+              <a:gd name="connsiteY10" fmla="*/ 107758 h 694883"/>
+              <a:gd name="connsiteX11" fmla="*/ 12192000 w 12192000"/>
+              <a:gd name="connsiteY11" fmla="*/ 694883 h 694883"/>
+              <a:gd name="connsiteX12" fmla="*/ 0 w 12192000"/>
+              <a:gd name="connsiteY12" fmla="*/ 694883 h 694883"/>
+              <a:gd name="connsiteX13" fmla="*/ 0 w 12192000"/>
+              <a:gd name="connsiteY13" fmla="*/ 149285 h 694883"/>
+              <a:gd name="connsiteX14" fmla="*/ 25907 w 12192000"/>
+              <a:gd name="connsiteY14" fmla="*/ 142099 h 694883"/>
+              <a:gd name="connsiteX15" fmla="*/ 1018572 w 12192000"/>
+              <a:gd name="connsiteY15" fmla="*/ 56894 h 694883"/>
+              <a:gd name="connsiteX0" fmla="*/ 1018572 w 12192000"/>
+              <a:gd name="connsiteY0" fmla="*/ 56894 h 694883"/>
+              <a:gd name="connsiteX1" fmla="*/ 2233914 w 12192000"/>
+              <a:gd name="connsiteY1" fmla="*/ 162128 h 694883"/>
+              <a:gd name="connsiteX2" fmla="*/ 3935392 w 12192000"/>
+              <a:gd name="connsiteY2" fmla="*/ 64401 h 694883"/>
+              <a:gd name="connsiteX3" fmla="*/ 5243333 w 12192000"/>
+              <a:gd name="connsiteY3" fmla="*/ 140167 h 694883"/>
+              <a:gd name="connsiteX4" fmla="*/ 6840638 w 12192000"/>
+              <a:gd name="connsiteY4" fmla="*/ 34807 h 694883"/>
+              <a:gd name="connsiteX5" fmla="*/ 8113852 w 12192000"/>
+              <a:gd name="connsiteY5" fmla="*/ 92806 h 694883"/>
+              <a:gd name="connsiteX6" fmla="*/ 9387068 w 12192000"/>
+              <a:gd name="connsiteY6" fmla="*/ 83 h 694883"/>
+              <a:gd name="connsiteX7" fmla="*/ 10428789 w 12192000"/>
+              <a:gd name="connsiteY7" fmla="*/ 111887 h 694883"/>
+              <a:gd name="connsiteX8" fmla="*/ 11308465 w 12192000"/>
+              <a:gd name="connsiteY8" fmla="*/ 10344 h 694883"/>
+              <a:gd name="connsiteX9" fmla="*/ 12121497 w 12192000"/>
+              <a:gd name="connsiteY9" fmla="*/ 86712 h 694883"/>
+              <a:gd name="connsiteX10" fmla="*/ 12192000 w 12192000"/>
+              <a:gd name="connsiteY10" fmla="*/ 107758 h 694883"/>
+              <a:gd name="connsiteX11" fmla="*/ 12192000 w 12192000"/>
+              <a:gd name="connsiteY11" fmla="*/ 694883 h 694883"/>
+              <a:gd name="connsiteX12" fmla="*/ 0 w 12192000"/>
+              <a:gd name="connsiteY12" fmla="*/ 694883 h 694883"/>
+              <a:gd name="connsiteX13" fmla="*/ 0 w 12192000"/>
+              <a:gd name="connsiteY13" fmla="*/ 149285 h 694883"/>
+              <a:gd name="connsiteX14" fmla="*/ 25907 w 12192000"/>
+              <a:gd name="connsiteY14" fmla="*/ 142099 h 694883"/>
+              <a:gd name="connsiteX15" fmla="*/ 1018572 w 12192000"/>
+              <a:gd name="connsiteY15" fmla="*/ 56894 h 694883"/>
+              <a:gd name="connsiteX0" fmla="*/ 1018572 w 12192000"/>
+              <a:gd name="connsiteY0" fmla="*/ 56894 h 694883"/>
+              <a:gd name="connsiteX1" fmla="*/ 2164466 w 12192000"/>
+              <a:gd name="connsiteY1" fmla="*/ 168573 h 694883"/>
+              <a:gd name="connsiteX2" fmla="*/ 3935392 w 12192000"/>
+              <a:gd name="connsiteY2" fmla="*/ 64401 h 694883"/>
+              <a:gd name="connsiteX3" fmla="*/ 5243333 w 12192000"/>
+              <a:gd name="connsiteY3" fmla="*/ 140167 h 694883"/>
+              <a:gd name="connsiteX4" fmla="*/ 6840638 w 12192000"/>
+              <a:gd name="connsiteY4" fmla="*/ 34807 h 694883"/>
+              <a:gd name="connsiteX5" fmla="*/ 8113852 w 12192000"/>
+              <a:gd name="connsiteY5" fmla="*/ 92806 h 694883"/>
+              <a:gd name="connsiteX6" fmla="*/ 9387068 w 12192000"/>
+              <a:gd name="connsiteY6" fmla="*/ 83 h 694883"/>
+              <a:gd name="connsiteX7" fmla="*/ 10428789 w 12192000"/>
+              <a:gd name="connsiteY7" fmla="*/ 111887 h 694883"/>
+              <a:gd name="connsiteX8" fmla="*/ 11308465 w 12192000"/>
+              <a:gd name="connsiteY8" fmla="*/ 10344 h 694883"/>
+              <a:gd name="connsiteX9" fmla="*/ 12121497 w 12192000"/>
+              <a:gd name="connsiteY9" fmla="*/ 86712 h 694883"/>
+              <a:gd name="connsiteX10" fmla="*/ 12192000 w 12192000"/>
+              <a:gd name="connsiteY10" fmla="*/ 107758 h 694883"/>
+              <a:gd name="connsiteX11" fmla="*/ 12192000 w 12192000"/>
+              <a:gd name="connsiteY11" fmla="*/ 694883 h 694883"/>
+              <a:gd name="connsiteX12" fmla="*/ 0 w 12192000"/>
+              <a:gd name="connsiteY12" fmla="*/ 694883 h 694883"/>
+              <a:gd name="connsiteX13" fmla="*/ 0 w 12192000"/>
+              <a:gd name="connsiteY13" fmla="*/ 149285 h 694883"/>
+              <a:gd name="connsiteX14" fmla="*/ 25907 w 12192000"/>
+              <a:gd name="connsiteY14" fmla="*/ 142099 h 694883"/>
+              <a:gd name="connsiteX15" fmla="*/ 1018572 w 12192000"/>
+              <a:gd name="connsiteY15" fmla="*/ 56894 h 694883"/>
+              <a:gd name="connsiteX0" fmla="*/ 1018572 w 12192000"/>
+              <a:gd name="connsiteY0" fmla="*/ 56894 h 694883"/>
+              <a:gd name="connsiteX1" fmla="*/ 2164466 w 12192000"/>
+              <a:gd name="connsiteY1" fmla="*/ 168573 h 694883"/>
+              <a:gd name="connsiteX2" fmla="*/ 3472404 w 12192000"/>
+              <a:gd name="connsiteY2" fmla="*/ 64401 h 694883"/>
+              <a:gd name="connsiteX3" fmla="*/ 5243333 w 12192000"/>
+              <a:gd name="connsiteY3" fmla="*/ 140167 h 694883"/>
+              <a:gd name="connsiteX4" fmla="*/ 6840638 w 12192000"/>
+              <a:gd name="connsiteY4" fmla="*/ 34807 h 694883"/>
+              <a:gd name="connsiteX5" fmla="*/ 8113852 w 12192000"/>
+              <a:gd name="connsiteY5" fmla="*/ 92806 h 694883"/>
+              <a:gd name="connsiteX6" fmla="*/ 9387068 w 12192000"/>
+              <a:gd name="connsiteY6" fmla="*/ 83 h 694883"/>
+              <a:gd name="connsiteX7" fmla="*/ 10428789 w 12192000"/>
+              <a:gd name="connsiteY7" fmla="*/ 111887 h 694883"/>
+              <a:gd name="connsiteX8" fmla="*/ 11308465 w 12192000"/>
+              <a:gd name="connsiteY8" fmla="*/ 10344 h 694883"/>
+              <a:gd name="connsiteX9" fmla="*/ 12121497 w 12192000"/>
+              <a:gd name="connsiteY9" fmla="*/ 86712 h 694883"/>
+              <a:gd name="connsiteX10" fmla="*/ 12192000 w 12192000"/>
+              <a:gd name="connsiteY10" fmla="*/ 107758 h 694883"/>
+              <a:gd name="connsiteX11" fmla="*/ 12192000 w 12192000"/>
+              <a:gd name="connsiteY11" fmla="*/ 694883 h 694883"/>
+              <a:gd name="connsiteX12" fmla="*/ 0 w 12192000"/>
+              <a:gd name="connsiteY12" fmla="*/ 694883 h 694883"/>
+              <a:gd name="connsiteX13" fmla="*/ 0 w 12192000"/>
+              <a:gd name="connsiteY13" fmla="*/ 149285 h 694883"/>
+              <a:gd name="connsiteX14" fmla="*/ 25907 w 12192000"/>
+              <a:gd name="connsiteY14" fmla="*/ 142099 h 694883"/>
+              <a:gd name="connsiteX15" fmla="*/ 1018572 w 12192000"/>
+              <a:gd name="connsiteY15" fmla="*/ 56894 h 694883"/>
+              <a:gd name="connsiteX0" fmla="*/ 1018572 w 12192000"/>
+              <a:gd name="connsiteY0" fmla="*/ 56894 h 694883"/>
+              <a:gd name="connsiteX1" fmla="*/ 2164466 w 12192000"/>
+              <a:gd name="connsiteY1" fmla="*/ 168573 h 694883"/>
+              <a:gd name="connsiteX2" fmla="*/ 3472404 w 12192000"/>
+              <a:gd name="connsiteY2" fmla="*/ 64401 h 694883"/>
+              <a:gd name="connsiteX3" fmla="*/ 4780345 w 12192000"/>
+              <a:gd name="connsiteY3" fmla="*/ 133722 h 694883"/>
+              <a:gd name="connsiteX4" fmla="*/ 6840638 w 12192000"/>
+              <a:gd name="connsiteY4" fmla="*/ 34807 h 694883"/>
+              <a:gd name="connsiteX5" fmla="*/ 8113852 w 12192000"/>
+              <a:gd name="connsiteY5" fmla="*/ 92806 h 694883"/>
+              <a:gd name="connsiteX6" fmla="*/ 9387068 w 12192000"/>
+              <a:gd name="connsiteY6" fmla="*/ 83 h 694883"/>
+              <a:gd name="connsiteX7" fmla="*/ 10428789 w 12192000"/>
+              <a:gd name="connsiteY7" fmla="*/ 111887 h 694883"/>
+              <a:gd name="connsiteX8" fmla="*/ 11308465 w 12192000"/>
+              <a:gd name="connsiteY8" fmla="*/ 10344 h 694883"/>
+              <a:gd name="connsiteX9" fmla="*/ 12121497 w 12192000"/>
+              <a:gd name="connsiteY9" fmla="*/ 86712 h 694883"/>
+              <a:gd name="connsiteX10" fmla="*/ 12192000 w 12192000"/>
+              <a:gd name="connsiteY10" fmla="*/ 107758 h 694883"/>
+              <a:gd name="connsiteX11" fmla="*/ 12192000 w 12192000"/>
+              <a:gd name="connsiteY11" fmla="*/ 694883 h 694883"/>
+              <a:gd name="connsiteX12" fmla="*/ 0 w 12192000"/>
+              <a:gd name="connsiteY12" fmla="*/ 694883 h 694883"/>
+              <a:gd name="connsiteX13" fmla="*/ 0 w 12192000"/>
+              <a:gd name="connsiteY13" fmla="*/ 149285 h 694883"/>
+              <a:gd name="connsiteX14" fmla="*/ 25907 w 12192000"/>
+              <a:gd name="connsiteY14" fmla="*/ 142099 h 694883"/>
+              <a:gd name="connsiteX15" fmla="*/ 1018572 w 12192000"/>
+              <a:gd name="connsiteY15" fmla="*/ 56894 h 694883"/>
+              <a:gd name="connsiteX0" fmla="*/ 1018572 w 12192000"/>
+              <a:gd name="connsiteY0" fmla="*/ 56892 h 694881"/>
+              <a:gd name="connsiteX1" fmla="*/ 2164466 w 12192000"/>
+              <a:gd name="connsiteY1" fmla="*/ 168571 h 694881"/>
+              <a:gd name="connsiteX2" fmla="*/ 3472404 w 12192000"/>
+              <a:gd name="connsiteY2" fmla="*/ 64399 h 694881"/>
+              <a:gd name="connsiteX3" fmla="*/ 4780345 w 12192000"/>
+              <a:gd name="connsiteY3" fmla="*/ 133720 h 694881"/>
+              <a:gd name="connsiteX4" fmla="*/ 6169306 w 12192000"/>
+              <a:gd name="connsiteY4" fmla="*/ 21917 h 694881"/>
+              <a:gd name="connsiteX5" fmla="*/ 8113852 w 12192000"/>
+              <a:gd name="connsiteY5" fmla="*/ 92804 h 694881"/>
+              <a:gd name="connsiteX6" fmla="*/ 9387068 w 12192000"/>
+              <a:gd name="connsiteY6" fmla="*/ 81 h 694881"/>
+              <a:gd name="connsiteX7" fmla="*/ 10428789 w 12192000"/>
+              <a:gd name="connsiteY7" fmla="*/ 111885 h 694881"/>
+              <a:gd name="connsiteX8" fmla="*/ 11308465 w 12192000"/>
+              <a:gd name="connsiteY8" fmla="*/ 10342 h 694881"/>
+              <a:gd name="connsiteX9" fmla="*/ 12121497 w 12192000"/>
+              <a:gd name="connsiteY9" fmla="*/ 86710 h 694881"/>
+              <a:gd name="connsiteX10" fmla="*/ 12192000 w 12192000"/>
+              <a:gd name="connsiteY10" fmla="*/ 107756 h 694881"/>
+              <a:gd name="connsiteX11" fmla="*/ 12192000 w 12192000"/>
+              <a:gd name="connsiteY11" fmla="*/ 694881 h 694881"/>
+              <a:gd name="connsiteX12" fmla="*/ 0 w 12192000"/>
+              <a:gd name="connsiteY12" fmla="*/ 694881 h 694881"/>
+              <a:gd name="connsiteX13" fmla="*/ 0 w 12192000"/>
+              <a:gd name="connsiteY13" fmla="*/ 149283 h 694881"/>
+              <a:gd name="connsiteX14" fmla="*/ 25907 w 12192000"/>
+              <a:gd name="connsiteY14" fmla="*/ 142097 h 694881"/>
+              <a:gd name="connsiteX15" fmla="*/ 1018572 w 12192000"/>
+              <a:gd name="connsiteY15" fmla="*/ 56892 h 694881"/>
+              <a:gd name="connsiteX0" fmla="*/ 1018572 w 12192000"/>
+              <a:gd name="connsiteY0" fmla="*/ 56812 h 694801"/>
+              <a:gd name="connsiteX1" fmla="*/ 2164466 w 12192000"/>
+              <a:gd name="connsiteY1" fmla="*/ 168491 h 694801"/>
+              <a:gd name="connsiteX2" fmla="*/ 3472404 w 12192000"/>
+              <a:gd name="connsiteY2" fmla="*/ 64319 h 694801"/>
+              <a:gd name="connsiteX3" fmla="*/ 4780345 w 12192000"/>
+              <a:gd name="connsiteY3" fmla="*/ 133640 h 694801"/>
+              <a:gd name="connsiteX4" fmla="*/ 6169306 w 12192000"/>
+              <a:gd name="connsiteY4" fmla="*/ 21837 h 694801"/>
+              <a:gd name="connsiteX5" fmla="*/ 7523543 w 12192000"/>
+              <a:gd name="connsiteY5" fmla="*/ 112057 h 694801"/>
+              <a:gd name="connsiteX6" fmla="*/ 9387068 w 12192000"/>
+              <a:gd name="connsiteY6" fmla="*/ 1 h 694801"/>
+              <a:gd name="connsiteX7" fmla="*/ 10428789 w 12192000"/>
+              <a:gd name="connsiteY7" fmla="*/ 111805 h 694801"/>
+              <a:gd name="connsiteX8" fmla="*/ 11308465 w 12192000"/>
+              <a:gd name="connsiteY8" fmla="*/ 10262 h 694801"/>
+              <a:gd name="connsiteX9" fmla="*/ 12121497 w 12192000"/>
+              <a:gd name="connsiteY9" fmla="*/ 86630 h 694801"/>
+              <a:gd name="connsiteX10" fmla="*/ 12192000 w 12192000"/>
+              <a:gd name="connsiteY10" fmla="*/ 107676 h 694801"/>
+              <a:gd name="connsiteX11" fmla="*/ 12192000 w 12192000"/>
+              <a:gd name="connsiteY11" fmla="*/ 694801 h 694801"/>
+              <a:gd name="connsiteX12" fmla="*/ 0 w 12192000"/>
+              <a:gd name="connsiteY12" fmla="*/ 694801 h 694801"/>
+              <a:gd name="connsiteX13" fmla="*/ 0 w 12192000"/>
+              <a:gd name="connsiteY13" fmla="*/ 149203 h 694801"/>
+              <a:gd name="connsiteX14" fmla="*/ 25907 w 12192000"/>
+              <a:gd name="connsiteY14" fmla="*/ 142017 h 694801"/>
+              <a:gd name="connsiteX15" fmla="*/ 1018572 w 12192000"/>
+              <a:gd name="connsiteY15" fmla="*/ 56812 h 694801"/>
+              <a:gd name="connsiteX0" fmla="*/ 1018572 w 12192000"/>
+              <a:gd name="connsiteY0" fmla="*/ 56812 h 694801"/>
+              <a:gd name="connsiteX1" fmla="*/ 2164466 w 12192000"/>
+              <a:gd name="connsiteY1" fmla="*/ 168491 h 694801"/>
+              <a:gd name="connsiteX2" fmla="*/ 3472404 w 12192000"/>
+              <a:gd name="connsiteY2" fmla="*/ 64319 h 694801"/>
+              <a:gd name="connsiteX3" fmla="*/ 4780345 w 12192000"/>
+              <a:gd name="connsiteY3" fmla="*/ 133640 h 694801"/>
+              <a:gd name="connsiteX4" fmla="*/ 6169306 w 12192000"/>
+              <a:gd name="connsiteY4" fmla="*/ 21837 h 694801"/>
+              <a:gd name="connsiteX5" fmla="*/ 7523543 w 12192000"/>
+              <a:gd name="connsiteY5" fmla="*/ 112057 h 694801"/>
+              <a:gd name="connsiteX6" fmla="*/ 8611564 w 12192000"/>
+              <a:gd name="connsiteY6" fmla="*/ 1 h 694801"/>
+              <a:gd name="connsiteX7" fmla="*/ 10428789 w 12192000"/>
+              <a:gd name="connsiteY7" fmla="*/ 111805 h 694801"/>
+              <a:gd name="connsiteX8" fmla="*/ 11308465 w 12192000"/>
+              <a:gd name="connsiteY8" fmla="*/ 10262 h 694801"/>
+              <a:gd name="connsiteX9" fmla="*/ 12121497 w 12192000"/>
+              <a:gd name="connsiteY9" fmla="*/ 86630 h 694801"/>
+              <a:gd name="connsiteX10" fmla="*/ 12192000 w 12192000"/>
+              <a:gd name="connsiteY10" fmla="*/ 107676 h 694801"/>
+              <a:gd name="connsiteX11" fmla="*/ 12192000 w 12192000"/>
+              <a:gd name="connsiteY11" fmla="*/ 694801 h 694801"/>
+              <a:gd name="connsiteX12" fmla="*/ 0 w 12192000"/>
+              <a:gd name="connsiteY12" fmla="*/ 694801 h 694801"/>
+              <a:gd name="connsiteX13" fmla="*/ 0 w 12192000"/>
+              <a:gd name="connsiteY13" fmla="*/ 149203 h 694801"/>
+              <a:gd name="connsiteX14" fmla="*/ 25907 w 12192000"/>
+              <a:gd name="connsiteY14" fmla="*/ 142017 h 694801"/>
+              <a:gd name="connsiteX15" fmla="*/ 1018572 w 12192000"/>
+              <a:gd name="connsiteY15" fmla="*/ 56812 h 694801"/>
+              <a:gd name="connsiteX0" fmla="*/ 1018572 w 12192000"/>
+              <a:gd name="connsiteY0" fmla="*/ 57063 h 695052"/>
+              <a:gd name="connsiteX1" fmla="*/ 2164466 w 12192000"/>
+              <a:gd name="connsiteY1" fmla="*/ 168742 h 695052"/>
+              <a:gd name="connsiteX2" fmla="*/ 3472404 w 12192000"/>
+              <a:gd name="connsiteY2" fmla="*/ 64570 h 695052"/>
+              <a:gd name="connsiteX3" fmla="*/ 4780345 w 12192000"/>
+              <a:gd name="connsiteY3" fmla="*/ 133891 h 695052"/>
+              <a:gd name="connsiteX4" fmla="*/ 6169306 w 12192000"/>
+              <a:gd name="connsiteY4" fmla="*/ 22088 h 695052"/>
+              <a:gd name="connsiteX5" fmla="*/ 7523543 w 12192000"/>
+              <a:gd name="connsiteY5" fmla="*/ 112308 h 695052"/>
+              <a:gd name="connsiteX6" fmla="*/ 8611564 w 12192000"/>
+              <a:gd name="connsiteY6" fmla="*/ 252 h 695052"/>
+              <a:gd name="connsiteX7" fmla="*/ 9965802 w 12192000"/>
+              <a:gd name="connsiteY7" fmla="*/ 79834 h 695052"/>
+              <a:gd name="connsiteX8" fmla="*/ 11308465 w 12192000"/>
+              <a:gd name="connsiteY8" fmla="*/ 10513 h 695052"/>
+              <a:gd name="connsiteX9" fmla="*/ 12121497 w 12192000"/>
+              <a:gd name="connsiteY9" fmla="*/ 86881 h 695052"/>
+              <a:gd name="connsiteX10" fmla="*/ 12192000 w 12192000"/>
+              <a:gd name="connsiteY10" fmla="*/ 107927 h 695052"/>
+              <a:gd name="connsiteX11" fmla="*/ 12192000 w 12192000"/>
+              <a:gd name="connsiteY11" fmla="*/ 695052 h 695052"/>
+              <a:gd name="connsiteX12" fmla="*/ 0 w 12192000"/>
+              <a:gd name="connsiteY12" fmla="*/ 695052 h 695052"/>
+              <a:gd name="connsiteX13" fmla="*/ 0 w 12192000"/>
+              <a:gd name="connsiteY13" fmla="*/ 149454 h 695052"/>
+              <a:gd name="connsiteX14" fmla="*/ 25907 w 12192000"/>
+              <a:gd name="connsiteY14" fmla="*/ 142268 h 695052"/>
+              <a:gd name="connsiteX15" fmla="*/ 1018572 w 12192000"/>
+              <a:gd name="connsiteY15" fmla="*/ 57063 h 695052"/>
+              <a:gd name="connsiteX0" fmla="*/ 1018572 w 12192000"/>
+              <a:gd name="connsiteY0" fmla="*/ 65894 h 703883"/>
+              <a:gd name="connsiteX1" fmla="*/ 2164466 w 12192000"/>
+              <a:gd name="connsiteY1" fmla="*/ 177573 h 703883"/>
+              <a:gd name="connsiteX2" fmla="*/ 3472404 w 12192000"/>
+              <a:gd name="connsiteY2" fmla="*/ 73401 h 703883"/>
+              <a:gd name="connsiteX3" fmla="*/ 4780345 w 12192000"/>
+              <a:gd name="connsiteY3" fmla="*/ 142722 h 703883"/>
+              <a:gd name="connsiteX4" fmla="*/ 6169306 w 12192000"/>
+              <a:gd name="connsiteY4" fmla="*/ 30919 h 703883"/>
+              <a:gd name="connsiteX5" fmla="*/ 7523543 w 12192000"/>
+              <a:gd name="connsiteY5" fmla="*/ 121139 h 703883"/>
+              <a:gd name="connsiteX6" fmla="*/ 8611564 w 12192000"/>
+              <a:gd name="connsiteY6" fmla="*/ 9083 h 703883"/>
+              <a:gd name="connsiteX7" fmla="*/ 9965802 w 12192000"/>
+              <a:gd name="connsiteY7" fmla="*/ 88665 h 703883"/>
+              <a:gd name="connsiteX8" fmla="*/ 11169569 w 12192000"/>
+              <a:gd name="connsiteY8" fmla="*/ 11 h 703883"/>
+              <a:gd name="connsiteX9" fmla="*/ 12121497 w 12192000"/>
+              <a:gd name="connsiteY9" fmla="*/ 95712 h 703883"/>
+              <a:gd name="connsiteX10" fmla="*/ 12192000 w 12192000"/>
+              <a:gd name="connsiteY10" fmla="*/ 116758 h 703883"/>
+              <a:gd name="connsiteX11" fmla="*/ 12192000 w 12192000"/>
+              <a:gd name="connsiteY11" fmla="*/ 703883 h 703883"/>
+              <a:gd name="connsiteX12" fmla="*/ 0 w 12192000"/>
+              <a:gd name="connsiteY12" fmla="*/ 703883 h 703883"/>
+              <a:gd name="connsiteX13" fmla="*/ 0 w 12192000"/>
+              <a:gd name="connsiteY13" fmla="*/ 158285 h 703883"/>
+              <a:gd name="connsiteX14" fmla="*/ 25907 w 12192000"/>
+              <a:gd name="connsiteY14" fmla="*/ 151099 h 703883"/>
+              <a:gd name="connsiteX15" fmla="*/ 1018572 w 12192000"/>
+              <a:gd name="connsiteY15" fmla="*/ 65894 h 703883"/>
+            </a:gdLst>
+            <a:ahLst/>
+            <a:cxnLst>
+              <a:cxn ang="0">
+                <a:pos x="connsiteX0" y="connsiteY0"/>
+              </a:cxn>
+              <a:cxn ang="0">
+                <a:pos x="connsiteX1" y="connsiteY1"/>
+              </a:cxn>
+              <a:cxn ang="0">
+                <a:pos x="connsiteX2" y="connsiteY2"/>
+              </a:cxn>
+              <a:cxn ang="0">
+                <a:pos x="connsiteX3" y="connsiteY3"/>
+              </a:cxn>
+              <a:cxn ang="0">
+                <a:pos x="connsiteX4" y="connsiteY4"/>
+              </a:cxn>
+              <a:cxn ang="0">
+                <a:pos x="connsiteX5" y="connsiteY5"/>
+              </a:cxn>
+              <a:cxn ang="0">
+                <a:pos x="connsiteX6" y="connsiteY6"/>
+              </a:cxn>
+              <a:cxn ang="0">
+                <a:pos x="connsiteX7" y="connsiteY7"/>
+              </a:cxn>
+              <a:cxn ang="0">
+                <a:pos x="connsiteX8" y="connsiteY8"/>
+              </a:cxn>
+              <a:cxn ang="0">
+                <a:pos x="connsiteX9" y="connsiteY9"/>
+              </a:cxn>
+              <a:cxn ang="0">
+                <a:pos x="connsiteX10" y="connsiteY10"/>
+              </a:cxn>
+              <a:cxn ang="0">
+                <a:pos x="connsiteX11" y="connsiteY11"/>
+              </a:cxn>
+              <a:cxn ang="0">
+                <a:pos x="connsiteX12" y="connsiteY12"/>
+              </a:cxn>
+              <a:cxn ang="0">
+                <a:pos x="connsiteX13" y="connsiteY13"/>
+              </a:cxn>
+              <a:cxn ang="0">
+                <a:pos x="connsiteX14" y="connsiteY14"/>
+              </a:cxn>
+              <a:cxn ang="0">
+                <a:pos x="connsiteX15" y="connsiteY15"/>
+              </a:cxn>
+            </a:cxnLst>
+            <a:rect l="l" t="t" r="r" b="b"/>
+            <a:pathLst>
+              <a:path w="12192000" h="703883">
+                <a:moveTo>
+                  <a:pt x="1018572" y="65894"/>
+                </a:moveTo>
+                <a:cubicBezTo>
+                  <a:pt x="1516283" y="65894"/>
+                  <a:pt x="1755494" y="176322"/>
+                  <a:pt x="2164466" y="177573"/>
+                </a:cubicBezTo>
+                <a:cubicBezTo>
+                  <a:pt x="2573438" y="178824"/>
+                  <a:pt x="3036424" y="79209"/>
+                  <a:pt x="3472404" y="73401"/>
+                </a:cubicBezTo>
+                <a:cubicBezTo>
+                  <a:pt x="3908384" y="67593"/>
+                  <a:pt x="4330861" y="149802"/>
+                  <a:pt x="4780345" y="142722"/>
+                </a:cubicBezTo>
+                <a:cubicBezTo>
+                  <a:pt x="5229829" y="135642"/>
+                  <a:pt x="5712106" y="34516"/>
+                  <a:pt x="6169306" y="30919"/>
+                </a:cubicBezTo>
+                <a:cubicBezTo>
+                  <a:pt x="6626506" y="27322"/>
+                  <a:pt x="7116500" y="124778"/>
+                  <a:pt x="7523543" y="121139"/>
+                </a:cubicBezTo>
+                <a:cubicBezTo>
+                  <a:pt x="7930586" y="117500"/>
+                  <a:pt x="8204521" y="14495"/>
+                  <a:pt x="8611564" y="9083"/>
+                </a:cubicBezTo>
+                <a:cubicBezTo>
+                  <a:pt x="9018607" y="3671"/>
+                  <a:pt x="9539468" y="90177"/>
+                  <a:pt x="9965802" y="88665"/>
+                </a:cubicBezTo>
+                <a:cubicBezTo>
+                  <a:pt x="10392136" y="87153"/>
+                  <a:pt x="10810287" y="-1163"/>
+                  <a:pt x="11169569" y="11"/>
+                </a:cubicBezTo>
+                <a:cubicBezTo>
+                  <a:pt x="11528851" y="1185"/>
+                  <a:pt x="11923371" y="45254"/>
+                  <a:pt x="12121497" y="95712"/>
+                </a:cubicBezTo>
+                <a:lnTo>
+                  <a:pt x="12192000" y="116758"/>
+                </a:lnTo>
+                <a:lnTo>
+                  <a:pt x="12192000" y="703883"/>
+                </a:lnTo>
+                <a:lnTo>
+                  <a:pt x="0" y="703883"/>
+                </a:lnTo>
+                <a:lnTo>
+                  <a:pt x="0" y="158285"/>
+                </a:lnTo>
+                <a:lnTo>
+                  <a:pt x="25907" y="151099"/>
+                </a:lnTo>
+                <a:cubicBezTo>
+                  <a:pt x="211057" y="92758"/>
+                  <a:pt x="583075" y="65894"/>
+                  <a:pt x="1018572" y="65894"/>
+                </a:cubicBezTo>
+                <a:close/>
+              </a:path>
+            </a:pathLst>
+          </a:custGeom>
+          <a:solidFill>
+            <a:srgbClr val="A1C6E7"/>
+          </a:solidFill>
+          <a:ln>
+            <a:noFill/>
+          </a:ln>
+        </p:spPr>
+        <p:style>
+          <a:lnRef idx="2">
+            <a:schemeClr val="accent1">
+              <a:shade val="50000"/>
+            </a:schemeClr>
+          </a:lnRef>
+          <a:fillRef idx="1">
+            <a:schemeClr val="accent1"/>
+          </a:fillRef>
+          <a:effectRef idx="0">
+            <a:schemeClr val="accent1"/>
+          </a:effectRef>
+          <a:fontRef idx="minor">
+            <a:schemeClr val="lt1"/>
+          </a:fontRef>
+        </p:style>
+        <p:txBody>
+          <a:bodyPr rtlCol="0" anchor="ctr"/>
+          <a:lstStyle/>
+          <a:p>
+            <a:pPr algn="ctr"/>
+            <a:endParaRPr lang="ko-KR" altLang="en-US" dirty="0"/>
+          </a:p>
+        </p:txBody>
+      </p:sp>
+      <p:sp>
+        <p:nvSpPr>
+          <p:cNvPr id="27" name="자유형: 도형 26"/>
+          <p:cNvSpPr/>
+          <p:nvPr/>
+        </p:nvSpPr>
+        <p:spPr>
+          <a:xfrm rot="10800000">
+            <a:off x="0" y="-1"/>
+            <a:ext cx="12192000" cy="1264246"/>
+          </a:xfrm>
+          <a:custGeom>
+            <a:avLst/>
+            <a:gdLst>
+              <a:gd name="connsiteX0" fmla="*/ 949124 w 12192000"/>
+              <a:gd name="connsiteY0" fmla="*/ 0 h 741099"/>
+              <a:gd name="connsiteX1" fmla="*/ 2939970 w 12192000"/>
+              <a:gd name="connsiteY1" fmla="*/ 208344 h 741099"/>
+              <a:gd name="connsiteX2" fmla="*/ 4132162 w 12192000"/>
+              <a:gd name="connsiteY2" fmla="*/ 104172 h 741099"/>
+              <a:gd name="connsiteX3" fmla="*/ 5335930 w 12192000"/>
+              <a:gd name="connsiteY3" fmla="*/ 231493 h 741099"/>
+              <a:gd name="connsiteX4" fmla="*/ 6840638 w 12192000"/>
+              <a:gd name="connsiteY4" fmla="*/ 81023 h 741099"/>
+              <a:gd name="connsiteX5" fmla="*/ 7998106 w 12192000"/>
+              <a:gd name="connsiteY5" fmla="*/ 81023 h 741099"/>
+              <a:gd name="connsiteX6" fmla="*/ 9387068 w 12192000"/>
+              <a:gd name="connsiteY6" fmla="*/ 46299 h 741099"/>
+              <a:gd name="connsiteX7" fmla="*/ 10417215 w 12192000"/>
+              <a:gd name="connsiteY7" fmla="*/ 196769 h 741099"/>
+              <a:gd name="connsiteX8" fmla="*/ 11447362 w 12192000"/>
+              <a:gd name="connsiteY8" fmla="*/ 69448 h 741099"/>
+              <a:gd name="connsiteX9" fmla="*/ 12121497 w 12192000"/>
+              <a:gd name="connsiteY9" fmla="*/ 132928 h 741099"/>
+              <a:gd name="connsiteX10" fmla="*/ 12192000 w 12192000"/>
+              <a:gd name="connsiteY10" fmla="*/ 153974 h 741099"/>
+              <a:gd name="connsiteX11" fmla="*/ 12192000 w 12192000"/>
+              <a:gd name="connsiteY11" fmla="*/ 741099 h 741099"/>
+              <a:gd name="connsiteX12" fmla="*/ 0 w 12192000"/>
+              <a:gd name="connsiteY12" fmla="*/ 741099 h 741099"/>
+              <a:gd name="connsiteX13" fmla="*/ 0 w 12192000"/>
+              <a:gd name="connsiteY13" fmla="*/ 195501 h 741099"/>
+              <a:gd name="connsiteX14" fmla="*/ 25907 w 12192000"/>
+              <a:gd name="connsiteY14" fmla="*/ 188315 h 741099"/>
+              <a:gd name="connsiteX15" fmla="*/ 949124 w 12192000"/>
+              <a:gd name="connsiteY15" fmla="*/ 0 h 741099"/>
+              <a:gd name="connsiteX0" fmla="*/ 949124 w 12192000"/>
+              <a:gd name="connsiteY0" fmla="*/ 0 h 741099"/>
+              <a:gd name="connsiteX1" fmla="*/ 2939970 w 12192000"/>
+              <a:gd name="connsiteY1" fmla="*/ 208344 h 741099"/>
+              <a:gd name="connsiteX2" fmla="*/ 4132162 w 12192000"/>
+              <a:gd name="connsiteY2" fmla="*/ 104172 h 741099"/>
+              <a:gd name="connsiteX3" fmla="*/ 5335930 w 12192000"/>
+              <a:gd name="connsiteY3" fmla="*/ 231493 h 741099"/>
+              <a:gd name="connsiteX4" fmla="*/ 6840638 w 12192000"/>
+              <a:gd name="connsiteY4" fmla="*/ 81023 h 741099"/>
+              <a:gd name="connsiteX5" fmla="*/ 7998106 w 12192000"/>
+              <a:gd name="connsiteY5" fmla="*/ 81023 h 741099"/>
+              <a:gd name="connsiteX6" fmla="*/ 9387068 w 12192000"/>
+              <a:gd name="connsiteY6" fmla="*/ 46299 h 741099"/>
+              <a:gd name="connsiteX7" fmla="*/ 10428789 w 12192000"/>
+              <a:gd name="connsiteY7" fmla="*/ 158103 h 741099"/>
+              <a:gd name="connsiteX8" fmla="*/ 11447362 w 12192000"/>
+              <a:gd name="connsiteY8" fmla="*/ 69448 h 741099"/>
+              <a:gd name="connsiteX9" fmla="*/ 12121497 w 12192000"/>
+              <a:gd name="connsiteY9" fmla="*/ 132928 h 741099"/>
+              <a:gd name="connsiteX10" fmla="*/ 12192000 w 12192000"/>
+              <a:gd name="connsiteY10" fmla="*/ 153974 h 741099"/>
+              <a:gd name="connsiteX11" fmla="*/ 12192000 w 12192000"/>
+              <a:gd name="connsiteY11" fmla="*/ 741099 h 741099"/>
+              <a:gd name="connsiteX12" fmla="*/ 0 w 12192000"/>
+              <a:gd name="connsiteY12" fmla="*/ 741099 h 741099"/>
+              <a:gd name="connsiteX13" fmla="*/ 0 w 12192000"/>
+              <a:gd name="connsiteY13" fmla="*/ 195501 h 741099"/>
+              <a:gd name="connsiteX14" fmla="*/ 25907 w 12192000"/>
+              <a:gd name="connsiteY14" fmla="*/ 188315 h 741099"/>
+              <a:gd name="connsiteX15" fmla="*/ 949124 w 12192000"/>
+              <a:gd name="connsiteY15" fmla="*/ 0 h 741099"/>
+              <a:gd name="connsiteX0" fmla="*/ 833377 w 12192000"/>
+              <a:gd name="connsiteY0" fmla="*/ 33474 h 697241"/>
+              <a:gd name="connsiteX1" fmla="*/ 2939970 w 12192000"/>
+              <a:gd name="connsiteY1" fmla="*/ 164486 h 697241"/>
+              <a:gd name="connsiteX2" fmla="*/ 4132162 w 12192000"/>
+              <a:gd name="connsiteY2" fmla="*/ 60314 h 697241"/>
+              <a:gd name="connsiteX3" fmla="*/ 5335930 w 12192000"/>
+              <a:gd name="connsiteY3" fmla="*/ 187635 h 697241"/>
+              <a:gd name="connsiteX4" fmla="*/ 6840638 w 12192000"/>
+              <a:gd name="connsiteY4" fmla="*/ 37165 h 697241"/>
+              <a:gd name="connsiteX5" fmla="*/ 7998106 w 12192000"/>
+              <a:gd name="connsiteY5" fmla="*/ 37165 h 697241"/>
+              <a:gd name="connsiteX6" fmla="*/ 9387068 w 12192000"/>
+              <a:gd name="connsiteY6" fmla="*/ 2441 h 697241"/>
+              <a:gd name="connsiteX7" fmla="*/ 10428789 w 12192000"/>
+              <a:gd name="connsiteY7" fmla="*/ 114245 h 697241"/>
+              <a:gd name="connsiteX8" fmla="*/ 11447362 w 12192000"/>
+              <a:gd name="connsiteY8" fmla="*/ 25590 h 697241"/>
+              <a:gd name="connsiteX9" fmla="*/ 12121497 w 12192000"/>
+              <a:gd name="connsiteY9" fmla="*/ 89070 h 697241"/>
+              <a:gd name="connsiteX10" fmla="*/ 12192000 w 12192000"/>
+              <a:gd name="connsiteY10" fmla="*/ 110116 h 697241"/>
+              <a:gd name="connsiteX11" fmla="*/ 12192000 w 12192000"/>
+              <a:gd name="connsiteY11" fmla="*/ 697241 h 697241"/>
+              <a:gd name="connsiteX12" fmla="*/ 0 w 12192000"/>
+              <a:gd name="connsiteY12" fmla="*/ 697241 h 697241"/>
+              <a:gd name="connsiteX13" fmla="*/ 0 w 12192000"/>
+              <a:gd name="connsiteY13" fmla="*/ 151643 h 697241"/>
+              <a:gd name="connsiteX14" fmla="*/ 25907 w 12192000"/>
+              <a:gd name="connsiteY14" fmla="*/ 144457 h 697241"/>
+              <a:gd name="connsiteX15" fmla="*/ 833377 w 12192000"/>
+              <a:gd name="connsiteY15" fmla="*/ 33474 h 697241"/>
+              <a:gd name="connsiteX0" fmla="*/ 833377 w 12192000"/>
+              <a:gd name="connsiteY0" fmla="*/ 31116 h 694883"/>
+              <a:gd name="connsiteX1" fmla="*/ 2939970 w 12192000"/>
+              <a:gd name="connsiteY1" fmla="*/ 162128 h 694883"/>
+              <a:gd name="connsiteX2" fmla="*/ 4132162 w 12192000"/>
+              <a:gd name="connsiteY2" fmla="*/ 57956 h 694883"/>
+              <a:gd name="connsiteX3" fmla="*/ 5335930 w 12192000"/>
+              <a:gd name="connsiteY3" fmla="*/ 185277 h 694883"/>
+              <a:gd name="connsiteX4" fmla="*/ 6840638 w 12192000"/>
+              <a:gd name="connsiteY4" fmla="*/ 34807 h 694883"/>
+              <a:gd name="connsiteX5" fmla="*/ 8113852 w 12192000"/>
+              <a:gd name="connsiteY5" fmla="*/ 92806 h 694883"/>
+              <a:gd name="connsiteX6" fmla="*/ 9387068 w 12192000"/>
+              <a:gd name="connsiteY6" fmla="*/ 83 h 694883"/>
+              <a:gd name="connsiteX7" fmla="*/ 10428789 w 12192000"/>
+              <a:gd name="connsiteY7" fmla="*/ 111887 h 694883"/>
+              <a:gd name="connsiteX8" fmla="*/ 11447362 w 12192000"/>
+              <a:gd name="connsiteY8" fmla="*/ 23232 h 694883"/>
+              <a:gd name="connsiteX9" fmla="*/ 12121497 w 12192000"/>
+              <a:gd name="connsiteY9" fmla="*/ 86712 h 694883"/>
+              <a:gd name="connsiteX10" fmla="*/ 12192000 w 12192000"/>
+              <a:gd name="connsiteY10" fmla="*/ 107758 h 694883"/>
+              <a:gd name="connsiteX11" fmla="*/ 12192000 w 12192000"/>
+              <a:gd name="connsiteY11" fmla="*/ 694883 h 694883"/>
+              <a:gd name="connsiteX12" fmla="*/ 0 w 12192000"/>
+              <a:gd name="connsiteY12" fmla="*/ 694883 h 694883"/>
+              <a:gd name="connsiteX13" fmla="*/ 0 w 12192000"/>
+              <a:gd name="connsiteY13" fmla="*/ 149285 h 694883"/>
+              <a:gd name="connsiteX14" fmla="*/ 25907 w 12192000"/>
+              <a:gd name="connsiteY14" fmla="*/ 142099 h 694883"/>
+              <a:gd name="connsiteX15" fmla="*/ 833377 w 12192000"/>
+              <a:gd name="connsiteY15" fmla="*/ 31116 h 694883"/>
+              <a:gd name="connsiteX0" fmla="*/ 833377 w 12192000"/>
+              <a:gd name="connsiteY0" fmla="*/ 31116 h 694883"/>
+              <a:gd name="connsiteX1" fmla="*/ 2939970 w 12192000"/>
+              <a:gd name="connsiteY1" fmla="*/ 162128 h 694883"/>
+              <a:gd name="connsiteX2" fmla="*/ 4132162 w 12192000"/>
+              <a:gd name="connsiteY2" fmla="*/ 57956 h 694883"/>
+              <a:gd name="connsiteX3" fmla="*/ 5243333 w 12192000"/>
+              <a:gd name="connsiteY3" fmla="*/ 140167 h 694883"/>
+              <a:gd name="connsiteX4" fmla="*/ 6840638 w 12192000"/>
+              <a:gd name="connsiteY4" fmla="*/ 34807 h 694883"/>
+              <a:gd name="connsiteX5" fmla="*/ 8113852 w 12192000"/>
+              <a:gd name="connsiteY5" fmla="*/ 92806 h 694883"/>
+              <a:gd name="connsiteX6" fmla="*/ 9387068 w 12192000"/>
+              <a:gd name="connsiteY6" fmla="*/ 83 h 694883"/>
+              <a:gd name="connsiteX7" fmla="*/ 10428789 w 12192000"/>
+              <a:gd name="connsiteY7" fmla="*/ 111887 h 694883"/>
+              <a:gd name="connsiteX8" fmla="*/ 11447362 w 12192000"/>
+              <a:gd name="connsiteY8" fmla="*/ 23232 h 694883"/>
+              <a:gd name="connsiteX9" fmla="*/ 12121497 w 12192000"/>
+              <a:gd name="connsiteY9" fmla="*/ 86712 h 694883"/>
+              <a:gd name="connsiteX10" fmla="*/ 12192000 w 12192000"/>
+              <a:gd name="connsiteY10" fmla="*/ 107758 h 694883"/>
+              <a:gd name="connsiteX11" fmla="*/ 12192000 w 12192000"/>
+              <a:gd name="connsiteY11" fmla="*/ 694883 h 694883"/>
+              <a:gd name="connsiteX12" fmla="*/ 0 w 12192000"/>
+              <a:gd name="connsiteY12" fmla="*/ 694883 h 694883"/>
+              <a:gd name="connsiteX13" fmla="*/ 0 w 12192000"/>
+              <a:gd name="connsiteY13" fmla="*/ 149285 h 694883"/>
+              <a:gd name="connsiteX14" fmla="*/ 25907 w 12192000"/>
+              <a:gd name="connsiteY14" fmla="*/ 142099 h 694883"/>
+              <a:gd name="connsiteX15" fmla="*/ 833377 w 12192000"/>
+              <a:gd name="connsiteY15" fmla="*/ 31116 h 694883"/>
+              <a:gd name="connsiteX0" fmla="*/ 833377 w 12192000"/>
+              <a:gd name="connsiteY0" fmla="*/ 31116 h 694883"/>
+              <a:gd name="connsiteX1" fmla="*/ 2939970 w 12192000"/>
+              <a:gd name="connsiteY1" fmla="*/ 162128 h 694883"/>
+              <a:gd name="connsiteX2" fmla="*/ 3935392 w 12192000"/>
+              <a:gd name="connsiteY2" fmla="*/ 64401 h 694883"/>
+              <a:gd name="connsiteX3" fmla="*/ 5243333 w 12192000"/>
+              <a:gd name="connsiteY3" fmla="*/ 140167 h 694883"/>
+              <a:gd name="connsiteX4" fmla="*/ 6840638 w 12192000"/>
+              <a:gd name="connsiteY4" fmla="*/ 34807 h 694883"/>
+              <a:gd name="connsiteX5" fmla="*/ 8113852 w 12192000"/>
+              <a:gd name="connsiteY5" fmla="*/ 92806 h 694883"/>
+              <a:gd name="connsiteX6" fmla="*/ 9387068 w 12192000"/>
+              <a:gd name="connsiteY6" fmla="*/ 83 h 694883"/>
+              <a:gd name="connsiteX7" fmla="*/ 10428789 w 12192000"/>
+              <a:gd name="connsiteY7" fmla="*/ 111887 h 694883"/>
+              <a:gd name="connsiteX8" fmla="*/ 11447362 w 12192000"/>
+              <a:gd name="connsiteY8" fmla="*/ 23232 h 694883"/>
+              <a:gd name="connsiteX9" fmla="*/ 12121497 w 12192000"/>
+              <a:gd name="connsiteY9" fmla="*/ 86712 h 694883"/>
+              <a:gd name="connsiteX10" fmla="*/ 12192000 w 12192000"/>
+              <a:gd name="connsiteY10" fmla="*/ 107758 h 694883"/>
+              <a:gd name="connsiteX11" fmla="*/ 12192000 w 12192000"/>
+              <a:gd name="connsiteY11" fmla="*/ 694883 h 694883"/>
+              <a:gd name="connsiteX12" fmla="*/ 0 w 12192000"/>
+              <a:gd name="connsiteY12" fmla="*/ 694883 h 694883"/>
+              <a:gd name="connsiteX13" fmla="*/ 0 w 12192000"/>
+              <a:gd name="connsiteY13" fmla="*/ 149285 h 694883"/>
+              <a:gd name="connsiteX14" fmla="*/ 25907 w 12192000"/>
+              <a:gd name="connsiteY14" fmla="*/ 142099 h 694883"/>
+              <a:gd name="connsiteX15" fmla="*/ 833377 w 12192000"/>
+              <a:gd name="connsiteY15" fmla="*/ 31116 h 694883"/>
+              <a:gd name="connsiteX0" fmla="*/ 833377 w 12192000"/>
+              <a:gd name="connsiteY0" fmla="*/ 31116 h 694883"/>
+              <a:gd name="connsiteX1" fmla="*/ 2233914 w 12192000"/>
+              <a:gd name="connsiteY1" fmla="*/ 162128 h 694883"/>
+              <a:gd name="connsiteX2" fmla="*/ 3935392 w 12192000"/>
+              <a:gd name="connsiteY2" fmla="*/ 64401 h 694883"/>
+              <a:gd name="connsiteX3" fmla="*/ 5243333 w 12192000"/>
+              <a:gd name="connsiteY3" fmla="*/ 140167 h 694883"/>
+              <a:gd name="connsiteX4" fmla="*/ 6840638 w 12192000"/>
+              <a:gd name="connsiteY4" fmla="*/ 34807 h 694883"/>
+              <a:gd name="connsiteX5" fmla="*/ 8113852 w 12192000"/>
+              <a:gd name="connsiteY5" fmla="*/ 92806 h 694883"/>
+              <a:gd name="connsiteX6" fmla="*/ 9387068 w 12192000"/>
+              <a:gd name="connsiteY6" fmla="*/ 83 h 694883"/>
+              <a:gd name="connsiteX7" fmla="*/ 10428789 w 12192000"/>
+              <a:gd name="connsiteY7" fmla="*/ 111887 h 694883"/>
+              <a:gd name="connsiteX8" fmla="*/ 11447362 w 12192000"/>
+              <a:gd name="connsiteY8" fmla="*/ 23232 h 694883"/>
+              <a:gd name="connsiteX9" fmla="*/ 12121497 w 12192000"/>
+              <a:gd name="connsiteY9" fmla="*/ 86712 h 694883"/>
+              <a:gd name="connsiteX10" fmla="*/ 12192000 w 12192000"/>
+              <a:gd name="connsiteY10" fmla="*/ 107758 h 694883"/>
+              <a:gd name="connsiteX11" fmla="*/ 12192000 w 12192000"/>
+              <a:gd name="connsiteY11" fmla="*/ 694883 h 694883"/>
+              <a:gd name="connsiteX12" fmla="*/ 0 w 12192000"/>
+              <a:gd name="connsiteY12" fmla="*/ 694883 h 694883"/>
+              <a:gd name="connsiteX13" fmla="*/ 0 w 12192000"/>
+              <a:gd name="connsiteY13" fmla="*/ 149285 h 694883"/>
+              <a:gd name="connsiteX14" fmla="*/ 25907 w 12192000"/>
+              <a:gd name="connsiteY14" fmla="*/ 142099 h 694883"/>
+              <a:gd name="connsiteX15" fmla="*/ 833377 w 12192000"/>
+              <a:gd name="connsiteY15" fmla="*/ 31116 h 694883"/>
+              <a:gd name="connsiteX0" fmla="*/ 1018572 w 12192000"/>
+              <a:gd name="connsiteY0" fmla="*/ 56894 h 694883"/>
+              <a:gd name="connsiteX1" fmla="*/ 2233914 w 12192000"/>
+              <a:gd name="connsiteY1" fmla="*/ 162128 h 694883"/>
+              <a:gd name="connsiteX2" fmla="*/ 3935392 w 12192000"/>
+              <a:gd name="connsiteY2" fmla="*/ 64401 h 694883"/>
+              <a:gd name="connsiteX3" fmla="*/ 5243333 w 12192000"/>
+              <a:gd name="connsiteY3" fmla="*/ 140167 h 694883"/>
+              <a:gd name="connsiteX4" fmla="*/ 6840638 w 12192000"/>
+              <a:gd name="connsiteY4" fmla="*/ 34807 h 694883"/>
+              <a:gd name="connsiteX5" fmla="*/ 8113852 w 12192000"/>
+              <a:gd name="connsiteY5" fmla="*/ 92806 h 694883"/>
+              <a:gd name="connsiteX6" fmla="*/ 9387068 w 12192000"/>
+              <a:gd name="connsiteY6" fmla="*/ 83 h 694883"/>
+              <a:gd name="connsiteX7" fmla="*/ 10428789 w 12192000"/>
+              <a:gd name="connsiteY7" fmla="*/ 111887 h 694883"/>
+              <a:gd name="connsiteX8" fmla="*/ 11447362 w 12192000"/>
+              <a:gd name="connsiteY8" fmla="*/ 23232 h 694883"/>
+              <a:gd name="connsiteX9" fmla="*/ 12121497 w 12192000"/>
+              <a:gd name="connsiteY9" fmla="*/ 86712 h 694883"/>
+              <a:gd name="connsiteX10" fmla="*/ 12192000 w 12192000"/>
+              <a:gd name="connsiteY10" fmla="*/ 107758 h 694883"/>
+              <a:gd name="connsiteX11" fmla="*/ 12192000 w 12192000"/>
+              <a:gd name="connsiteY11" fmla="*/ 694883 h 694883"/>
+              <a:gd name="connsiteX12" fmla="*/ 0 w 12192000"/>
+              <a:gd name="connsiteY12" fmla="*/ 694883 h 694883"/>
+              <a:gd name="connsiteX13" fmla="*/ 0 w 12192000"/>
+              <a:gd name="connsiteY13" fmla="*/ 149285 h 694883"/>
+              <a:gd name="connsiteX14" fmla="*/ 25907 w 12192000"/>
+              <a:gd name="connsiteY14" fmla="*/ 142099 h 694883"/>
+              <a:gd name="connsiteX15" fmla="*/ 1018572 w 12192000"/>
+              <a:gd name="connsiteY15" fmla="*/ 56894 h 694883"/>
+              <a:gd name="connsiteX0" fmla="*/ 1018572 w 12192000"/>
+              <a:gd name="connsiteY0" fmla="*/ 56894 h 694883"/>
+              <a:gd name="connsiteX1" fmla="*/ 2233914 w 12192000"/>
+              <a:gd name="connsiteY1" fmla="*/ 162128 h 694883"/>
+              <a:gd name="connsiteX2" fmla="*/ 3935392 w 12192000"/>
+              <a:gd name="connsiteY2" fmla="*/ 64401 h 694883"/>
+              <a:gd name="connsiteX3" fmla="*/ 5243333 w 12192000"/>
+              <a:gd name="connsiteY3" fmla="*/ 140167 h 694883"/>
+              <a:gd name="connsiteX4" fmla="*/ 6840638 w 12192000"/>
+              <a:gd name="connsiteY4" fmla="*/ 34807 h 694883"/>
+              <a:gd name="connsiteX5" fmla="*/ 8113852 w 12192000"/>
+              <a:gd name="connsiteY5" fmla="*/ 92806 h 694883"/>
+              <a:gd name="connsiteX6" fmla="*/ 9387068 w 12192000"/>
+              <a:gd name="connsiteY6" fmla="*/ 83 h 694883"/>
+              <a:gd name="connsiteX7" fmla="*/ 10428789 w 12192000"/>
+              <a:gd name="connsiteY7" fmla="*/ 111887 h 694883"/>
+              <a:gd name="connsiteX8" fmla="*/ 11308465 w 12192000"/>
+              <a:gd name="connsiteY8" fmla="*/ 10344 h 694883"/>
+              <a:gd name="connsiteX9" fmla="*/ 12121497 w 12192000"/>
+              <a:gd name="connsiteY9" fmla="*/ 86712 h 694883"/>
+              <a:gd name="connsiteX10" fmla="*/ 12192000 w 12192000"/>
+              <a:gd name="connsiteY10" fmla="*/ 107758 h 694883"/>
+              <a:gd name="connsiteX11" fmla="*/ 12192000 w 12192000"/>
+              <a:gd name="connsiteY11" fmla="*/ 694883 h 694883"/>
+              <a:gd name="connsiteX12" fmla="*/ 0 w 12192000"/>
+              <a:gd name="connsiteY12" fmla="*/ 694883 h 694883"/>
+              <a:gd name="connsiteX13" fmla="*/ 0 w 12192000"/>
+              <a:gd name="connsiteY13" fmla="*/ 149285 h 694883"/>
+              <a:gd name="connsiteX14" fmla="*/ 25907 w 12192000"/>
+              <a:gd name="connsiteY14" fmla="*/ 142099 h 694883"/>
+              <a:gd name="connsiteX15" fmla="*/ 1018572 w 12192000"/>
+              <a:gd name="connsiteY15" fmla="*/ 56894 h 694883"/>
+              <a:gd name="connsiteX0" fmla="*/ 1018572 w 12192000"/>
+              <a:gd name="connsiteY0" fmla="*/ 56894 h 694883"/>
+              <a:gd name="connsiteX1" fmla="*/ 2164466 w 12192000"/>
+              <a:gd name="connsiteY1" fmla="*/ 168573 h 694883"/>
+              <a:gd name="connsiteX2" fmla="*/ 3935392 w 12192000"/>
+              <a:gd name="connsiteY2" fmla="*/ 64401 h 694883"/>
+              <a:gd name="connsiteX3" fmla="*/ 5243333 w 12192000"/>
+              <a:gd name="connsiteY3" fmla="*/ 140167 h 694883"/>
+              <a:gd name="connsiteX4" fmla="*/ 6840638 w 12192000"/>
+              <a:gd name="connsiteY4" fmla="*/ 34807 h 694883"/>
+              <a:gd name="connsiteX5" fmla="*/ 8113852 w 12192000"/>
+              <a:gd name="connsiteY5" fmla="*/ 92806 h 694883"/>
+              <a:gd name="connsiteX6" fmla="*/ 9387068 w 12192000"/>
+              <a:gd name="connsiteY6" fmla="*/ 83 h 694883"/>
+              <a:gd name="connsiteX7" fmla="*/ 10428789 w 12192000"/>
+              <a:gd name="connsiteY7" fmla="*/ 111887 h 694883"/>
+              <a:gd name="connsiteX8" fmla="*/ 11308465 w 12192000"/>
+              <a:gd name="connsiteY8" fmla="*/ 10344 h 694883"/>
+              <a:gd name="connsiteX9" fmla="*/ 12121497 w 12192000"/>
+              <a:gd name="connsiteY9" fmla="*/ 86712 h 694883"/>
+              <a:gd name="connsiteX10" fmla="*/ 12192000 w 12192000"/>
+              <a:gd name="connsiteY10" fmla="*/ 107758 h 694883"/>
+              <a:gd name="connsiteX11" fmla="*/ 12192000 w 12192000"/>
+              <a:gd name="connsiteY11" fmla="*/ 694883 h 694883"/>
+              <a:gd name="connsiteX12" fmla="*/ 0 w 12192000"/>
+              <a:gd name="connsiteY12" fmla="*/ 694883 h 694883"/>
+              <a:gd name="connsiteX13" fmla="*/ 0 w 12192000"/>
+              <a:gd name="connsiteY13" fmla="*/ 149285 h 694883"/>
+              <a:gd name="connsiteX14" fmla="*/ 25907 w 12192000"/>
+              <a:gd name="connsiteY14" fmla="*/ 142099 h 694883"/>
+              <a:gd name="connsiteX15" fmla="*/ 1018572 w 12192000"/>
+              <a:gd name="connsiteY15" fmla="*/ 56894 h 694883"/>
+              <a:gd name="connsiteX0" fmla="*/ 1018572 w 12192000"/>
+              <a:gd name="connsiteY0" fmla="*/ 56894 h 694883"/>
+              <a:gd name="connsiteX1" fmla="*/ 2164466 w 12192000"/>
+              <a:gd name="connsiteY1" fmla="*/ 168573 h 694883"/>
+              <a:gd name="connsiteX2" fmla="*/ 3472404 w 12192000"/>
+              <a:gd name="connsiteY2" fmla="*/ 64401 h 694883"/>
+              <a:gd name="connsiteX3" fmla="*/ 5243333 w 12192000"/>
+              <a:gd name="connsiteY3" fmla="*/ 140167 h 694883"/>
+              <a:gd name="connsiteX4" fmla="*/ 6840638 w 12192000"/>
+              <a:gd name="connsiteY4" fmla="*/ 34807 h 694883"/>
+              <a:gd name="connsiteX5" fmla="*/ 8113852 w 12192000"/>
+              <a:gd name="connsiteY5" fmla="*/ 92806 h 694883"/>
+              <a:gd name="connsiteX6" fmla="*/ 9387068 w 12192000"/>
+              <a:gd name="connsiteY6" fmla="*/ 83 h 694883"/>
+              <a:gd name="connsiteX7" fmla="*/ 10428789 w 12192000"/>
+              <a:gd name="connsiteY7" fmla="*/ 111887 h 694883"/>
+              <a:gd name="connsiteX8" fmla="*/ 11308465 w 12192000"/>
+              <a:gd name="connsiteY8" fmla="*/ 10344 h 694883"/>
+              <a:gd name="connsiteX9" fmla="*/ 12121497 w 12192000"/>
+              <a:gd name="connsiteY9" fmla="*/ 86712 h 694883"/>
+              <a:gd name="connsiteX10" fmla="*/ 12192000 w 12192000"/>
+              <a:gd name="connsiteY10" fmla="*/ 107758 h 694883"/>
+              <a:gd name="connsiteX11" fmla="*/ 12192000 w 12192000"/>
+              <a:gd name="connsiteY11" fmla="*/ 694883 h 694883"/>
+              <a:gd name="connsiteX12" fmla="*/ 0 w 12192000"/>
+              <a:gd name="connsiteY12" fmla="*/ 694883 h 694883"/>
+              <a:gd name="connsiteX13" fmla="*/ 0 w 12192000"/>
+              <a:gd name="connsiteY13" fmla="*/ 149285 h 694883"/>
+              <a:gd name="connsiteX14" fmla="*/ 25907 w 12192000"/>
+              <a:gd name="connsiteY14" fmla="*/ 142099 h 694883"/>
+              <a:gd name="connsiteX15" fmla="*/ 1018572 w 12192000"/>
+              <a:gd name="connsiteY15" fmla="*/ 56894 h 694883"/>
+              <a:gd name="connsiteX0" fmla="*/ 1018572 w 12192000"/>
+              <a:gd name="connsiteY0" fmla="*/ 56894 h 694883"/>
+              <a:gd name="connsiteX1" fmla="*/ 2164466 w 12192000"/>
+              <a:gd name="connsiteY1" fmla="*/ 168573 h 694883"/>
+              <a:gd name="connsiteX2" fmla="*/ 3472404 w 12192000"/>
+              <a:gd name="connsiteY2" fmla="*/ 64401 h 694883"/>
+              <a:gd name="connsiteX3" fmla="*/ 4780345 w 12192000"/>
+              <a:gd name="connsiteY3" fmla="*/ 133722 h 694883"/>
+              <a:gd name="connsiteX4" fmla="*/ 6840638 w 12192000"/>
+              <a:gd name="connsiteY4" fmla="*/ 34807 h 694883"/>
+              <a:gd name="connsiteX5" fmla="*/ 8113852 w 12192000"/>
+              <a:gd name="connsiteY5" fmla="*/ 92806 h 694883"/>
+              <a:gd name="connsiteX6" fmla="*/ 9387068 w 12192000"/>
+              <a:gd name="connsiteY6" fmla="*/ 83 h 694883"/>
+              <a:gd name="connsiteX7" fmla="*/ 10428789 w 12192000"/>
+              <a:gd name="connsiteY7" fmla="*/ 111887 h 694883"/>
+              <a:gd name="connsiteX8" fmla="*/ 11308465 w 12192000"/>
+              <a:gd name="connsiteY8" fmla="*/ 10344 h 694883"/>
+              <a:gd name="connsiteX9" fmla="*/ 12121497 w 12192000"/>
+              <a:gd name="connsiteY9" fmla="*/ 86712 h 694883"/>
+              <a:gd name="connsiteX10" fmla="*/ 12192000 w 12192000"/>
+              <a:gd name="connsiteY10" fmla="*/ 107758 h 694883"/>
+              <a:gd name="connsiteX11" fmla="*/ 12192000 w 12192000"/>
+              <a:gd name="connsiteY11" fmla="*/ 694883 h 694883"/>
+              <a:gd name="connsiteX12" fmla="*/ 0 w 12192000"/>
+              <a:gd name="connsiteY12" fmla="*/ 694883 h 694883"/>
+              <a:gd name="connsiteX13" fmla="*/ 0 w 12192000"/>
+              <a:gd name="connsiteY13" fmla="*/ 149285 h 694883"/>
+              <a:gd name="connsiteX14" fmla="*/ 25907 w 12192000"/>
+              <a:gd name="connsiteY14" fmla="*/ 142099 h 694883"/>
+              <a:gd name="connsiteX15" fmla="*/ 1018572 w 12192000"/>
+              <a:gd name="connsiteY15" fmla="*/ 56894 h 694883"/>
+              <a:gd name="connsiteX0" fmla="*/ 1018572 w 12192000"/>
+              <a:gd name="connsiteY0" fmla="*/ 56892 h 694881"/>
+              <a:gd name="connsiteX1" fmla="*/ 2164466 w 12192000"/>
+              <a:gd name="connsiteY1" fmla="*/ 168571 h 694881"/>
+              <a:gd name="connsiteX2" fmla="*/ 3472404 w 12192000"/>
+              <a:gd name="connsiteY2" fmla="*/ 64399 h 694881"/>
+              <a:gd name="connsiteX3" fmla="*/ 4780345 w 12192000"/>
+              <a:gd name="connsiteY3" fmla="*/ 133720 h 694881"/>
+              <a:gd name="connsiteX4" fmla="*/ 6169306 w 12192000"/>
+              <a:gd name="connsiteY4" fmla="*/ 21917 h 694881"/>
+              <a:gd name="connsiteX5" fmla="*/ 8113852 w 12192000"/>
+              <a:gd name="connsiteY5" fmla="*/ 92804 h 694881"/>
+              <a:gd name="connsiteX6" fmla="*/ 9387068 w 12192000"/>
+              <a:gd name="connsiteY6" fmla="*/ 81 h 694881"/>
+              <a:gd name="connsiteX7" fmla="*/ 10428789 w 12192000"/>
+              <a:gd name="connsiteY7" fmla="*/ 111885 h 694881"/>
+              <a:gd name="connsiteX8" fmla="*/ 11308465 w 12192000"/>
+              <a:gd name="connsiteY8" fmla="*/ 10342 h 694881"/>
+              <a:gd name="connsiteX9" fmla="*/ 12121497 w 12192000"/>
+              <a:gd name="connsiteY9" fmla="*/ 86710 h 694881"/>
+              <a:gd name="connsiteX10" fmla="*/ 12192000 w 12192000"/>
+              <a:gd name="connsiteY10" fmla="*/ 107756 h 694881"/>
+              <a:gd name="connsiteX11" fmla="*/ 12192000 w 12192000"/>
+              <a:gd name="connsiteY11" fmla="*/ 694881 h 694881"/>
+              <a:gd name="connsiteX12" fmla="*/ 0 w 12192000"/>
+              <a:gd name="connsiteY12" fmla="*/ 694881 h 694881"/>
+              <a:gd name="connsiteX13" fmla="*/ 0 w 12192000"/>
+              <a:gd name="connsiteY13" fmla="*/ 149283 h 694881"/>
+              <a:gd name="connsiteX14" fmla="*/ 25907 w 12192000"/>
+              <a:gd name="connsiteY14" fmla="*/ 142097 h 694881"/>
+              <a:gd name="connsiteX15" fmla="*/ 1018572 w 12192000"/>
+              <a:gd name="connsiteY15" fmla="*/ 56892 h 694881"/>
+              <a:gd name="connsiteX0" fmla="*/ 1018572 w 12192000"/>
+              <a:gd name="connsiteY0" fmla="*/ 56812 h 694801"/>
+              <a:gd name="connsiteX1" fmla="*/ 2164466 w 12192000"/>
+              <a:gd name="connsiteY1" fmla="*/ 168491 h 694801"/>
+              <a:gd name="connsiteX2" fmla="*/ 3472404 w 12192000"/>
+              <a:gd name="connsiteY2" fmla="*/ 64319 h 694801"/>
+              <a:gd name="connsiteX3" fmla="*/ 4780345 w 12192000"/>
+              <a:gd name="connsiteY3" fmla="*/ 133640 h 694801"/>
+              <a:gd name="connsiteX4" fmla="*/ 6169306 w 12192000"/>
+              <a:gd name="connsiteY4" fmla="*/ 21837 h 694801"/>
+              <a:gd name="connsiteX5" fmla="*/ 7523543 w 12192000"/>
+              <a:gd name="connsiteY5" fmla="*/ 112057 h 694801"/>
+              <a:gd name="connsiteX6" fmla="*/ 9387068 w 12192000"/>
+              <a:gd name="connsiteY6" fmla="*/ 1 h 694801"/>
+              <a:gd name="connsiteX7" fmla="*/ 10428789 w 12192000"/>
+              <a:gd name="connsiteY7" fmla="*/ 111805 h 694801"/>
+              <a:gd name="connsiteX8" fmla="*/ 11308465 w 12192000"/>
+              <a:gd name="connsiteY8" fmla="*/ 10262 h 694801"/>
+              <a:gd name="connsiteX9" fmla="*/ 12121497 w 12192000"/>
+              <a:gd name="connsiteY9" fmla="*/ 86630 h 694801"/>
+              <a:gd name="connsiteX10" fmla="*/ 12192000 w 12192000"/>
+              <a:gd name="connsiteY10" fmla="*/ 107676 h 694801"/>
+              <a:gd name="connsiteX11" fmla="*/ 12192000 w 12192000"/>
+              <a:gd name="connsiteY11" fmla="*/ 694801 h 694801"/>
+              <a:gd name="connsiteX12" fmla="*/ 0 w 12192000"/>
+              <a:gd name="connsiteY12" fmla="*/ 694801 h 694801"/>
+              <a:gd name="connsiteX13" fmla="*/ 0 w 12192000"/>
+              <a:gd name="connsiteY13" fmla="*/ 149203 h 694801"/>
+              <a:gd name="connsiteX14" fmla="*/ 25907 w 12192000"/>
+              <a:gd name="connsiteY14" fmla="*/ 142017 h 694801"/>
+              <a:gd name="connsiteX15" fmla="*/ 1018572 w 12192000"/>
+              <a:gd name="connsiteY15" fmla="*/ 56812 h 694801"/>
+              <a:gd name="connsiteX0" fmla="*/ 1018572 w 12192000"/>
+              <a:gd name="connsiteY0" fmla="*/ 56812 h 694801"/>
+              <a:gd name="connsiteX1" fmla="*/ 2164466 w 12192000"/>
+              <a:gd name="connsiteY1" fmla="*/ 168491 h 694801"/>
+              <a:gd name="connsiteX2" fmla="*/ 3472404 w 12192000"/>
+              <a:gd name="connsiteY2" fmla="*/ 64319 h 694801"/>
+              <a:gd name="connsiteX3" fmla="*/ 4780345 w 12192000"/>
+              <a:gd name="connsiteY3" fmla="*/ 133640 h 694801"/>
+              <a:gd name="connsiteX4" fmla="*/ 6169306 w 12192000"/>
+              <a:gd name="connsiteY4" fmla="*/ 21837 h 694801"/>
+              <a:gd name="connsiteX5" fmla="*/ 7523543 w 12192000"/>
+              <a:gd name="connsiteY5" fmla="*/ 112057 h 694801"/>
+              <a:gd name="connsiteX6" fmla="*/ 8611564 w 12192000"/>
+              <a:gd name="connsiteY6" fmla="*/ 1 h 694801"/>
+              <a:gd name="connsiteX7" fmla="*/ 10428789 w 12192000"/>
+              <a:gd name="connsiteY7" fmla="*/ 111805 h 694801"/>
+              <a:gd name="connsiteX8" fmla="*/ 11308465 w 12192000"/>
+              <a:gd name="connsiteY8" fmla="*/ 10262 h 694801"/>
+              <a:gd name="connsiteX9" fmla="*/ 12121497 w 12192000"/>
+              <a:gd name="connsiteY9" fmla="*/ 86630 h 694801"/>
+              <a:gd name="connsiteX10" fmla="*/ 12192000 w 12192000"/>
+              <a:gd name="connsiteY10" fmla="*/ 107676 h 694801"/>
+              <a:gd name="connsiteX11" fmla="*/ 12192000 w 12192000"/>
+              <a:gd name="connsiteY11" fmla="*/ 694801 h 694801"/>
+              <a:gd name="connsiteX12" fmla="*/ 0 w 12192000"/>
+              <a:gd name="connsiteY12" fmla="*/ 694801 h 694801"/>
+              <a:gd name="connsiteX13" fmla="*/ 0 w 12192000"/>
+              <a:gd name="connsiteY13" fmla="*/ 149203 h 694801"/>
+              <a:gd name="connsiteX14" fmla="*/ 25907 w 12192000"/>
+              <a:gd name="connsiteY14" fmla="*/ 142017 h 694801"/>
+              <a:gd name="connsiteX15" fmla="*/ 1018572 w 12192000"/>
+              <a:gd name="connsiteY15" fmla="*/ 56812 h 694801"/>
+              <a:gd name="connsiteX0" fmla="*/ 1018572 w 12192000"/>
+              <a:gd name="connsiteY0" fmla="*/ 57063 h 695052"/>
+              <a:gd name="connsiteX1" fmla="*/ 2164466 w 12192000"/>
+              <a:gd name="connsiteY1" fmla="*/ 168742 h 695052"/>
+              <a:gd name="connsiteX2" fmla="*/ 3472404 w 12192000"/>
+              <a:gd name="connsiteY2" fmla="*/ 64570 h 695052"/>
+              <a:gd name="connsiteX3" fmla="*/ 4780345 w 12192000"/>
+              <a:gd name="connsiteY3" fmla="*/ 133891 h 695052"/>
+              <a:gd name="connsiteX4" fmla="*/ 6169306 w 12192000"/>
+              <a:gd name="connsiteY4" fmla="*/ 22088 h 695052"/>
+              <a:gd name="connsiteX5" fmla="*/ 7523543 w 12192000"/>
+              <a:gd name="connsiteY5" fmla="*/ 112308 h 695052"/>
+              <a:gd name="connsiteX6" fmla="*/ 8611564 w 12192000"/>
+              <a:gd name="connsiteY6" fmla="*/ 252 h 695052"/>
+              <a:gd name="connsiteX7" fmla="*/ 9965802 w 12192000"/>
+              <a:gd name="connsiteY7" fmla="*/ 79834 h 695052"/>
+              <a:gd name="connsiteX8" fmla="*/ 11308465 w 12192000"/>
+              <a:gd name="connsiteY8" fmla="*/ 10513 h 695052"/>
+              <a:gd name="connsiteX9" fmla="*/ 12121497 w 12192000"/>
+              <a:gd name="connsiteY9" fmla="*/ 86881 h 695052"/>
+              <a:gd name="connsiteX10" fmla="*/ 12192000 w 12192000"/>
+              <a:gd name="connsiteY10" fmla="*/ 107927 h 695052"/>
+              <a:gd name="connsiteX11" fmla="*/ 12192000 w 12192000"/>
+              <a:gd name="connsiteY11" fmla="*/ 695052 h 695052"/>
+              <a:gd name="connsiteX12" fmla="*/ 0 w 12192000"/>
+              <a:gd name="connsiteY12" fmla="*/ 695052 h 695052"/>
+              <a:gd name="connsiteX13" fmla="*/ 0 w 12192000"/>
+              <a:gd name="connsiteY13" fmla="*/ 149454 h 695052"/>
+              <a:gd name="connsiteX14" fmla="*/ 25907 w 12192000"/>
+              <a:gd name="connsiteY14" fmla="*/ 142268 h 695052"/>
+              <a:gd name="connsiteX15" fmla="*/ 1018572 w 12192000"/>
+              <a:gd name="connsiteY15" fmla="*/ 57063 h 695052"/>
+              <a:gd name="connsiteX0" fmla="*/ 1018572 w 12192000"/>
+              <a:gd name="connsiteY0" fmla="*/ 65894 h 703883"/>
+              <a:gd name="connsiteX1" fmla="*/ 2164466 w 12192000"/>
+              <a:gd name="connsiteY1" fmla="*/ 177573 h 703883"/>
+              <a:gd name="connsiteX2" fmla="*/ 3472404 w 12192000"/>
+              <a:gd name="connsiteY2" fmla="*/ 73401 h 703883"/>
+              <a:gd name="connsiteX3" fmla="*/ 4780345 w 12192000"/>
+              <a:gd name="connsiteY3" fmla="*/ 142722 h 703883"/>
+              <a:gd name="connsiteX4" fmla="*/ 6169306 w 12192000"/>
+              <a:gd name="connsiteY4" fmla="*/ 30919 h 703883"/>
+              <a:gd name="connsiteX5" fmla="*/ 7523543 w 12192000"/>
+              <a:gd name="connsiteY5" fmla="*/ 121139 h 703883"/>
+              <a:gd name="connsiteX6" fmla="*/ 8611564 w 12192000"/>
+              <a:gd name="connsiteY6" fmla="*/ 9083 h 703883"/>
+              <a:gd name="connsiteX7" fmla="*/ 9965802 w 12192000"/>
+              <a:gd name="connsiteY7" fmla="*/ 88665 h 703883"/>
+              <a:gd name="connsiteX8" fmla="*/ 11169569 w 12192000"/>
+              <a:gd name="connsiteY8" fmla="*/ 11 h 703883"/>
+              <a:gd name="connsiteX9" fmla="*/ 12121497 w 12192000"/>
+              <a:gd name="connsiteY9" fmla="*/ 95712 h 703883"/>
+              <a:gd name="connsiteX10" fmla="*/ 12192000 w 12192000"/>
+              <a:gd name="connsiteY10" fmla="*/ 116758 h 703883"/>
+              <a:gd name="connsiteX11" fmla="*/ 12192000 w 12192000"/>
+              <a:gd name="connsiteY11" fmla="*/ 703883 h 703883"/>
+              <a:gd name="connsiteX12" fmla="*/ 0 w 12192000"/>
+              <a:gd name="connsiteY12" fmla="*/ 703883 h 703883"/>
+              <a:gd name="connsiteX13" fmla="*/ 0 w 12192000"/>
+              <a:gd name="connsiteY13" fmla="*/ 158285 h 703883"/>
+              <a:gd name="connsiteX14" fmla="*/ 25907 w 12192000"/>
+              <a:gd name="connsiteY14" fmla="*/ 151099 h 703883"/>
+              <a:gd name="connsiteX15" fmla="*/ 1018572 w 12192000"/>
+              <a:gd name="connsiteY15" fmla="*/ 65894 h 703883"/>
+            </a:gdLst>
+            <a:ahLst/>
+            <a:cxnLst>
+              <a:cxn ang="0">
+                <a:pos x="connsiteX0" y="connsiteY0"/>
+              </a:cxn>
+              <a:cxn ang="0">
+                <a:pos x="connsiteX1" y="connsiteY1"/>
+              </a:cxn>
+              <a:cxn ang="0">
+                <a:pos x="connsiteX2" y="connsiteY2"/>
+              </a:cxn>
+              <a:cxn ang="0">
+                <a:pos x="connsiteX3" y="connsiteY3"/>
+              </a:cxn>
+              <a:cxn ang="0">
+                <a:pos x="connsiteX4" y="connsiteY4"/>
+              </a:cxn>
+              <a:cxn ang="0">
+                <a:pos x="connsiteX5" y="connsiteY5"/>
+              </a:cxn>
+              <a:cxn ang="0">
+                <a:pos x="connsiteX6" y="connsiteY6"/>
+              </a:cxn>
+              <a:cxn ang="0">
+                <a:pos x="connsiteX7" y="connsiteY7"/>
+              </a:cxn>
+              <a:cxn ang="0">
+                <a:pos x="connsiteX8" y="connsiteY8"/>
+              </a:cxn>
+              <a:cxn ang="0">
+                <a:pos x="connsiteX9" y="connsiteY9"/>
+              </a:cxn>
+              <a:cxn ang="0">
+                <a:pos x="connsiteX10" y="connsiteY10"/>
+              </a:cxn>
+              <a:cxn ang="0">
+                <a:pos x="connsiteX11" y="connsiteY11"/>
+              </a:cxn>
+              <a:cxn ang="0">
+                <a:pos x="connsiteX12" y="connsiteY12"/>
+              </a:cxn>
+              <a:cxn ang="0">
+                <a:pos x="connsiteX13" y="connsiteY13"/>
+              </a:cxn>
+              <a:cxn ang="0">
+                <a:pos x="connsiteX14" y="connsiteY14"/>
+              </a:cxn>
+              <a:cxn ang="0">
+                <a:pos x="connsiteX15" y="connsiteY15"/>
+              </a:cxn>
+            </a:cxnLst>
+            <a:rect l="l" t="t" r="r" b="b"/>
+            <a:pathLst>
+              <a:path w="12192000" h="703883">
+                <a:moveTo>
+                  <a:pt x="1018572" y="65894"/>
+                </a:moveTo>
+                <a:cubicBezTo>
+                  <a:pt x="1516283" y="65894"/>
+                  <a:pt x="1755494" y="176322"/>
+                  <a:pt x="2164466" y="177573"/>
+                </a:cubicBezTo>
+                <a:cubicBezTo>
+                  <a:pt x="2573438" y="178824"/>
+                  <a:pt x="3036424" y="79209"/>
+                  <a:pt x="3472404" y="73401"/>
+                </a:cubicBezTo>
+                <a:cubicBezTo>
+                  <a:pt x="3908384" y="67593"/>
+                  <a:pt x="4330861" y="149802"/>
+                  <a:pt x="4780345" y="142722"/>
+                </a:cubicBezTo>
+                <a:cubicBezTo>
+                  <a:pt x="5229829" y="135642"/>
+                  <a:pt x="5712106" y="34516"/>
+                  <a:pt x="6169306" y="30919"/>
+                </a:cubicBezTo>
+                <a:cubicBezTo>
+                  <a:pt x="6626506" y="27322"/>
+                  <a:pt x="7116500" y="124778"/>
+                  <a:pt x="7523543" y="121139"/>
+                </a:cubicBezTo>
+                <a:cubicBezTo>
+                  <a:pt x="7930586" y="117500"/>
+                  <a:pt x="8204521" y="14495"/>
+                  <a:pt x="8611564" y="9083"/>
+                </a:cubicBezTo>
+                <a:cubicBezTo>
+                  <a:pt x="9018607" y="3671"/>
+                  <a:pt x="9539468" y="90177"/>
+                  <a:pt x="9965802" y="88665"/>
+                </a:cubicBezTo>
+                <a:cubicBezTo>
+                  <a:pt x="10392136" y="87153"/>
+                  <a:pt x="10810287" y="-1163"/>
+                  <a:pt x="11169569" y="11"/>
+                </a:cubicBezTo>
+                <a:cubicBezTo>
+                  <a:pt x="11528851" y="1185"/>
+                  <a:pt x="11923371" y="45254"/>
+                  <a:pt x="12121497" y="95712"/>
+                </a:cubicBezTo>
+                <a:lnTo>
+                  <a:pt x="12192000" y="116758"/>
+                </a:lnTo>
+                <a:lnTo>
+                  <a:pt x="12192000" y="703883"/>
+                </a:lnTo>
+                <a:lnTo>
+                  <a:pt x="0" y="703883"/>
+                </a:lnTo>
+                <a:lnTo>
+                  <a:pt x="0" y="158285"/>
+                </a:lnTo>
+                <a:lnTo>
+                  <a:pt x="25907" y="151099"/>
+                </a:lnTo>
+                <a:cubicBezTo>
+                  <a:pt x="211057" y="92758"/>
+                  <a:pt x="583075" y="65894"/>
+                  <a:pt x="1018572" y="65894"/>
+                </a:cubicBezTo>
+                <a:close/>
+              </a:path>
+            </a:pathLst>
+          </a:custGeom>
+          <a:solidFill>
+            <a:srgbClr val="A1C6E7"/>
+          </a:solidFill>
+          <a:ln>
+            <a:noFill/>
+          </a:ln>
+        </p:spPr>
+        <p:style>
+          <a:lnRef idx="2">
+            <a:schemeClr val="accent1">
+              <a:shade val="50000"/>
+            </a:schemeClr>
+          </a:lnRef>
+          <a:fillRef idx="1">
+            <a:schemeClr val="accent1"/>
+          </a:fillRef>
+          <a:effectRef idx="0">
+            <a:schemeClr val="accent1"/>
+          </a:effectRef>
+          <a:fontRef idx="minor">
+            <a:schemeClr val="lt1"/>
+          </a:fontRef>
+        </p:style>
+        <p:txBody>
+          <a:bodyPr anchor="ctr"/>
+          <a:lstStyle/>
+          <a:p>
+            <a:pPr algn="ctr">
+              <a:defRPr lang="ko-KR" altLang="en-US"/>
+            </a:pPr>
+            <a:endParaRPr lang="ko-KR" altLang="en-US"/>
+          </a:p>
+        </p:txBody>
+      </p:sp>
+      <p:pic>
+        <p:nvPicPr>
+          <p:cNvPr id="38" name="그림 37"/>
+          <p:cNvPicPr>
+            <a:picLocks noChangeAspect="1"/>
+          </p:cNvPicPr>
+          <p:nvPr/>
+        </p:nvPicPr>
+        <p:blipFill rotWithShape="1">
+          <a:blip r:embed="rId2"/>
+          <a:srcRect/>
+          <a:stretch>
+            <a:fillRect/>
+          </a:stretch>
+        </p:blipFill>
+        <p:spPr>
+          <a:xfrm flipH="1">
+            <a:off x="196345" y="156687"/>
+            <a:ext cx="1056260" cy="898698"/>
+          </a:xfrm>
+          <a:prstGeom prst="rect">
+            <a:avLst/>
+          </a:prstGeom>
+        </p:spPr>
+      </p:pic>
+      <p:sp>
+        <p:nvSpPr>
+          <p:cNvPr id="17" name="TextBox 16">
+            <a:extLst>
+              <a:ext uri="{FF2B5EF4-FFF2-40B4-BE49-F238E27FC236}">
+                <a16:creationId xmlns:a16="http://schemas.microsoft.com/office/drawing/2014/main" id="{9E6FB522-32DE-1ABC-D3E2-1266DD63F809}"/>
+              </a:ext>
+            </a:extLst>
+          </p:cNvPr>
+          <p:cNvSpPr txBox="1"/>
+          <p:nvPr/>
+        </p:nvSpPr>
+        <p:spPr>
+          <a:xfrm>
+            <a:off x="1318757" y="119541"/>
+            <a:ext cx="5408614" cy="923330"/>
+          </a:xfrm>
+          <a:prstGeom prst="rect">
+            <a:avLst/>
+          </a:prstGeom>
+          <a:noFill/>
+        </p:spPr>
+        <p:txBody>
+          <a:bodyPr wrap="square" rtlCol="0">
+            <a:spAutoFit/>
+          </a:bodyPr>
+          <a:lstStyle/>
+          <a:p>
+            <a:r>
+              <a:rPr lang="en-US" altLang="ko-KR" sz="5400" dirty="0">
+                <a:solidFill>
+                  <a:schemeClr val="bg1"/>
+                </a:solidFill>
+                <a:latin typeface="210 골목길 L" panose="02020603020101020101" pitchFamily="18" charset="-127"/>
+                <a:ea typeface="210 골목길 L" panose="02020603020101020101" pitchFamily="18" charset="-127"/>
+                <a:cs typeface="Noto Sans SemBd" panose="020B0702040504020204" pitchFamily="34"/>
+              </a:rPr>
+              <a:t>Git commit </a:t>
+            </a:r>
+            <a:r>
+              <a:rPr lang="ko-KR" altLang="en-US" sz="5400" dirty="0">
+                <a:solidFill>
+                  <a:schemeClr val="bg1"/>
+                </a:solidFill>
+                <a:latin typeface="210 골목길 L" panose="02020603020101020101" pitchFamily="18" charset="-127"/>
+                <a:ea typeface="210 골목길 L" panose="02020603020101020101" pitchFamily="18" charset="-127"/>
+                <a:cs typeface="Noto Sans SemBd" panose="020B0702040504020204" pitchFamily="34"/>
+              </a:rPr>
+              <a:t>현황</a:t>
+            </a:r>
+            <a:endParaRPr lang="ko-KR" altLang="en-US" sz="5400" dirty="0">
+              <a:solidFill>
+                <a:schemeClr val="bg1"/>
+              </a:solidFill>
+              <a:latin typeface="210 골목길 L" panose="02020603020101020101" pitchFamily="18" charset="-127"/>
+              <a:ea typeface="210 골목길 L" panose="02020603020101020101" pitchFamily="18" charset="-127"/>
+            </a:endParaRPr>
+          </a:p>
+        </p:txBody>
+      </p:sp>
+    </p:spTree>
+    <p:extLst>
+      <p:ext uri="{BB962C8B-B14F-4D97-AF65-F5344CB8AC3E}">
+        <p14:creationId xmlns:p14="http://schemas.microsoft.com/office/powerpoint/2010/main" val="2421390071"/>
+      </p:ext>
+    </p:extLst>
+  </p:cSld>
+  <p:clrMapOvr>
+    <a:masterClrMapping/>
+  </p:clrMapOvr>
+  <p:transition/>
+</p:sld>
+</file>
+
+<file path=ppt/slides/slide9.xml><?xml version="1.0" encoding="utf-8"?>
 <p:sld xmlns:a="http://schemas.openxmlformats.org/drawingml/2006/main" xmlns:r="http://schemas.openxmlformats.org/officeDocument/2006/relationships" xmlns:p="http://schemas.openxmlformats.org/presentationml/2006/main">
   <p:cSld>
     <p:bg>
@@ -14877,7 +16694,7 @@
           <p:nvPr/>
         </p:nvPicPr>
         <p:blipFill rotWithShape="1">
-          <a:blip r:embed="rId4"/>
+          <a:blip r:embed="rId2"/>
           <a:srcRect/>
           <a:stretch>
             <a:fillRect/>
@@ -14922,7 +16739,7 @@
           <a:lstStyle/>
           <a:p>
             <a:r>
-              <a:rPr lang="en-US" altLang="ko-KR" sz="5400" dirty="0">
+              <a:rPr lang="ko-KR" altLang="en-US" sz="5400" dirty="0">
                 <a:solidFill>
                   <a:schemeClr val="bg1"/>
                 </a:solidFill>
@@ -14930,7 +16747,7 @@
                 <a:ea typeface="210 골목길 L" panose="02020603020101020101" pitchFamily="18" charset="-127"/>
                 <a:cs typeface="Noto Sans SemBd" panose="020B0702040504020204" pitchFamily="34"/>
               </a:rPr>
-              <a:t>Tic-Tac-Toe</a:t>
+              <a:t>프로그램 시연</a:t>
             </a:r>
             <a:endParaRPr lang="ko-KR" altLang="en-US" sz="5400" dirty="0">
               <a:solidFill>
@@ -14942,44 +16759,6 @@
           </a:p>
         </p:txBody>
       </p:sp>
-      <p:pic>
-        <p:nvPicPr>
-          <p:cNvPr id="2" name="bandicam 2022-05-16 01-04-52-184">
-            <a:hlinkClick r:id="" action="ppaction://media"/>
-            <a:extLst>
-              <a:ext uri="{FF2B5EF4-FFF2-40B4-BE49-F238E27FC236}">
-                <a16:creationId xmlns:a16="http://schemas.microsoft.com/office/drawing/2014/main" id="{EF6C4E45-D4E6-E831-4CC9-05B6347ADE91}"/>
-              </a:ext>
-            </a:extLst>
-          </p:cNvPr>
-          <p:cNvPicPr>
-            <a:picLocks noChangeAspect="1"/>
-          </p:cNvPicPr>
-          <p:nvPr>
-            <a:videoFile r:link="rId2"/>
-            <p:extLst>
-              <p:ext uri="{DAA4B4D4-6D71-4841-9C94-3DE7FCFB9230}">
-                <p14:media xmlns:p14="http://schemas.microsoft.com/office/powerpoint/2010/main" r:embed="rId1"/>
-              </p:ext>
-            </p:extLst>
-          </p:nvPr>
-        </p:nvPicPr>
-        <p:blipFill>
-          <a:blip r:embed="rId5"/>
-          <a:stretch>
-            <a:fillRect/>
-          </a:stretch>
-        </p:blipFill>
-        <p:spPr>
-          <a:xfrm>
-            <a:off x="3093307" y="1640434"/>
-            <a:ext cx="6005385" cy="4904137"/>
-          </a:xfrm>
-          <a:prstGeom prst="rect">
-            <a:avLst/>
-          </a:prstGeom>
-        </p:spPr>
-      </p:pic>
     </p:spTree>
     <p:extLst>
       <p:ext uri="{BB962C8B-B14F-4D97-AF65-F5344CB8AC3E}">
@@ -14991,1869 +16770,6 @@
     <a:masterClrMapping/>
   </p:clrMapOvr>
   <p:transition/>
-  <p:timing>
-    <p:tnLst>
-      <p:par>
-        <p:cTn id="1" dur="indefinite" restart="never" nodeType="tmRoot">
-          <p:childTnLst>
-            <p:seq concurrent="1" nextAc="seek">
-              <p:cTn id="2" dur="indefinite" nodeType="mainSeq">
-                <p:childTnLst>
-                  <p:par>
-                    <p:cTn id="3" fill="hold">
-                      <p:stCondLst>
-                        <p:cond delay="indefinite"/>
-                      </p:stCondLst>
-                      <p:childTnLst>
-                        <p:par>
-                          <p:cTn id="4" fill="hold">
-                            <p:stCondLst>
-                              <p:cond delay="0"/>
-                            </p:stCondLst>
-                            <p:childTnLst>
-                              <p:par>
-                                <p:cTn id="5" presetID="1" presetClass="mediacall" presetSubtype="0" fill="hold" nodeType="clickEffect">
-                                  <p:stCondLst>
-                                    <p:cond delay="0"/>
-                                  </p:stCondLst>
-                                  <p:childTnLst>
-                                    <p:cmd type="call" cmd="playFrom(0.0)">
-                                      <p:cBhvr>
-                                        <p:cTn id="6" dur="10701" fill="hold"/>
-                                        <p:tgtEl>
-                                          <p:spTgt spid="2"/>
-                                        </p:tgtEl>
-                                      </p:cBhvr>
-                                    </p:cmd>
-                                  </p:childTnLst>
-                                </p:cTn>
-                              </p:par>
-                            </p:childTnLst>
-                          </p:cTn>
-                        </p:par>
-                      </p:childTnLst>
-                    </p:cTn>
-                  </p:par>
-                </p:childTnLst>
-              </p:cTn>
-              <p:prevCondLst>
-                <p:cond evt="onPrev" delay="0">
-                  <p:tgtEl>
-                    <p:sldTgt/>
-                  </p:tgtEl>
-                </p:cond>
-              </p:prevCondLst>
-              <p:nextCondLst>
-                <p:cond evt="onNext" delay="0">
-                  <p:tgtEl>
-                    <p:sldTgt/>
-                  </p:tgtEl>
-                </p:cond>
-              </p:nextCondLst>
-            </p:seq>
-            <p:video>
-              <p:cMediaNode vol="80000">
-                <p:cTn id="7" fill="hold" display="0">
-                  <p:stCondLst>
-                    <p:cond delay="indefinite"/>
-                  </p:stCondLst>
-                </p:cTn>
-                <p:tgtEl>
-                  <p:spTgt spid="2"/>
-                </p:tgtEl>
-              </p:cMediaNode>
-            </p:video>
-            <p:seq concurrent="1" nextAc="seek">
-              <p:cTn id="8" restart="whenNotActive" fill="hold" evtFilter="cancelBubble" nodeType="interactiveSeq">
-                <p:stCondLst>
-                  <p:cond evt="onClick" delay="0">
-                    <p:tgtEl>
-                      <p:spTgt spid="2"/>
-                    </p:tgtEl>
-                  </p:cond>
-                </p:stCondLst>
-                <p:endSync evt="end" delay="0">
-                  <p:rtn val="all"/>
-                </p:endSync>
-                <p:childTnLst>
-                  <p:par>
-                    <p:cTn id="9" fill="hold">
-                      <p:stCondLst>
-                        <p:cond delay="0"/>
-                      </p:stCondLst>
-                      <p:childTnLst>
-                        <p:par>
-                          <p:cTn id="10" fill="hold">
-                            <p:stCondLst>
-                              <p:cond delay="0"/>
-                            </p:stCondLst>
-                            <p:childTnLst>
-                              <p:par>
-                                <p:cTn id="11" presetID="2" presetClass="mediacall" presetSubtype="0" fill="hold" nodeType="clickEffect">
-                                  <p:stCondLst>
-                                    <p:cond delay="0"/>
-                                  </p:stCondLst>
-                                  <p:childTnLst>
-                                    <p:cmd type="call" cmd="togglePause">
-                                      <p:cBhvr>
-                                        <p:cTn id="12" dur="1" fill="hold"/>
-                                        <p:tgtEl>
-                                          <p:spTgt spid="2"/>
-                                        </p:tgtEl>
-                                      </p:cBhvr>
-                                    </p:cmd>
-                                  </p:childTnLst>
-                                </p:cTn>
-                              </p:par>
-                            </p:childTnLst>
-                          </p:cTn>
-                        </p:par>
-                      </p:childTnLst>
-                    </p:cTn>
-                  </p:par>
-                </p:childTnLst>
-              </p:cTn>
-              <p:nextCondLst>
-                <p:cond evt="onClick" delay="0">
-                  <p:tgtEl>
-                    <p:spTgt spid="2"/>
-                  </p:tgtEl>
-                </p:cond>
-              </p:nextCondLst>
-            </p:seq>
-          </p:childTnLst>
-        </p:cTn>
-      </p:par>
-    </p:tnLst>
-  </p:timing>
-</p:sld>
-</file>
-
-<file path=ppt/slides/slide9.xml><?xml version="1.0" encoding="utf-8"?>
-<p:sld xmlns:a="http://schemas.openxmlformats.org/drawingml/2006/main" xmlns:r="http://schemas.openxmlformats.org/officeDocument/2006/relationships" xmlns:p="http://schemas.openxmlformats.org/presentationml/2006/main">
-  <p:cSld>
-    <p:bg>
-      <p:bgPr>
-        <a:solidFill>
-          <a:srgbClr val="E2F1FE"/>
-        </a:solidFill>
-        <a:effectLst/>
-      </p:bgPr>
-    </p:bg>
-    <p:spTree>
-      <p:nvGrpSpPr>
-        <p:cNvPr id="1" name=""/>
-        <p:cNvGrpSpPr/>
-        <p:nvPr/>
-      </p:nvGrpSpPr>
-      <p:grpSpPr>
-        <a:xfrm>
-          <a:off x="0" y="0"/>
-          <a:ext cx="0" cy="0"/>
-          <a:chOff x="0" y="0"/>
-          <a:chExt cx="0" cy="0"/>
-        </a:xfrm>
-      </p:grpSpPr>
-      <p:sp>
-        <p:nvSpPr>
-          <p:cNvPr id="18" name="자유형: 도형 17">
-            <a:extLst>
-              <a:ext uri="{FF2B5EF4-FFF2-40B4-BE49-F238E27FC236}">
-                <a16:creationId xmlns:a16="http://schemas.microsoft.com/office/drawing/2014/main" id="{40028E33-DADC-3A71-DA4D-59A12E4A19AA}"/>
-              </a:ext>
-            </a:extLst>
-          </p:cNvPr>
-          <p:cNvSpPr/>
-          <p:nvPr/>
-        </p:nvSpPr>
-        <p:spPr>
-          <a:xfrm rot="10800000">
-            <a:off x="0" y="0"/>
-            <a:ext cx="12192000" cy="1520891"/>
-          </a:xfrm>
-          <a:custGeom>
-            <a:avLst/>
-            <a:gdLst>
-              <a:gd name="connsiteX0" fmla="*/ 949124 w 12192000"/>
-              <a:gd name="connsiteY0" fmla="*/ 0 h 741099"/>
-              <a:gd name="connsiteX1" fmla="*/ 2939970 w 12192000"/>
-              <a:gd name="connsiteY1" fmla="*/ 208344 h 741099"/>
-              <a:gd name="connsiteX2" fmla="*/ 4132162 w 12192000"/>
-              <a:gd name="connsiteY2" fmla="*/ 104172 h 741099"/>
-              <a:gd name="connsiteX3" fmla="*/ 5335930 w 12192000"/>
-              <a:gd name="connsiteY3" fmla="*/ 231493 h 741099"/>
-              <a:gd name="connsiteX4" fmla="*/ 6840638 w 12192000"/>
-              <a:gd name="connsiteY4" fmla="*/ 81023 h 741099"/>
-              <a:gd name="connsiteX5" fmla="*/ 7998106 w 12192000"/>
-              <a:gd name="connsiteY5" fmla="*/ 81023 h 741099"/>
-              <a:gd name="connsiteX6" fmla="*/ 9387068 w 12192000"/>
-              <a:gd name="connsiteY6" fmla="*/ 46299 h 741099"/>
-              <a:gd name="connsiteX7" fmla="*/ 10417215 w 12192000"/>
-              <a:gd name="connsiteY7" fmla="*/ 196769 h 741099"/>
-              <a:gd name="connsiteX8" fmla="*/ 11447362 w 12192000"/>
-              <a:gd name="connsiteY8" fmla="*/ 69448 h 741099"/>
-              <a:gd name="connsiteX9" fmla="*/ 12121497 w 12192000"/>
-              <a:gd name="connsiteY9" fmla="*/ 132928 h 741099"/>
-              <a:gd name="connsiteX10" fmla="*/ 12192000 w 12192000"/>
-              <a:gd name="connsiteY10" fmla="*/ 153974 h 741099"/>
-              <a:gd name="connsiteX11" fmla="*/ 12192000 w 12192000"/>
-              <a:gd name="connsiteY11" fmla="*/ 741099 h 741099"/>
-              <a:gd name="connsiteX12" fmla="*/ 0 w 12192000"/>
-              <a:gd name="connsiteY12" fmla="*/ 741099 h 741099"/>
-              <a:gd name="connsiteX13" fmla="*/ 0 w 12192000"/>
-              <a:gd name="connsiteY13" fmla="*/ 195501 h 741099"/>
-              <a:gd name="connsiteX14" fmla="*/ 25907 w 12192000"/>
-              <a:gd name="connsiteY14" fmla="*/ 188315 h 741099"/>
-              <a:gd name="connsiteX15" fmla="*/ 949124 w 12192000"/>
-              <a:gd name="connsiteY15" fmla="*/ 0 h 741099"/>
-              <a:gd name="connsiteX0" fmla="*/ 949124 w 12192000"/>
-              <a:gd name="connsiteY0" fmla="*/ 0 h 741099"/>
-              <a:gd name="connsiteX1" fmla="*/ 2939970 w 12192000"/>
-              <a:gd name="connsiteY1" fmla="*/ 208344 h 741099"/>
-              <a:gd name="connsiteX2" fmla="*/ 4132162 w 12192000"/>
-              <a:gd name="connsiteY2" fmla="*/ 104172 h 741099"/>
-              <a:gd name="connsiteX3" fmla="*/ 5335930 w 12192000"/>
-              <a:gd name="connsiteY3" fmla="*/ 231493 h 741099"/>
-              <a:gd name="connsiteX4" fmla="*/ 6840638 w 12192000"/>
-              <a:gd name="connsiteY4" fmla="*/ 81023 h 741099"/>
-              <a:gd name="connsiteX5" fmla="*/ 7998106 w 12192000"/>
-              <a:gd name="connsiteY5" fmla="*/ 81023 h 741099"/>
-              <a:gd name="connsiteX6" fmla="*/ 9387068 w 12192000"/>
-              <a:gd name="connsiteY6" fmla="*/ 46299 h 741099"/>
-              <a:gd name="connsiteX7" fmla="*/ 10428789 w 12192000"/>
-              <a:gd name="connsiteY7" fmla="*/ 158103 h 741099"/>
-              <a:gd name="connsiteX8" fmla="*/ 11447362 w 12192000"/>
-              <a:gd name="connsiteY8" fmla="*/ 69448 h 741099"/>
-              <a:gd name="connsiteX9" fmla="*/ 12121497 w 12192000"/>
-              <a:gd name="connsiteY9" fmla="*/ 132928 h 741099"/>
-              <a:gd name="connsiteX10" fmla="*/ 12192000 w 12192000"/>
-              <a:gd name="connsiteY10" fmla="*/ 153974 h 741099"/>
-              <a:gd name="connsiteX11" fmla="*/ 12192000 w 12192000"/>
-              <a:gd name="connsiteY11" fmla="*/ 741099 h 741099"/>
-              <a:gd name="connsiteX12" fmla="*/ 0 w 12192000"/>
-              <a:gd name="connsiteY12" fmla="*/ 741099 h 741099"/>
-              <a:gd name="connsiteX13" fmla="*/ 0 w 12192000"/>
-              <a:gd name="connsiteY13" fmla="*/ 195501 h 741099"/>
-              <a:gd name="connsiteX14" fmla="*/ 25907 w 12192000"/>
-              <a:gd name="connsiteY14" fmla="*/ 188315 h 741099"/>
-              <a:gd name="connsiteX15" fmla="*/ 949124 w 12192000"/>
-              <a:gd name="connsiteY15" fmla="*/ 0 h 741099"/>
-              <a:gd name="connsiteX0" fmla="*/ 833377 w 12192000"/>
-              <a:gd name="connsiteY0" fmla="*/ 33474 h 697241"/>
-              <a:gd name="connsiteX1" fmla="*/ 2939970 w 12192000"/>
-              <a:gd name="connsiteY1" fmla="*/ 164486 h 697241"/>
-              <a:gd name="connsiteX2" fmla="*/ 4132162 w 12192000"/>
-              <a:gd name="connsiteY2" fmla="*/ 60314 h 697241"/>
-              <a:gd name="connsiteX3" fmla="*/ 5335930 w 12192000"/>
-              <a:gd name="connsiteY3" fmla="*/ 187635 h 697241"/>
-              <a:gd name="connsiteX4" fmla="*/ 6840638 w 12192000"/>
-              <a:gd name="connsiteY4" fmla="*/ 37165 h 697241"/>
-              <a:gd name="connsiteX5" fmla="*/ 7998106 w 12192000"/>
-              <a:gd name="connsiteY5" fmla="*/ 37165 h 697241"/>
-              <a:gd name="connsiteX6" fmla="*/ 9387068 w 12192000"/>
-              <a:gd name="connsiteY6" fmla="*/ 2441 h 697241"/>
-              <a:gd name="connsiteX7" fmla="*/ 10428789 w 12192000"/>
-              <a:gd name="connsiteY7" fmla="*/ 114245 h 697241"/>
-              <a:gd name="connsiteX8" fmla="*/ 11447362 w 12192000"/>
-              <a:gd name="connsiteY8" fmla="*/ 25590 h 697241"/>
-              <a:gd name="connsiteX9" fmla="*/ 12121497 w 12192000"/>
-              <a:gd name="connsiteY9" fmla="*/ 89070 h 697241"/>
-              <a:gd name="connsiteX10" fmla="*/ 12192000 w 12192000"/>
-              <a:gd name="connsiteY10" fmla="*/ 110116 h 697241"/>
-              <a:gd name="connsiteX11" fmla="*/ 12192000 w 12192000"/>
-              <a:gd name="connsiteY11" fmla="*/ 697241 h 697241"/>
-              <a:gd name="connsiteX12" fmla="*/ 0 w 12192000"/>
-              <a:gd name="connsiteY12" fmla="*/ 697241 h 697241"/>
-              <a:gd name="connsiteX13" fmla="*/ 0 w 12192000"/>
-              <a:gd name="connsiteY13" fmla="*/ 151643 h 697241"/>
-              <a:gd name="connsiteX14" fmla="*/ 25907 w 12192000"/>
-              <a:gd name="connsiteY14" fmla="*/ 144457 h 697241"/>
-              <a:gd name="connsiteX15" fmla="*/ 833377 w 12192000"/>
-              <a:gd name="connsiteY15" fmla="*/ 33474 h 697241"/>
-              <a:gd name="connsiteX0" fmla="*/ 833377 w 12192000"/>
-              <a:gd name="connsiteY0" fmla="*/ 31116 h 694883"/>
-              <a:gd name="connsiteX1" fmla="*/ 2939970 w 12192000"/>
-              <a:gd name="connsiteY1" fmla="*/ 162128 h 694883"/>
-              <a:gd name="connsiteX2" fmla="*/ 4132162 w 12192000"/>
-              <a:gd name="connsiteY2" fmla="*/ 57956 h 694883"/>
-              <a:gd name="connsiteX3" fmla="*/ 5335930 w 12192000"/>
-              <a:gd name="connsiteY3" fmla="*/ 185277 h 694883"/>
-              <a:gd name="connsiteX4" fmla="*/ 6840638 w 12192000"/>
-              <a:gd name="connsiteY4" fmla="*/ 34807 h 694883"/>
-              <a:gd name="connsiteX5" fmla="*/ 8113852 w 12192000"/>
-              <a:gd name="connsiteY5" fmla="*/ 92806 h 694883"/>
-              <a:gd name="connsiteX6" fmla="*/ 9387068 w 12192000"/>
-              <a:gd name="connsiteY6" fmla="*/ 83 h 694883"/>
-              <a:gd name="connsiteX7" fmla="*/ 10428789 w 12192000"/>
-              <a:gd name="connsiteY7" fmla="*/ 111887 h 694883"/>
-              <a:gd name="connsiteX8" fmla="*/ 11447362 w 12192000"/>
-              <a:gd name="connsiteY8" fmla="*/ 23232 h 694883"/>
-              <a:gd name="connsiteX9" fmla="*/ 12121497 w 12192000"/>
-              <a:gd name="connsiteY9" fmla="*/ 86712 h 694883"/>
-              <a:gd name="connsiteX10" fmla="*/ 12192000 w 12192000"/>
-              <a:gd name="connsiteY10" fmla="*/ 107758 h 694883"/>
-              <a:gd name="connsiteX11" fmla="*/ 12192000 w 12192000"/>
-              <a:gd name="connsiteY11" fmla="*/ 694883 h 694883"/>
-              <a:gd name="connsiteX12" fmla="*/ 0 w 12192000"/>
-              <a:gd name="connsiteY12" fmla="*/ 694883 h 694883"/>
-              <a:gd name="connsiteX13" fmla="*/ 0 w 12192000"/>
-              <a:gd name="connsiteY13" fmla="*/ 149285 h 694883"/>
-              <a:gd name="connsiteX14" fmla="*/ 25907 w 12192000"/>
-              <a:gd name="connsiteY14" fmla="*/ 142099 h 694883"/>
-              <a:gd name="connsiteX15" fmla="*/ 833377 w 12192000"/>
-              <a:gd name="connsiteY15" fmla="*/ 31116 h 694883"/>
-              <a:gd name="connsiteX0" fmla="*/ 833377 w 12192000"/>
-              <a:gd name="connsiteY0" fmla="*/ 31116 h 694883"/>
-              <a:gd name="connsiteX1" fmla="*/ 2939970 w 12192000"/>
-              <a:gd name="connsiteY1" fmla="*/ 162128 h 694883"/>
-              <a:gd name="connsiteX2" fmla="*/ 4132162 w 12192000"/>
-              <a:gd name="connsiteY2" fmla="*/ 57956 h 694883"/>
-              <a:gd name="connsiteX3" fmla="*/ 5243333 w 12192000"/>
-              <a:gd name="connsiteY3" fmla="*/ 140167 h 694883"/>
-              <a:gd name="connsiteX4" fmla="*/ 6840638 w 12192000"/>
-              <a:gd name="connsiteY4" fmla="*/ 34807 h 694883"/>
-              <a:gd name="connsiteX5" fmla="*/ 8113852 w 12192000"/>
-              <a:gd name="connsiteY5" fmla="*/ 92806 h 694883"/>
-              <a:gd name="connsiteX6" fmla="*/ 9387068 w 12192000"/>
-              <a:gd name="connsiteY6" fmla="*/ 83 h 694883"/>
-              <a:gd name="connsiteX7" fmla="*/ 10428789 w 12192000"/>
-              <a:gd name="connsiteY7" fmla="*/ 111887 h 694883"/>
-              <a:gd name="connsiteX8" fmla="*/ 11447362 w 12192000"/>
-              <a:gd name="connsiteY8" fmla="*/ 23232 h 694883"/>
-              <a:gd name="connsiteX9" fmla="*/ 12121497 w 12192000"/>
-              <a:gd name="connsiteY9" fmla="*/ 86712 h 694883"/>
-              <a:gd name="connsiteX10" fmla="*/ 12192000 w 12192000"/>
-              <a:gd name="connsiteY10" fmla="*/ 107758 h 694883"/>
-              <a:gd name="connsiteX11" fmla="*/ 12192000 w 12192000"/>
-              <a:gd name="connsiteY11" fmla="*/ 694883 h 694883"/>
-              <a:gd name="connsiteX12" fmla="*/ 0 w 12192000"/>
-              <a:gd name="connsiteY12" fmla="*/ 694883 h 694883"/>
-              <a:gd name="connsiteX13" fmla="*/ 0 w 12192000"/>
-              <a:gd name="connsiteY13" fmla="*/ 149285 h 694883"/>
-              <a:gd name="connsiteX14" fmla="*/ 25907 w 12192000"/>
-              <a:gd name="connsiteY14" fmla="*/ 142099 h 694883"/>
-              <a:gd name="connsiteX15" fmla="*/ 833377 w 12192000"/>
-              <a:gd name="connsiteY15" fmla="*/ 31116 h 694883"/>
-              <a:gd name="connsiteX0" fmla="*/ 833377 w 12192000"/>
-              <a:gd name="connsiteY0" fmla="*/ 31116 h 694883"/>
-              <a:gd name="connsiteX1" fmla="*/ 2939970 w 12192000"/>
-              <a:gd name="connsiteY1" fmla="*/ 162128 h 694883"/>
-              <a:gd name="connsiteX2" fmla="*/ 3935392 w 12192000"/>
-              <a:gd name="connsiteY2" fmla="*/ 64401 h 694883"/>
-              <a:gd name="connsiteX3" fmla="*/ 5243333 w 12192000"/>
-              <a:gd name="connsiteY3" fmla="*/ 140167 h 694883"/>
-              <a:gd name="connsiteX4" fmla="*/ 6840638 w 12192000"/>
-              <a:gd name="connsiteY4" fmla="*/ 34807 h 694883"/>
-              <a:gd name="connsiteX5" fmla="*/ 8113852 w 12192000"/>
-              <a:gd name="connsiteY5" fmla="*/ 92806 h 694883"/>
-              <a:gd name="connsiteX6" fmla="*/ 9387068 w 12192000"/>
-              <a:gd name="connsiteY6" fmla="*/ 83 h 694883"/>
-              <a:gd name="connsiteX7" fmla="*/ 10428789 w 12192000"/>
-              <a:gd name="connsiteY7" fmla="*/ 111887 h 694883"/>
-              <a:gd name="connsiteX8" fmla="*/ 11447362 w 12192000"/>
-              <a:gd name="connsiteY8" fmla="*/ 23232 h 694883"/>
-              <a:gd name="connsiteX9" fmla="*/ 12121497 w 12192000"/>
-              <a:gd name="connsiteY9" fmla="*/ 86712 h 694883"/>
-              <a:gd name="connsiteX10" fmla="*/ 12192000 w 12192000"/>
-              <a:gd name="connsiteY10" fmla="*/ 107758 h 694883"/>
-              <a:gd name="connsiteX11" fmla="*/ 12192000 w 12192000"/>
-              <a:gd name="connsiteY11" fmla="*/ 694883 h 694883"/>
-              <a:gd name="connsiteX12" fmla="*/ 0 w 12192000"/>
-              <a:gd name="connsiteY12" fmla="*/ 694883 h 694883"/>
-              <a:gd name="connsiteX13" fmla="*/ 0 w 12192000"/>
-              <a:gd name="connsiteY13" fmla="*/ 149285 h 694883"/>
-              <a:gd name="connsiteX14" fmla="*/ 25907 w 12192000"/>
-              <a:gd name="connsiteY14" fmla="*/ 142099 h 694883"/>
-              <a:gd name="connsiteX15" fmla="*/ 833377 w 12192000"/>
-              <a:gd name="connsiteY15" fmla="*/ 31116 h 694883"/>
-              <a:gd name="connsiteX0" fmla="*/ 833377 w 12192000"/>
-              <a:gd name="connsiteY0" fmla="*/ 31116 h 694883"/>
-              <a:gd name="connsiteX1" fmla="*/ 2233914 w 12192000"/>
-              <a:gd name="connsiteY1" fmla="*/ 162128 h 694883"/>
-              <a:gd name="connsiteX2" fmla="*/ 3935392 w 12192000"/>
-              <a:gd name="connsiteY2" fmla="*/ 64401 h 694883"/>
-              <a:gd name="connsiteX3" fmla="*/ 5243333 w 12192000"/>
-              <a:gd name="connsiteY3" fmla="*/ 140167 h 694883"/>
-              <a:gd name="connsiteX4" fmla="*/ 6840638 w 12192000"/>
-              <a:gd name="connsiteY4" fmla="*/ 34807 h 694883"/>
-              <a:gd name="connsiteX5" fmla="*/ 8113852 w 12192000"/>
-              <a:gd name="connsiteY5" fmla="*/ 92806 h 694883"/>
-              <a:gd name="connsiteX6" fmla="*/ 9387068 w 12192000"/>
-              <a:gd name="connsiteY6" fmla="*/ 83 h 694883"/>
-              <a:gd name="connsiteX7" fmla="*/ 10428789 w 12192000"/>
-              <a:gd name="connsiteY7" fmla="*/ 111887 h 694883"/>
-              <a:gd name="connsiteX8" fmla="*/ 11447362 w 12192000"/>
-              <a:gd name="connsiteY8" fmla="*/ 23232 h 694883"/>
-              <a:gd name="connsiteX9" fmla="*/ 12121497 w 12192000"/>
-              <a:gd name="connsiteY9" fmla="*/ 86712 h 694883"/>
-              <a:gd name="connsiteX10" fmla="*/ 12192000 w 12192000"/>
-              <a:gd name="connsiteY10" fmla="*/ 107758 h 694883"/>
-              <a:gd name="connsiteX11" fmla="*/ 12192000 w 12192000"/>
-              <a:gd name="connsiteY11" fmla="*/ 694883 h 694883"/>
-              <a:gd name="connsiteX12" fmla="*/ 0 w 12192000"/>
-              <a:gd name="connsiteY12" fmla="*/ 694883 h 694883"/>
-              <a:gd name="connsiteX13" fmla="*/ 0 w 12192000"/>
-              <a:gd name="connsiteY13" fmla="*/ 149285 h 694883"/>
-              <a:gd name="connsiteX14" fmla="*/ 25907 w 12192000"/>
-              <a:gd name="connsiteY14" fmla="*/ 142099 h 694883"/>
-              <a:gd name="connsiteX15" fmla="*/ 833377 w 12192000"/>
-              <a:gd name="connsiteY15" fmla="*/ 31116 h 694883"/>
-              <a:gd name="connsiteX0" fmla="*/ 1018572 w 12192000"/>
-              <a:gd name="connsiteY0" fmla="*/ 56894 h 694883"/>
-              <a:gd name="connsiteX1" fmla="*/ 2233914 w 12192000"/>
-              <a:gd name="connsiteY1" fmla="*/ 162128 h 694883"/>
-              <a:gd name="connsiteX2" fmla="*/ 3935392 w 12192000"/>
-              <a:gd name="connsiteY2" fmla="*/ 64401 h 694883"/>
-              <a:gd name="connsiteX3" fmla="*/ 5243333 w 12192000"/>
-              <a:gd name="connsiteY3" fmla="*/ 140167 h 694883"/>
-              <a:gd name="connsiteX4" fmla="*/ 6840638 w 12192000"/>
-              <a:gd name="connsiteY4" fmla="*/ 34807 h 694883"/>
-              <a:gd name="connsiteX5" fmla="*/ 8113852 w 12192000"/>
-              <a:gd name="connsiteY5" fmla="*/ 92806 h 694883"/>
-              <a:gd name="connsiteX6" fmla="*/ 9387068 w 12192000"/>
-              <a:gd name="connsiteY6" fmla="*/ 83 h 694883"/>
-              <a:gd name="connsiteX7" fmla="*/ 10428789 w 12192000"/>
-              <a:gd name="connsiteY7" fmla="*/ 111887 h 694883"/>
-              <a:gd name="connsiteX8" fmla="*/ 11447362 w 12192000"/>
-              <a:gd name="connsiteY8" fmla="*/ 23232 h 694883"/>
-              <a:gd name="connsiteX9" fmla="*/ 12121497 w 12192000"/>
-              <a:gd name="connsiteY9" fmla="*/ 86712 h 694883"/>
-              <a:gd name="connsiteX10" fmla="*/ 12192000 w 12192000"/>
-              <a:gd name="connsiteY10" fmla="*/ 107758 h 694883"/>
-              <a:gd name="connsiteX11" fmla="*/ 12192000 w 12192000"/>
-              <a:gd name="connsiteY11" fmla="*/ 694883 h 694883"/>
-              <a:gd name="connsiteX12" fmla="*/ 0 w 12192000"/>
-              <a:gd name="connsiteY12" fmla="*/ 694883 h 694883"/>
-              <a:gd name="connsiteX13" fmla="*/ 0 w 12192000"/>
-              <a:gd name="connsiteY13" fmla="*/ 149285 h 694883"/>
-              <a:gd name="connsiteX14" fmla="*/ 25907 w 12192000"/>
-              <a:gd name="connsiteY14" fmla="*/ 142099 h 694883"/>
-              <a:gd name="connsiteX15" fmla="*/ 1018572 w 12192000"/>
-              <a:gd name="connsiteY15" fmla="*/ 56894 h 694883"/>
-              <a:gd name="connsiteX0" fmla="*/ 1018572 w 12192000"/>
-              <a:gd name="connsiteY0" fmla="*/ 56894 h 694883"/>
-              <a:gd name="connsiteX1" fmla="*/ 2233914 w 12192000"/>
-              <a:gd name="connsiteY1" fmla="*/ 162128 h 694883"/>
-              <a:gd name="connsiteX2" fmla="*/ 3935392 w 12192000"/>
-              <a:gd name="connsiteY2" fmla="*/ 64401 h 694883"/>
-              <a:gd name="connsiteX3" fmla="*/ 5243333 w 12192000"/>
-              <a:gd name="connsiteY3" fmla="*/ 140167 h 694883"/>
-              <a:gd name="connsiteX4" fmla="*/ 6840638 w 12192000"/>
-              <a:gd name="connsiteY4" fmla="*/ 34807 h 694883"/>
-              <a:gd name="connsiteX5" fmla="*/ 8113852 w 12192000"/>
-              <a:gd name="connsiteY5" fmla="*/ 92806 h 694883"/>
-              <a:gd name="connsiteX6" fmla="*/ 9387068 w 12192000"/>
-              <a:gd name="connsiteY6" fmla="*/ 83 h 694883"/>
-              <a:gd name="connsiteX7" fmla="*/ 10428789 w 12192000"/>
-              <a:gd name="connsiteY7" fmla="*/ 111887 h 694883"/>
-              <a:gd name="connsiteX8" fmla="*/ 11308465 w 12192000"/>
-              <a:gd name="connsiteY8" fmla="*/ 10344 h 694883"/>
-              <a:gd name="connsiteX9" fmla="*/ 12121497 w 12192000"/>
-              <a:gd name="connsiteY9" fmla="*/ 86712 h 694883"/>
-              <a:gd name="connsiteX10" fmla="*/ 12192000 w 12192000"/>
-              <a:gd name="connsiteY10" fmla="*/ 107758 h 694883"/>
-              <a:gd name="connsiteX11" fmla="*/ 12192000 w 12192000"/>
-              <a:gd name="connsiteY11" fmla="*/ 694883 h 694883"/>
-              <a:gd name="connsiteX12" fmla="*/ 0 w 12192000"/>
-              <a:gd name="connsiteY12" fmla="*/ 694883 h 694883"/>
-              <a:gd name="connsiteX13" fmla="*/ 0 w 12192000"/>
-              <a:gd name="connsiteY13" fmla="*/ 149285 h 694883"/>
-              <a:gd name="connsiteX14" fmla="*/ 25907 w 12192000"/>
-              <a:gd name="connsiteY14" fmla="*/ 142099 h 694883"/>
-              <a:gd name="connsiteX15" fmla="*/ 1018572 w 12192000"/>
-              <a:gd name="connsiteY15" fmla="*/ 56894 h 694883"/>
-              <a:gd name="connsiteX0" fmla="*/ 1018572 w 12192000"/>
-              <a:gd name="connsiteY0" fmla="*/ 56894 h 694883"/>
-              <a:gd name="connsiteX1" fmla="*/ 2164466 w 12192000"/>
-              <a:gd name="connsiteY1" fmla="*/ 168573 h 694883"/>
-              <a:gd name="connsiteX2" fmla="*/ 3935392 w 12192000"/>
-              <a:gd name="connsiteY2" fmla="*/ 64401 h 694883"/>
-              <a:gd name="connsiteX3" fmla="*/ 5243333 w 12192000"/>
-              <a:gd name="connsiteY3" fmla="*/ 140167 h 694883"/>
-              <a:gd name="connsiteX4" fmla="*/ 6840638 w 12192000"/>
-              <a:gd name="connsiteY4" fmla="*/ 34807 h 694883"/>
-              <a:gd name="connsiteX5" fmla="*/ 8113852 w 12192000"/>
-              <a:gd name="connsiteY5" fmla="*/ 92806 h 694883"/>
-              <a:gd name="connsiteX6" fmla="*/ 9387068 w 12192000"/>
-              <a:gd name="connsiteY6" fmla="*/ 83 h 694883"/>
-              <a:gd name="connsiteX7" fmla="*/ 10428789 w 12192000"/>
-              <a:gd name="connsiteY7" fmla="*/ 111887 h 694883"/>
-              <a:gd name="connsiteX8" fmla="*/ 11308465 w 12192000"/>
-              <a:gd name="connsiteY8" fmla="*/ 10344 h 694883"/>
-              <a:gd name="connsiteX9" fmla="*/ 12121497 w 12192000"/>
-              <a:gd name="connsiteY9" fmla="*/ 86712 h 694883"/>
-              <a:gd name="connsiteX10" fmla="*/ 12192000 w 12192000"/>
-              <a:gd name="connsiteY10" fmla="*/ 107758 h 694883"/>
-              <a:gd name="connsiteX11" fmla="*/ 12192000 w 12192000"/>
-              <a:gd name="connsiteY11" fmla="*/ 694883 h 694883"/>
-              <a:gd name="connsiteX12" fmla="*/ 0 w 12192000"/>
-              <a:gd name="connsiteY12" fmla="*/ 694883 h 694883"/>
-              <a:gd name="connsiteX13" fmla="*/ 0 w 12192000"/>
-              <a:gd name="connsiteY13" fmla="*/ 149285 h 694883"/>
-              <a:gd name="connsiteX14" fmla="*/ 25907 w 12192000"/>
-              <a:gd name="connsiteY14" fmla="*/ 142099 h 694883"/>
-              <a:gd name="connsiteX15" fmla="*/ 1018572 w 12192000"/>
-              <a:gd name="connsiteY15" fmla="*/ 56894 h 694883"/>
-              <a:gd name="connsiteX0" fmla="*/ 1018572 w 12192000"/>
-              <a:gd name="connsiteY0" fmla="*/ 56894 h 694883"/>
-              <a:gd name="connsiteX1" fmla="*/ 2164466 w 12192000"/>
-              <a:gd name="connsiteY1" fmla="*/ 168573 h 694883"/>
-              <a:gd name="connsiteX2" fmla="*/ 3472404 w 12192000"/>
-              <a:gd name="connsiteY2" fmla="*/ 64401 h 694883"/>
-              <a:gd name="connsiteX3" fmla="*/ 5243333 w 12192000"/>
-              <a:gd name="connsiteY3" fmla="*/ 140167 h 694883"/>
-              <a:gd name="connsiteX4" fmla="*/ 6840638 w 12192000"/>
-              <a:gd name="connsiteY4" fmla="*/ 34807 h 694883"/>
-              <a:gd name="connsiteX5" fmla="*/ 8113852 w 12192000"/>
-              <a:gd name="connsiteY5" fmla="*/ 92806 h 694883"/>
-              <a:gd name="connsiteX6" fmla="*/ 9387068 w 12192000"/>
-              <a:gd name="connsiteY6" fmla="*/ 83 h 694883"/>
-              <a:gd name="connsiteX7" fmla="*/ 10428789 w 12192000"/>
-              <a:gd name="connsiteY7" fmla="*/ 111887 h 694883"/>
-              <a:gd name="connsiteX8" fmla="*/ 11308465 w 12192000"/>
-              <a:gd name="connsiteY8" fmla="*/ 10344 h 694883"/>
-              <a:gd name="connsiteX9" fmla="*/ 12121497 w 12192000"/>
-              <a:gd name="connsiteY9" fmla="*/ 86712 h 694883"/>
-              <a:gd name="connsiteX10" fmla="*/ 12192000 w 12192000"/>
-              <a:gd name="connsiteY10" fmla="*/ 107758 h 694883"/>
-              <a:gd name="connsiteX11" fmla="*/ 12192000 w 12192000"/>
-              <a:gd name="connsiteY11" fmla="*/ 694883 h 694883"/>
-              <a:gd name="connsiteX12" fmla="*/ 0 w 12192000"/>
-              <a:gd name="connsiteY12" fmla="*/ 694883 h 694883"/>
-              <a:gd name="connsiteX13" fmla="*/ 0 w 12192000"/>
-              <a:gd name="connsiteY13" fmla="*/ 149285 h 694883"/>
-              <a:gd name="connsiteX14" fmla="*/ 25907 w 12192000"/>
-              <a:gd name="connsiteY14" fmla="*/ 142099 h 694883"/>
-              <a:gd name="connsiteX15" fmla="*/ 1018572 w 12192000"/>
-              <a:gd name="connsiteY15" fmla="*/ 56894 h 694883"/>
-              <a:gd name="connsiteX0" fmla="*/ 1018572 w 12192000"/>
-              <a:gd name="connsiteY0" fmla="*/ 56894 h 694883"/>
-              <a:gd name="connsiteX1" fmla="*/ 2164466 w 12192000"/>
-              <a:gd name="connsiteY1" fmla="*/ 168573 h 694883"/>
-              <a:gd name="connsiteX2" fmla="*/ 3472404 w 12192000"/>
-              <a:gd name="connsiteY2" fmla="*/ 64401 h 694883"/>
-              <a:gd name="connsiteX3" fmla="*/ 4780345 w 12192000"/>
-              <a:gd name="connsiteY3" fmla="*/ 133722 h 694883"/>
-              <a:gd name="connsiteX4" fmla="*/ 6840638 w 12192000"/>
-              <a:gd name="connsiteY4" fmla="*/ 34807 h 694883"/>
-              <a:gd name="connsiteX5" fmla="*/ 8113852 w 12192000"/>
-              <a:gd name="connsiteY5" fmla="*/ 92806 h 694883"/>
-              <a:gd name="connsiteX6" fmla="*/ 9387068 w 12192000"/>
-              <a:gd name="connsiteY6" fmla="*/ 83 h 694883"/>
-              <a:gd name="connsiteX7" fmla="*/ 10428789 w 12192000"/>
-              <a:gd name="connsiteY7" fmla="*/ 111887 h 694883"/>
-              <a:gd name="connsiteX8" fmla="*/ 11308465 w 12192000"/>
-              <a:gd name="connsiteY8" fmla="*/ 10344 h 694883"/>
-              <a:gd name="connsiteX9" fmla="*/ 12121497 w 12192000"/>
-              <a:gd name="connsiteY9" fmla="*/ 86712 h 694883"/>
-              <a:gd name="connsiteX10" fmla="*/ 12192000 w 12192000"/>
-              <a:gd name="connsiteY10" fmla="*/ 107758 h 694883"/>
-              <a:gd name="connsiteX11" fmla="*/ 12192000 w 12192000"/>
-              <a:gd name="connsiteY11" fmla="*/ 694883 h 694883"/>
-              <a:gd name="connsiteX12" fmla="*/ 0 w 12192000"/>
-              <a:gd name="connsiteY12" fmla="*/ 694883 h 694883"/>
-              <a:gd name="connsiteX13" fmla="*/ 0 w 12192000"/>
-              <a:gd name="connsiteY13" fmla="*/ 149285 h 694883"/>
-              <a:gd name="connsiteX14" fmla="*/ 25907 w 12192000"/>
-              <a:gd name="connsiteY14" fmla="*/ 142099 h 694883"/>
-              <a:gd name="connsiteX15" fmla="*/ 1018572 w 12192000"/>
-              <a:gd name="connsiteY15" fmla="*/ 56894 h 694883"/>
-              <a:gd name="connsiteX0" fmla="*/ 1018572 w 12192000"/>
-              <a:gd name="connsiteY0" fmla="*/ 56892 h 694881"/>
-              <a:gd name="connsiteX1" fmla="*/ 2164466 w 12192000"/>
-              <a:gd name="connsiteY1" fmla="*/ 168571 h 694881"/>
-              <a:gd name="connsiteX2" fmla="*/ 3472404 w 12192000"/>
-              <a:gd name="connsiteY2" fmla="*/ 64399 h 694881"/>
-              <a:gd name="connsiteX3" fmla="*/ 4780345 w 12192000"/>
-              <a:gd name="connsiteY3" fmla="*/ 133720 h 694881"/>
-              <a:gd name="connsiteX4" fmla="*/ 6169306 w 12192000"/>
-              <a:gd name="connsiteY4" fmla="*/ 21917 h 694881"/>
-              <a:gd name="connsiteX5" fmla="*/ 8113852 w 12192000"/>
-              <a:gd name="connsiteY5" fmla="*/ 92804 h 694881"/>
-              <a:gd name="connsiteX6" fmla="*/ 9387068 w 12192000"/>
-              <a:gd name="connsiteY6" fmla="*/ 81 h 694881"/>
-              <a:gd name="connsiteX7" fmla="*/ 10428789 w 12192000"/>
-              <a:gd name="connsiteY7" fmla="*/ 111885 h 694881"/>
-              <a:gd name="connsiteX8" fmla="*/ 11308465 w 12192000"/>
-              <a:gd name="connsiteY8" fmla="*/ 10342 h 694881"/>
-              <a:gd name="connsiteX9" fmla="*/ 12121497 w 12192000"/>
-              <a:gd name="connsiteY9" fmla="*/ 86710 h 694881"/>
-              <a:gd name="connsiteX10" fmla="*/ 12192000 w 12192000"/>
-              <a:gd name="connsiteY10" fmla="*/ 107756 h 694881"/>
-              <a:gd name="connsiteX11" fmla="*/ 12192000 w 12192000"/>
-              <a:gd name="connsiteY11" fmla="*/ 694881 h 694881"/>
-              <a:gd name="connsiteX12" fmla="*/ 0 w 12192000"/>
-              <a:gd name="connsiteY12" fmla="*/ 694881 h 694881"/>
-              <a:gd name="connsiteX13" fmla="*/ 0 w 12192000"/>
-              <a:gd name="connsiteY13" fmla="*/ 149283 h 694881"/>
-              <a:gd name="connsiteX14" fmla="*/ 25907 w 12192000"/>
-              <a:gd name="connsiteY14" fmla="*/ 142097 h 694881"/>
-              <a:gd name="connsiteX15" fmla="*/ 1018572 w 12192000"/>
-              <a:gd name="connsiteY15" fmla="*/ 56892 h 694881"/>
-              <a:gd name="connsiteX0" fmla="*/ 1018572 w 12192000"/>
-              <a:gd name="connsiteY0" fmla="*/ 56812 h 694801"/>
-              <a:gd name="connsiteX1" fmla="*/ 2164466 w 12192000"/>
-              <a:gd name="connsiteY1" fmla="*/ 168491 h 694801"/>
-              <a:gd name="connsiteX2" fmla="*/ 3472404 w 12192000"/>
-              <a:gd name="connsiteY2" fmla="*/ 64319 h 694801"/>
-              <a:gd name="connsiteX3" fmla="*/ 4780345 w 12192000"/>
-              <a:gd name="connsiteY3" fmla="*/ 133640 h 694801"/>
-              <a:gd name="connsiteX4" fmla="*/ 6169306 w 12192000"/>
-              <a:gd name="connsiteY4" fmla="*/ 21837 h 694801"/>
-              <a:gd name="connsiteX5" fmla="*/ 7523543 w 12192000"/>
-              <a:gd name="connsiteY5" fmla="*/ 112057 h 694801"/>
-              <a:gd name="connsiteX6" fmla="*/ 9387068 w 12192000"/>
-              <a:gd name="connsiteY6" fmla="*/ 1 h 694801"/>
-              <a:gd name="connsiteX7" fmla="*/ 10428789 w 12192000"/>
-              <a:gd name="connsiteY7" fmla="*/ 111805 h 694801"/>
-              <a:gd name="connsiteX8" fmla="*/ 11308465 w 12192000"/>
-              <a:gd name="connsiteY8" fmla="*/ 10262 h 694801"/>
-              <a:gd name="connsiteX9" fmla="*/ 12121497 w 12192000"/>
-              <a:gd name="connsiteY9" fmla="*/ 86630 h 694801"/>
-              <a:gd name="connsiteX10" fmla="*/ 12192000 w 12192000"/>
-              <a:gd name="connsiteY10" fmla="*/ 107676 h 694801"/>
-              <a:gd name="connsiteX11" fmla="*/ 12192000 w 12192000"/>
-              <a:gd name="connsiteY11" fmla="*/ 694801 h 694801"/>
-              <a:gd name="connsiteX12" fmla="*/ 0 w 12192000"/>
-              <a:gd name="connsiteY12" fmla="*/ 694801 h 694801"/>
-              <a:gd name="connsiteX13" fmla="*/ 0 w 12192000"/>
-              <a:gd name="connsiteY13" fmla="*/ 149203 h 694801"/>
-              <a:gd name="connsiteX14" fmla="*/ 25907 w 12192000"/>
-              <a:gd name="connsiteY14" fmla="*/ 142017 h 694801"/>
-              <a:gd name="connsiteX15" fmla="*/ 1018572 w 12192000"/>
-              <a:gd name="connsiteY15" fmla="*/ 56812 h 694801"/>
-              <a:gd name="connsiteX0" fmla="*/ 1018572 w 12192000"/>
-              <a:gd name="connsiteY0" fmla="*/ 56812 h 694801"/>
-              <a:gd name="connsiteX1" fmla="*/ 2164466 w 12192000"/>
-              <a:gd name="connsiteY1" fmla="*/ 168491 h 694801"/>
-              <a:gd name="connsiteX2" fmla="*/ 3472404 w 12192000"/>
-              <a:gd name="connsiteY2" fmla="*/ 64319 h 694801"/>
-              <a:gd name="connsiteX3" fmla="*/ 4780345 w 12192000"/>
-              <a:gd name="connsiteY3" fmla="*/ 133640 h 694801"/>
-              <a:gd name="connsiteX4" fmla="*/ 6169306 w 12192000"/>
-              <a:gd name="connsiteY4" fmla="*/ 21837 h 694801"/>
-              <a:gd name="connsiteX5" fmla="*/ 7523543 w 12192000"/>
-              <a:gd name="connsiteY5" fmla="*/ 112057 h 694801"/>
-              <a:gd name="connsiteX6" fmla="*/ 8611564 w 12192000"/>
-              <a:gd name="connsiteY6" fmla="*/ 1 h 694801"/>
-              <a:gd name="connsiteX7" fmla="*/ 10428789 w 12192000"/>
-              <a:gd name="connsiteY7" fmla="*/ 111805 h 694801"/>
-              <a:gd name="connsiteX8" fmla="*/ 11308465 w 12192000"/>
-              <a:gd name="connsiteY8" fmla="*/ 10262 h 694801"/>
-              <a:gd name="connsiteX9" fmla="*/ 12121497 w 12192000"/>
-              <a:gd name="connsiteY9" fmla="*/ 86630 h 694801"/>
-              <a:gd name="connsiteX10" fmla="*/ 12192000 w 12192000"/>
-              <a:gd name="connsiteY10" fmla="*/ 107676 h 694801"/>
-              <a:gd name="connsiteX11" fmla="*/ 12192000 w 12192000"/>
-              <a:gd name="connsiteY11" fmla="*/ 694801 h 694801"/>
-              <a:gd name="connsiteX12" fmla="*/ 0 w 12192000"/>
-              <a:gd name="connsiteY12" fmla="*/ 694801 h 694801"/>
-              <a:gd name="connsiteX13" fmla="*/ 0 w 12192000"/>
-              <a:gd name="connsiteY13" fmla="*/ 149203 h 694801"/>
-              <a:gd name="connsiteX14" fmla="*/ 25907 w 12192000"/>
-              <a:gd name="connsiteY14" fmla="*/ 142017 h 694801"/>
-              <a:gd name="connsiteX15" fmla="*/ 1018572 w 12192000"/>
-              <a:gd name="connsiteY15" fmla="*/ 56812 h 694801"/>
-              <a:gd name="connsiteX0" fmla="*/ 1018572 w 12192000"/>
-              <a:gd name="connsiteY0" fmla="*/ 57063 h 695052"/>
-              <a:gd name="connsiteX1" fmla="*/ 2164466 w 12192000"/>
-              <a:gd name="connsiteY1" fmla="*/ 168742 h 695052"/>
-              <a:gd name="connsiteX2" fmla="*/ 3472404 w 12192000"/>
-              <a:gd name="connsiteY2" fmla="*/ 64570 h 695052"/>
-              <a:gd name="connsiteX3" fmla="*/ 4780345 w 12192000"/>
-              <a:gd name="connsiteY3" fmla="*/ 133891 h 695052"/>
-              <a:gd name="connsiteX4" fmla="*/ 6169306 w 12192000"/>
-              <a:gd name="connsiteY4" fmla="*/ 22088 h 695052"/>
-              <a:gd name="connsiteX5" fmla="*/ 7523543 w 12192000"/>
-              <a:gd name="connsiteY5" fmla="*/ 112308 h 695052"/>
-              <a:gd name="connsiteX6" fmla="*/ 8611564 w 12192000"/>
-              <a:gd name="connsiteY6" fmla="*/ 252 h 695052"/>
-              <a:gd name="connsiteX7" fmla="*/ 9965802 w 12192000"/>
-              <a:gd name="connsiteY7" fmla="*/ 79834 h 695052"/>
-              <a:gd name="connsiteX8" fmla="*/ 11308465 w 12192000"/>
-              <a:gd name="connsiteY8" fmla="*/ 10513 h 695052"/>
-              <a:gd name="connsiteX9" fmla="*/ 12121497 w 12192000"/>
-              <a:gd name="connsiteY9" fmla="*/ 86881 h 695052"/>
-              <a:gd name="connsiteX10" fmla="*/ 12192000 w 12192000"/>
-              <a:gd name="connsiteY10" fmla="*/ 107927 h 695052"/>
-              <a:gd name="connsiteX11" fmla="*/ 12192000 w 12192000"/>
-              <a:gd name="connsiteY11" fmla="*/ 695052 h 695052"/>
-              <a:gd name="connsiteX12" fmla="*/ 0 w 12192000"/>
-              <a:gd name="connsiteY12" fmla="*/ 695052 h 695052"/>
-              <a:gd name="connsiteX13" fmla="*/ 0 w 12192000"/>
-              <a:gd name="connsiteY13" fmla="*/ 149454 h 695052"/>
-              <a:gd name="connsiteX14" fmla="*/ 25907 w 12192000"/>
-              <a:gd name="connsiteY14" fmla="*/ 142268 h 695052"/>
-              <a:gd name="connsiteX15" fmla="*/ 1018572 w 12192000"/>
-              <a:gd name="connsiteY15" fmla="*/ 57063 h 695052"/>
-              <a:gd name="connsiteX0" fmla="*/ 1018572 w 12192000"/>
-              <a:gd name="connsiteY0" fmla="*/ 65894 h 703883"/>
-              <a:gd name="connsiteX1" fmla="*/ 2164466 w 12192000"/>
-              <a:gd name="connsiteY1" fmla="*/ 177573 h 703883"/>
-              <a:gd name="connsiteX2" fmla="*/ 3472404 w 12192000"/>
-              <a:gd name="connsiteY2" fmla="*/ 73401 h 703883"/>
-              <a:gd name="connsiteX3" fmla="*/ 4780345 w 12192000"/>
-              <a:gd name="connsiteY3" fmla="*/ 142722 h 703883"/>
-              <a:gd name="connsiteX4" fmla="*/ 6169306 w 12192000"/>
-              <a:gd name="connsiteY4" fmla="*/ 30919 h 703883"/>
-              <a:gd name="connsiteX5" fmla="*/ 7523543 w 12192000"/>
-              <a:gd name="connsiteY5" fmla="*/ 121139 h 703883"/>
-              <a:gd name="connsiteX6" fmla="*/ 8611564 w 12192000"/>
-              <a:gd name="connsiteY6" fmla="*/ 9083 h 703883"/>
-              <a:gd name="connsiteX7" fmla="*/ 9965802 w 12192000"/>
-              <a:gd name="connsiteY7" fmla="*/ 88665 h 703883"/>
-              <a:gd name="connsiteX8" fmla="*/ 11169569 w 12192000"/>
-              <a:gd name="connsiteY8" fmla="*/ 11 h 703883"/>
-              <a:gd name="connsiteX9" fmla="*/ 12121497 w 12192000"/>
-              <a:gd name="connsiteY9" fmla="*/ 95712 h 703883"/>
-              <a:gd name="connsiteX10" fmla="*/ 12192000 w 12192000"/>
-              <a:gd name="connsiteY10" fmla="*/ 116758 h 703883"/>
-              <a:gd name="connsiteX11" fmla="*/ 12192000 w 12192000"/>
-              <a:gd name="connsiteY11" fmla="*/ 703883 h 703883"/>
-              <a:gd name="connsiteX12" fmla="*/ 0 w 12192000"/>
-              <a:gd name="connsiteY12" fmla="*/ 703883 h 703883"/>
-              <a:gd name="connsiteX13" fmla="*/ 0 w 12192000"/>
-              <a:gd name="connsiteY13" fmla="*/ 158285 h 703883"/>
-              <a:gd name="connsiteX14" fmla="*/ 25907 w 12192000"/>
-              <a:gd name="connsiteY14" fmla="*/ 151099 h 703883"/>
-              <a:gd name="connsiteX15" fmla="*/ 1018572 w 12192000"/>
-              <a:gd name="connsiteY15" fmla="*/ 65894 h 703883"/>
-            </a:gdLst>
-            <a:ahLst/>
-            <a:cxnLst>
-              <a:cxn ang="0">
-                <a:pos x="connsiteX0" y="connsiteY0"/>
-              </a:cxn>
-              <a:cxn ang="0">
-                <a:pos x="connsiteX1" y="connsiteY1"/>
-              </a:cxn>
-              <a:cxn ang="0">
-                <a:pos x="connsiteX2" y="connsiteY2"/>
-              </a:cxn>
-              <a:cxn ang="0">
-                <a:pos x="connsiteX3" y="connsiteY3"/>
-              </a:cxn>
-              <a:cxn ang="0">
-                <a:pos x="connsiteX4" y="connsiteY4"/>
-              </a:cxn>
-              <a:cxn ang="0">
-                <a:pos x="connsiteX5" y="connsiteY5"/>
-              </a:cxn>
-              <a:cxn ang="0">
-                <a:pos x="connsiteX6" y="connsiteY6"/>
-              </a:cxn>
-              <a:cxn ang="0">
-                <a:pos x="connsiteX7" y="connsiteY7"/>
-              </a:cxn>
-              <a:cxn ang="0">
-                <a:pos x="connsiteX8" y="connsiteY8"/>
-              </a:cxn>
-              <a:cxn ang="0">
-                <a:pos x="connsiteX9" y="connsiteY9"/>
-              </a:cxn>
-              <a:cxn ang="0">
-                <a:pos x="connsiteX10" y="connsiteY10"/>
-              </a:cxn>
-              <a:cxn ang="0">
-                <a:pos x="connsiteX11" y="connsiteY11"/>
-              </a:cxn>
-              <a:cxn ang="0">
-                <a:pos x="connsiteX12" y="connsiteY12"/>
-              </a:cxn>
-              <a:cxn ang="0">
-                <a:pos x="connsiteX13" y="connsiteY13"/>
-              </a:cxn>
-              <a:cxn ang="0">
-                <a:pos x="connsiteX14" y="connsiteY14"/>
-              </a:cxn>
-              <a:cxn ang="0">
-                <a:pos x="connsiteX15" y="connsiteY15"/>
-              </a:cxn>
-            </a:cxnLst>
-            <a:rect l="l" t="t" r="r" b="b"/>
-            <a:pathLst>
-              <a:path w="12192000" h="703883">
-                <a:moveTo>
-                  <a:pt x="1018572" y="65894"/>
-                </a:moveTo>
-                <a:cubicBezTo>
-                  <a:pt x="1516283" y="65894"/>
-                  <a:pt x="1755494" y="176322"/>
-                  <a:pt x="2164466" y="177573"/>
-                </a:cubicBezTo>
-                <a:cubicBezTo>
-                  <a:pt x="2573438" y="178824"/>
-                  <a:pt x="3036424" y="79209"/>
-                  <a:pt x="3472404" y="73401"/>
-                </a:cubicBezTo>
-                <a:cubicBezTo>
-                  <a:pt x="3908384" y="67593"/>
-                  <a:pt x="4330861" y="149802"/>
-                  <a:pt x="4780345" y="142722"/>
-                </a:cubicBezTo>
-                <a:cubicBezTo>
-                  <a:pt x="5229829" y="135642"/>
-                  <a:pt x="5712106" y="34516"/>
-                  <a:pt x="6169306" y="30919"/>
-                </a:cubicBezTo>
-                <a:cubicBezTo>
-                  <a:pt x="6626506" y="27322"/>
-                  <a:pt x="7116500" y="124778"/>
-                  <a:pt x="7523543" y="121139"/>
-                </a:cubicBezTo>
-                <a:cubicBezTo>
-                  <a:pt x="7930586" y="117500"/>
-                  <a:pt x="8204521" y="14495"/>
-                  <a:pt x="8611564" y="9083"/>
-                </a:cubicBezTo>
-                <a:cubicBezTo>
-                  <a:pt x="9018607" y="3671"/>
-                  <a:pt x="9539468" y="90177"/>
-                  <a:pt x="9965802" y="88665"/>
-                </a:cubicBezTo>
-                <a:cubicBezTo>
-                  <a:pt x="10392136" y="87153"/>
-                  <a:pt x="10810287" y="-1163"/>
-                  <a:pt x="11169569" y="11"/>
-                </a:cubicBezTo>
-                <a:cubicBezTo>
-                  <a:pt x="11528851" y="1185"/>
-                  <a:pt x="11923371" y="45254"/>
-                  <a:pt x="12121497" y="95712"/>
-                </a:cubicBezTo>
-                <a:lnTo>
-                  <a:pt x="12192000" y="116758"/>
-                </a:lnTo>
-                <a:lnTo>
-                  <a:pt x="12192000" y="703883"/>
-                </a:lnTo>
-                <a:lnTo>
-                  <a:pt x="0" y="703883"/>
-                </a:lnTo>
-                <a:lnTo>
-                  <a:pt x="0" y="158285"/>
-                </a:lnTo>
-                <a:lnTo>
-                  <a:pt x="25907" y="151099"/>
-                </a:lnTo>
-                <a:cubicBezTo>
-                  <a:pt x="211057" y="92758"/>
-                  <a:pt x="583075" y="65894"/>
-                  <a:pt x="1018572" y="65894"/>
-                </a:cubicBezTo>
-                <a:close/>
-              </a:path>
-            </a:pathLst>
-          </a:custGeom>
-          <a:solidFill>
-            <a:srgbClr val="A1C6E7"/>
-          </a:solidFill>
-          <a:ln>
-            <a:noFill/>
-          </a:ln>
-        </p:spPr>
-        <p:style>
-          <a:lnRef idx="2">
-            <a:schemeClr val="accent1">
-              <a:shade val="50000"/>
-            </a:schemeClr>
-          </a:lnRef>
-          <a:fillRef idx="1">
-            <a:schemeClr val="accent1"/>
-          </a:fillRef>
-          <a:effectRef idx="0">
-            <a:schemeClr val="accent1"/>
-          </a:effectRef>
-          <a:fontRef idx="minor">
-            <a:schemeClr val="lt1"/>
-          </a:fontRef>
-        </p:style>
-        <p:txBody>
-          <a:bodyPr rtlCol="0" anchor="ctr"/>
-          <a:lstStyle/>
-          <a:p>
-            <a:pPr algn="ctr"/>
-            <a:endParaRPr lang="ko-KR" altLang="en-US" dirty="0"/>
-          </a:p>
-        </p:txBody>
-      </p:sp>
-      <p:sp>
-        <p:nvSpPr>
-          <p:cNvPr id="27" name="자유형: 도형 26"/>
-          <p:cNvSpPr/>
-          <p:nvPr/>
-        </p:nvSpPr>
-        <p:spPr>
-          <a:xfrm rot="10800000">
-            <a:off x="0" y="-1"/>
-            <a:ext cx="12192000" cy="1264246"/>
-          </a:xfrm>
-          <a:custGeom>
-            <a:avLst/>
-            <a:gdLst>
-              <a:gd name="connsiteX0" fmla="*/ 949124 w 12192000"/>
-              <a:gd name="connsiteY0" fmla="*/ 0 h 741099"/>
-              <a:gd name="connsiteX1" fmla="*/ 2939970 w 12192000"/>
-              <a:gd name="connsiteY1" fmla="*/ 208344 h 741099"/>
-              <a:gd name="connsiteX2" fmla="*/ 4132162 w 12192000"/>
-              <a:gd name="connsiteY2" fmla="*/ 104172 h 741099"/>
-              <a:gd name="connsiteX3" fmla="*/ 5335930 w 12192000"/>
-              <a:gd name="connsiteY3" fmla="*/ 231493 h 741099"/>
-              <a:gd name="connsiteX4" fmla="*/ 6840638 w 12192000"/>
-              <a:gd name="connsiteY4" fmla="*/ 81023 h 741099"/>
-              <a:gd name="connsiteX5" fmla="*/ 7998106 w 12192000"/>
-              <a:gd name="connsiteY5" fmla="*/ 81023 h 741099"/>
-              <a:gd name="connsiteX6" fmla="*/ 9387068 w 12192000"/>
-              <a:gd name="connsiteY6" fmla="*/ 46299 h 741099"/>
-              <a:gd name="connsiteX7" fmla="*/ 10417215 w 12192000"/>
-              <a:gd name="connsiteY7" fmla="*/ 196769 h 741099"/>
-              <a:gd name="connsiteX8" fmla="*/ 11447362 w 12192000"/>
-              <a:gd name="connsiteY8" fmla="*/ 69448 h 741099"/>
-              <a:gd name="connsiteX9" fmla="*/ 12121497 w 12192000"/>
-              <a:gd name="connsiteY9" fmla="*/ 132928 h 741099"/>
-              <a:gd name="connsiteX10" fmla="*/ 12192000 w 12192000"/>
-              <a:gd name="connsiteY10" fmla="*/ 153974 h 741099"/>
-              <a:gd name="connsiteX11" fmla="*/ 12192000 w 12192000"/>
-              <a:gd name="connsiteY11" fmla="*/ 741099 h 741099"/>
-              <a:gd name="connsiteX12" fmla="*/ 0 w 12192000"/>
-              <a:gd name="connsiteY12" fmla="*/ 741099 h 741099"/>
-              <a:gd name="connsiteX13" fmla="*/ 0 w 12192000"/>
-              <a:gd name="connsiteY13" fmla="*/ 195501 h 741099"/>
-              <a:gd name="connsiteX14" fmla="*/ 25907 w 12192000"/>
-              <a:gd name="connsiteY14" fmla="*/ 188315 h 741099"/>
-              <a:gd name="connsiteX15" fmla="*/ 949124 w 12192000"/>
-              <a:gd name="connsiteY15" fmla="*/ 0 h 741099"/>
-              <a:gd name="connsiteX0" fmla="*/ 949124 w 12192000"/>
-              <a:gd name="connsiteY0" fmla="*/ 0 h 741099"/>
-              <a:gd name="connsiteX1" fmla="*/ 2939970 w 12192000"/>
-              <a:gd name="connsiteY1" fmla="*/ 208344 h 741099"/>
-              <a:gd name="connsiteX2" fmla="*/ 4132162 w 12192000"/>
-              <a:gd name="connsiteY2" fmla="*/ 104172 h 741099"/>
-              <a:gd name="connsiteX3" fmla="*/ 5335930 w 12192000"/>
-              <a:gd name="connsiteY3" fmla="*/ 231493 h 741099"/>
-              <a:gd name="connsiteX4" fmla="*/ 6840638 w 12192000"/>
-              <a:gd name="connsiteY4" fmla="*/ 81023 h 741099"/>
-              <a:gd name="connsiteX5" fmla="*/ 7998106 w 12192000"/>
-              <a:gd name="connsiteY5" fmla="*/ 81023 h 741099"/>
-              <a:gd name="connsiteX6" fmla="*/ 9387068 w 12192000"/>
-              <a:gd name="connsiteY6" fmla="*/ 46299 h 741099"/>
-              <a:gd name="connsiteX7" fmla="*/ 10428789 w 12192000"/>
-              <a:gd name="connsiteY7" fmla="*/ 158103 h 741099"/>
-              <a:gd name="connsiteX8" fmla="*/ 11447362 w 12192000"/>
-              <a:gd name="connsiteY8" fmla="*/ 69448 h 741099"/>
-              <a:gd name="connsiteX9" fmla="*/ 12121497 w 12192000"/>
-              <a:gd name="connsiteY9" fmla="*/ 132928 h 741099"/>
-              <a:gd name="connsiteX10" fmla="*/ 12192000 w 12192000"/>
-              <a:gd name="connsiteY10" fmla="*/ 153974 h 741099"/>
-              <a:gd name="connsiteX11" fmla="*/ 12192000 w 12192000"/>
-              <a:gd name="connsiteY11" fmla="*/ 741099 h 741099"/>
-              <a:gd name="connsiteX12" fmla="*/ 0 w 12192000"/>
-              <a:gd name="connsiteY12" fmla="*/ 741099 h 741099"/>
-              <a:gd name="connsiteX13" fmla="*/ 0 w 12192000"/>
-              <a:gd name="connsiteY13" fmla="*/ 195501 h 741099"/>
-              <a:gd name="connsiteX14" fmla="*/ 25907 w 12192000"/>
-              <a:gd name="connsiteY14" fmla="*/ 188315 h 741099"/>
-              <a:gd name="connsiteX15" fmla="*/ 949124 w 12192000"/>
-              <a:gd name="connsiteY15" fmla="*/ 0 h 741099"/>
-              <a:gd name="connsiteX0" fmla="*/ 833377 w 12192000"/>
-              <a:gd name="connsiteY0" fmla="*/ 33474 h 697241"/>
-              <a:gd name="connsiteX1" fmla="*/ 2939970 w 12192000"/>
-              <a:gd name="connsiteY1" fmla="*/ 164486 h 697241"/>
-              <a:gd name="connsiteX2" fmla="*/ 4132162 w 12192000"/>
-              <a:gd name="connsiteY2" fmla="*/ 60314 h 697241"/>
-              <a:gd name="connsiteX3" fmla="*/ 5335930 w 12192000"/>
-              <a:gd name="connsiteY3" fmla="*/ 187635 h 697241"/>
-              <a:gd name="connsiteX4" fmla="*/ 6840638 w 12192000"/>
-              <a:gd name="connsiteY4" fmla="*/ 37165 h 697241"/>
-              <a:gd name="connsiteX5" fmla="*/ 7998106 w 12192000"/>
-              <a:gd name="connsiteY5" fmla="*/ 37165 h 697241"/>
-              <a:gd name="connsiteX6" fmla="*/ 9387068 w 12192000"/>
-              <a:gd name="connsiteY6" fmla="*/ 2441 h 697241"/>
-              <a:gd name="connsiteX7" fmla="*/ 10428789 w 12192000"/>
-              <a:gd name="connsiteY7" fmla="*/ 114245 h 697241"/>
-              <a:gd name="connsiteX8" fmla="*/ 11447362 w 12192000"/>
-              <a:gd name="connsiteY8" fmla="*/ 25590 h 697241"/>
-              <a:gd name="connsiteX9" fmla="*/ 12121497 w 12192000"/>
-              <a:gd name="connsiteY9" fmla="*/ 89070 h 697241"/>
-              <a:gd name="connsiteX10" fmla="*/ 12192000 w 12192000"/>
-              <a:gd name="connsiteY10" fmla="*/ 110116 h 697241"/>
-              <a:gd name="connsiteX11" fmla="*/ 12192000 w 12192000"/>
-              <a:gd name="connsiteY11" fmla="*/ 697241 h 697241"/>
-              <a:gd name="connsiteX12" fmla="*/ 0 w 12192000"/>
-              <a:gd name="connsiteY12" fmla="*/ 697241 h 697241"/>
-              <a:gd name="connsiteX13" fmla="*/ 0 w 12192000"/>
-              <a:gd name="connsiteY13" fmla="*/ 151643 h 697241"/>
-              <a:gd name="connsiteX14" fmla="*/ 25907 w 12192000"/>
-              <a:gd name="connsiteY14" fmla="*/ 144457 h 697241"/>
-              <a:gd name="connsiteX15" fmla="*/ 833377 w 12192000"/>
-              <a:gd name="connsiteY15" fmla="*/ 33474 h 697241"/>
-              <a:gd name="connsiteX0" fmla="*/ 833377 w 12192000"/>
-              <a:gd name="connsiteY0" fmla="*/ 31116 h 694883"/>
-              <a:gd name="connsiteX1" fmla="*/ 2939970 w 12192000"/>
-              <a:gd name="connsiteY1" fmla="*/ 162128 h 694883"/>
-              <a:gd name="connsiteX2" fmla="*/ 4132162 w 12192000"/>
-              <a:gd name="connsiteY2" fmla="*/ 57956 h 694883"/>
-              <a:gd name="connsiteX3" fmla="*/ 5335930 w 12192000"/>
-              <a:gd name="connsiteY3" fmla="*/ 185277 h 694883"/>
-              <a:gd name="connsiteX4" fmla="*/ 6840638 w 12192000"/>
-              <a:gd name="connsiteY4" fmla="*/ 34807 h 694883"/>
-              <a:gd name="connsiteX5" fmla="*/ 8113852 w 12192000"/>
-              <a:gd name="connsiteY5" fmla="*/ 92806 h 694883"/>
-              <a:gd name="connsiteX6" fmla="*/ 9387068 w 12192000"/>
-              <a:gd name="connsiteY6" fmla="*/ 83 h 694883"/>
-              <a:gd name="connsiteX7" fmla="*/ 10428789 w 12192000"/>
-              <a:gd name="connsiteY7" fmla="*/ 111887 h 694883"/>
-              <a:gd name="connsiteX8" fmla="*/ 11447362 w 12192000"/>
-              <a:gd name="connsiteY8" fmla="*/ 23232 h 694883"/>
-              <a:gd name="connsiteX9" fmla="*/ 12121497 w 12192000"/>
-              <a:gd name="connsiteY9" fmla="*/ 86712 h 694883"/>
-              <a:gd name="connsiteX10" fmla="*/ 12192000 w 12192000"/>
-              <a:gd name="connsiteY10" fmla="*/ 107758 h 694883"/>
-              <a:gd name="connsiteX11" fmla="*/ 12192000 w 12192000"/>
-              <a:gd name="connsiteY11" fmla="*/ 694883 h 694883"/>
-              <a:gd name="connsiteX12" fmla="*/ 0 w 12192000"/>
-              <a:gd name="connsiteY12" fmla="*/ 694883 h 694883"/>
-              <a:gd name="connsiteX13" fmla="*/ 0 w 12192000"/>
-              <a:gd name="connsiteY13" fmla="*/ 149285 h 694883"/>
-              <a:gd name="connsiteX14" fmla="*/ 25907 w 12192000"/>
-              <a:gd name="connsiteY14" fmla="*/ 142099 h 694883"/>
-              <a:gd name="connsiteX15" fmla="*/ 833377 w 12192000"/>
-              <a:gd name="connsiteY15" fmla="*/ 31116 h 694883"/>
-              <a:gd name="connsiteX0" fmla="*/ 833377 w 12192000"/>
-              <a:gd name="connsiteY0" fmla="*/ 31116 h 694883"/>
-              <a:gd name="connsiteX1" fmla="*/ 2939970 w 12192000"/>
-              <a:gd name="connsiteY1" fmla="*/ 162128 h 694883"/>
-              <a:gd name="connsiteX2" fmla="*/ 4132162 w 12192000"/>
-              <a:gd name="connsiteY2" fmla="*/ 57956 h 694883"/>
-              <a:gd name="connsiteX3" fmla="*/ 5243333 w 12192000"/>
-              <a:gd name="connsiteY3" fmla="*/ 140167 h 694883"/>
-              <a:gd name="connsiteX4" fmla="*/ 6840638 w 12192000"/>
-              <a:gd name="connsiteY4" fmla="*/ 34807 h 694883"/>
-              <a:gd name="connsiteX5" fmla="*/ 8113852 w 12192000"/>
-              <a:gd name="connsiteY5" fmla="*/ 92806 h 694883"/>
-              <a:gd name="connsiteX6" fmla="*/ 9387068 w 12192000"/>
-              <a:gd name="connsiteY6" fmla="*/ 83 h 694883"/>
-              <a:gd name="connsiteX7" fmla="*/ 10428789 w 12192000"/>
-              <a:gd name="connsiteY7" fmla="*/ 111887 h 694883"/>
-              <a:gd name="connsiteX8" fmla="*/ 11447362 w 12192000"/>
-              <a:gd name="connsiteY8" fmla="*/ 23232 h 694883"/>
-              <a:gd name="connsiteX9" fmla="*/ 12121497 w 12192000"/>
-              <a:gd name="connsiteY9" fmla="*/ 86712 h 694883"/>
-              <a:gd name="connsiteX10" fmla="*/ 12192000 w 12192000"/>
-              <a:gd name="connsiteY10" fmla="*/ 107758 h 694883"/>
-              <a:gd name="connsiteX11" fmla="*/ 12192000 w 12192000"/>
-              <a:gd name="connsiteY11" fmla="*/ 694883 h 694883"/>
-              <a:gd name="connsiteX12" fmla="*/ 0 w 12192000"/>
-              <a:gd name="connsiteY12" fmla="*/ 694883 h 694883"/>
-              <a:gd name="connsiteX13" fmla="*/ 0 w 12192000"/>
-              <a:gd name="connsiteY13" fmla="*/ 149285 h 694883"/>
-              <a:gd name="connsiteX14" fmla="*/ 25907 w 12192000"/>
-              <a:gd name="connsiteY14" fmla="*/ 142099 h 694883"/>
-              <a:gd name="connsiteX15" fmla="*/ 833377 w 12192000"/>
-              <a:gd name="connsiteY15" fmla="*/ 31116 h 694883"/>
-              <a:gd name="connsiteX0" fmla="*/ 833377 w 12192000"/>
-              <a:gd name="connsiteY0" fmla="*/ 31116 h 694883"/>
-              <a:gd name="connsiteX1" fmla="*/ 2939970 w 12192000"/>
-              <a:gd name="connsiteY1" fmla="*/ 162128 h 694883"/>
-              <a:gd name="connsiteX2" fmla="*/ 3935392 w 12192000"/>
-              <a:gd name="connsiteY2" fmla="*/ 64401 h 694883"/>
-              <a:gd name="connsiteX3" fmla="*/ 5243333 w 12192000"/>
-              <a:gd name="connsiteY3" fmla="*/ 140167 h 694883"/>
-              <a:gd name="connsiteX4" fmla="*/ 6840638 w 12192000"/>
-              <a:gd name="connsiteY4" fmla="*/ 34807 h 694883"/>
-              <a:gd name="connsiteX5" fmla="*/ 8113852 w 12192000"/>
-              <a:gd name="connsiteY5" fmla="*/ 92806 h 694883"/>
-              <a:gd name="connsiteX6" fmla="*/ 9387068 w 12192000"/>
-              <a:gd name="connsiteY6" fmla="*/ 83 h 694883"/>
-              <a:gd name="connsiteX7" fmla="*/ 10428789 w 12192000"/>
-              <a:gd name="connsiteY7" fmla="*/ 111887 h 694883"/>
-              <a:gd name="connsiteX8" fmla="*/ 11447362 w 12192000"/>
-              <a:gd name="connsiteY8" fmla="*/ 23232 h 694883"/>
-              <a:gd name="connsiteX9" fmla="*/ 12121497 w 12192000"/>
-              <a:gd name="connsiteY9" fmla="*/ 86712 h 694883"/>
-              <a:gd name="connsiteX10" fmla="*/ 12192000 w 12192000"/>
-              <a:gd name="connsiteY10" fmla="*/ 107758 h 694883"/>
-              <a:gd name="connsiteX11" fmla="*/ 12192000 w 12192000"/>
-              <a:gd name="connsiteY11" fmla="*/ 694883 h 694883"/>
-              <a:gd name="connsiteX12" fmla="*/ 0 w 12192000"/>
-              <a:gd name="connsiteY12" fmla="*/ 694883 h 694883"/>
-              <a:gd name="connsiteX13" fmla="*/ 0 w 12192000"/>
-              <a:gd name="connsiteY13" fmla="*/ 149285 h 694883"/>
-              <a:gd name="connsiteX14" fmla="*/ 25907 w 12192000"/>
-              <a:gd name="connsiteY14" fmla="*/ 142099 h 694883"/>
-              <a:gd name="connsiteX15" fmla="*/ 833377 w 12192000"/>
-              <a:gd name="connsiteY15" fmla="*/ 31116 h 694883"/>
-              <a:gd name="connsiteX0" fmla="*/ 833377 w 12192000"/>
-              <a:gd name="connsiteY0" fmla="*/ 31116 h 694883"/>
-              <a:gd name="connsiteX1" fmla="*/ 2233914 w 12192000"/>
-              <a:gd name="connsiteY1" fmla="*/ 162128 h 694883"/>
-              <a:gd name="connsiteX2" fmla="*/ 3935392 w 12192000"/>
-              <a:gd name="connsiteY2" fmla="*/ 64401 h 694883"/>
-              <a:gd name="connsiteX3" fmla="*/ 5243333 w 12192000"/>
-              <a:gd name="connsiteY3" fmla="*/ 140167 h 694883"/>
-              <a:gd name="connsiteX4" fmla="*/ 6840638 w 12192000"/>
-              <a:gd name="connsiteY4" fmla="*/ 34807 h 694883"/>
-              <a:gd name="connsiteX5" fmla="*/ 8113852 w 12192000"/>
-              <a:gd name="connsiteY5" fmla="*/ 92806 h 694883"/>
-              <a:gd name="connsiteX6" fmla="*/ 9387068 w 12192000"/>
-              <a:gd name="connsiteY6" fmla="*/ 83 h 694883"/>
-              <a:gd name="connsiteX7" fmla="*/ 10428789 w 12192000"/>
-              <a:gd name="connsiteY7" fmla="*/ 111887 h 694883"/>
-              <a:gd name="connsiteX8" fmla="*/ 11447362 w 12192000"/>
-              <a:gd name="connsiteY8" fmla="*/ 23232 h 694883"/>
-              <a:gd name="connsiteX9" fmla="*/ 12121497 w 12192000"/>
-              <a:gd name="connsiteY9" fmla="*/ 86712 h 694883"/>
-              <a:gd name="connsiteX10" fmla="*/ 12192000 w 12192000"/>
-              <a:gd name="connsiteY10" fmla="*/ 107758 h 694883"/>
-              <a:gd name="connsiteX11" fmla="*/ 12192000 w 12192000"/>
-              <a:gd name="connsiteY11" fmla="*/ 694883 h 694883"/>
-              <a:gd name="connsiteX12" fmla="*/ 0 w 12192000"/>
-              <a:gd name="connsiteY12" fmla="*/ 694883 h 694883"/>
-              <a:gd name="connsiteX13" fmla="*/ 0 w 12192000"/>
-              <a:gd name="connsiteY13" fmla="*/ 149285 h 694883"/>
-              <a:gd name="connsiteX14" fmla="*/ 25907 w 12192000"/>
-              <a:gd name="connsiteY14" fmla="*/ 142099 h 694883"/>
-              <a:gd name="connsiteX15" fmla="*/ 833377 w 12192000"/>
-              <a:gd name="connsiteY15" fmla="*/ 31116 h 694883"/>
-              <a:gd name="connsiteX0" fmla="*/ 1018572 w 12192000"/>
-              <a:gd name="connsiteY0" fmla="*/ 56894 h 694883"/>
-              <a:gd name="connsiteX1" fmla="*/ 2233914 w 12192000"/>
-              <a:gd name="connsiteY1" fmla="*/ 162128 h 694883"/>
-              <a:gd name="connsiteX2" fmla="*/ 3935392 w 12192000"/>
-              <a:gd name="connsiteY2" fmla="*/ 64401 h 694883"/>
-              <a:gd name="connsiteX3" fmla="*/ 5243333 w 12192000"/>
-              <a:gd name="connsiteY3" fmla="*/ 140167 h 694883"/>
-              <a:gd name="connsiteX4" fmla="*/ 6840638 w 12192000"/>
-              <a:gd name="connsiteY4" fmla="*/ 34807 h 694883"/>
-              <a:gd name="connsiteX5" fmla="*/ 8113852 w 12192000"/>
-              <a:gd name="connsiteY5" fmla="*/ 92806 h 694883"/>
-              <a:gd name="connsiteX6" fmla="*/ 9387068 w 12192000"/>
-              <a:gd name="connsiteY6" fmla="*/ 83 h 694883"/>
-              <a:gd name="connsiteX7" fmla="*/ 10428789 w 12192000"/>
-              <a:gd name="connsiteY7" fmla="*/ 111887 h 694883"/>
-              <a:gd name="connsiteX8" fmla="*/ 11447362 w 12192000"/>
-              <a:gd name="connsiteY8" fmla="*/ 23232 h 694883"/>
-              <a:gd name="connsiteX9" fmla="*/ 12121497 w 12192000"/>
-              <a:gd name="connsiteY9" fmla="*/ 86712 h 694883"/>
-              <a:gd name="connsiteX10" fmla="*/ 12192000 w 12192000"/>
-              <a:gd name="connsiteY10" fmla="*/ 107758 h 694883"/>
-              <a:gd name="connsiteX11" fmla="*/ 12192000 w 12192000"/>
-              <a:gd name="connsiteY11" fmla="*/ 694883 h 694883"/>
-              <a:gd name="connsiteX12" fmla="*/ 0 w 12192000"/>
-              <a:gd name="connsiteY12" fmla="*/ 694883 h 694883"/>
-              <a:gd name="connsiteX13" fmla="*/ 0 w 12192000"/>
-              <a:gd name="connsiteY13" fmla="*/ 149285 h 694883"/>
-              <a:gd name="connsiteX14" fmla="*/ 25907 w 12192000"/>
-              <a:gd name="connsiteY14" fmla="*/ 142099 h 694883"/>
-              <a:gd name="connsiteX15" fmla="*/ 1018572 w 12192000"/>
-              <a:gd name="connsiteY15" fmla="*/ 56894 h 694883"/>
-              <a:gd name="connsiteX0" fmla="*/ 1018572 w 12192000"/>
-              <a:gd name="connsiteY0" fmla="*/ 56894 h 694883"/>
-              <a:gd name="connsiteX1" fmla="*/ 2233914 w 12192000"/>
-              <a:gd name="connsiteY1" fmla="*/ 162128 h 694883"/>
-              <a:gd name="connsiteX2" fmla="*/ 3935392 w 12192000"/>
-              <a:gd name="connsiteY2" fmla="*/ 64401 h 694883"/>
-              <a:gd name="connsiteX3" fmla="*/ 5243333 w 12192000"/>
-              <a:gd name="connsiteY3" fmla="*/ 140167 h 694883"/>
-              <a:gd name="connsiteX4" fmla="*/ 6840638 w 12192000"/>
-              <a:gd name="connsiteY4" fmla="*/ 34807 h 694883"/>
-              <a:gd name="connsiteX5" fmla="*/ 8113852 w 12192000"/>
-              <a:gd name="connsiteY5" fmla="*/ 92806 h 694883"/>
-              <a:gd name="connsiteX6" fmla="*/ 9387068 w 12192000"/>
-              <a:gd name="connsiteY6" fmla="*/ 83 h 694883"/>
-              <a:gd name="connsiteX7" fmla="*/ 10428789 w 12192000"/>
-              <a:gd name="connsiteY7" fmla="*/ 111887 h 694883"/>
-              <a:gd name="connsiteX8" fmla="*/ 11308465 w 12192000"/>
-              <a:gd name="connsiteY8" fmla="*/ 10344 h 694883"/>
-              <a:gd name="connsiteX9" fmla="*/ 12121497 w 12192000"/>
-              <a:gd name="connsiteY9" fmla="*/ 86712 h 694883"/>
-              <a:gd name="connsiteX10" fmla="*/ 12192000 w 12192000"/>
-              <a:gd name="connsiteY10" fmla="*/ 107758 h 694883"/>
-              <a:gd name="connsiteX11" fmla="*/ 12192000 w 12192000"/>
-              <a:gd name="connsiteY11" fmla="*/ 694883 h 694883"/>
-              <a:gd name="connsiteX12" fmla="*/ 0 w 12192000"/>
-              <a:gd name="connsiteY12" fmla="*/ 694883 h 694883"/>
-              <a:gd name="connsiteX13" fmla="*/ 0 w 12192000"/>
-              <a:gd name="connsiteY13" fmla="*/ 149285 h 694883"/>
-              <a:gd name="connsiteX14" fmla="*/ 25907 w 12192000"/>
-              <a:gd name="connsiteY14" fmla="*/ 142099 h 694883"/>
-              <a:gd name="connsiteX15" fmla="*/ 1018572 w 12192000"/>
-              <a:gd name="connsiteY15" fmla="*/ 56894 h 694883"/>
-              <a:gd name="connsiteX0" fmla="*/ 1018572 w 12192000"/>
-              <a:gd name="connsiteY0" fmla="*/ 56894 h 694883"/>
-              <a:gd name="connsiteX1" fmla="*/ 2164466 w 12192000"/>
-              <a:gd name="connsiteY1" fmla="*/ 168573 h 694883"/>
-              <a:gd name="connsiteX2" fmla="*/ 3935392 w 12192000"/>
-              <a:gd name="connsiteY2" fmla="*/ 64401 h 694883"/>
-              <a:gd name="connsiteX3" fmla="*/ 5243333 w 12192000"/>
-              <a:gd name="connsiteY3" fmla="*/ 140167 h 694883"/>
-              <a:gd name="connsiteX4" fmla="*/ 6840638 w 12192000"/>
-              <a:gd name="connsiteY4" fmla="*/ 34807 h 694883"/>
-              <a:gd name="connsiteX5" fmla="*/ 8113852 w 12192000"/>
-              <a:gd name="connsiteY5" fmla="*/ 92806 h 694883"/>
-              <a:gd name="connsiteX6" fmla="*/ 9387068 w 12192000"/>
-              <a:gd name="connsiteY6" fmla="*/ 83 h 694883"/>
-              <a:gd name="connsiteX7" fmla="*/ 10428789 w 12192000"/>
-              <a:gd name="connsiteY7" fmla="*/ 111887 h 694883"/>
-              <a:gd name="connsiteX8" fmla="*/ 11308465 w 12192000"/>
-              <a:gd name="connsiteY8" fmla="*/ 10344 h 694883"/>
-              <a:gd name="connsiteX9" fmla="*/ 12121497 w 12192000"/>
-              <a:gd name="connsiteY9" fmla="*/ 86712 h 694883"/>
-              <a:gd name="connsiteX10" fmla="*/ 12192000 w 12192000"/>
-              <a:gd name="connsiteY10" fmla="*/ 107758 h 694883"/>
-              <a:gd name="connsiteX11" fmla="*/ 12192000 w 12192000"/>
-              <a:gd name="connsiteY11" fmla="*/ 694883 h 694883"/>
-              <a:gd name="connsiteX12" fmla="*/ 0 w 12192000"/>
-              <a:gd name="connsiteY12" fmla="*/ 694883 h 694883"/>
-              <a:gd name="connsiteX13" fmla="*/ 0 w 12192000"/>
-              <a:gd name="connsiteY13" fmla="*/ 149285 h 694883"/>
-              <a:gd name="connsiteX14" fmla="*/ 25907 w 12192000"/>
-              <a:gd name="connsiteY14" fmla="*/ 142099 h 694883"/>
-              <a:gd name="connsiteX15" fmla="*/ 1018572 w 12192000"/>
-              <a:gd name="connsiteY15" fmla="*/ 56894 h 694883"/>
-              <a:gd name="connsiteX0" fmla="*/ 1018572 w 12192000"/>
-              <a:gd name="connsiteY0" fmla="*/ 56894 h 694883"/>
-              <a:gd name="connsiteX1" fmla="*/ 2164466 w 12192000"/>
-              <a:gd name="connsiteY1" fmla="*/ 168573 h 694883"/>
-              <a:gd name="connsiteX2" fmla="*/ 3472404 w 12192000"/>
-              <a:gd name="connsiteY2" fmla="*/ 64401 h 694883"/>
-              <a:gd name="connsiteX3" fmla="*/ 5243333 w 12192000"/>
-              <a:gd name="connsiteY3" fmla="*/ 140167 h 694883"/>
-              <a:gd name="connsiteX4" fmla="*/ 6840638 w 12192000"/>
-              <a:gd name="connsiteY4" fmla="*/ 34807 h 694883"/>
-              <a:gd name="connsiteX5" fmla="*/ 8113852 w 12192000"/>
-              <a:gd name="connsiteY5" fmla="*/ 92806 h 694883"/>
-              <a:gd name="connsiteX6" fmla="*/ 9387068 w 12192000"/>
-              <a:gd name="connsiteY6" fmla="*/ 83 h 694883"/>
-              <a:gd name="connsiteX7" fmla="*/ 10428789 w 12192000"/>
-              <a:gd name="connsiteY7" fmla="*/ 111887 h 694883"/>
-              <a:gd name="connsiteX8" fmla="*/ 11308465 w 12192000"/>
-              <a:gd name="connsiteY8" fmla="*/ 10344 h 694883"/>
-              <a:gd name="connsiteX9" fmla="*/ 12121497 w 12192000"/>
-              <a:gd name="connsiteY9" fmla="*/ 86712 h 694883"/>
-              <a:gd name="connsiteX10" fmla="*/ 12192000 w 12192000"/>
-              <a:gd name="connsiteY10" fmla="*/ 107758 h 694883"/>
-              <a:gd name="connsiteX11" fmla="*/ 12192000 w 12192000"/>
-              <a:gd name="connsiteY11" fmla="*/ 694883 h 694883"/>
-              <a:gd name="connsiteX12" fmla="*/ 0 w 12192000"/>
-              <a:gd name="connsiteY12" fmla="*/ 694883 h 694883"/>
-              <a:gd name="connsiteX13" fmla="*/ 0 w 12192000"/>
-              <a:gd name="connsiteY13" fmla="*/ 149285 h 694883"/>
-              <a:gd name="connsiteX14" fmla="*/ 25907 w 12192000"/>
-              <a:gd name="connsiteY14" fmla="*/ 142099 h 694883"/>
-              <a:gd name="connsiteX15" fmla="*/ 1018572 w 12192000"/>
-              <a:gd name="connsiteY15" fmla="*/ 56894 h 694883"/>
-              <a:gd name="connsiteX0" fmla="*/ 1018572 w 12192000"/>
-              <a:gd name="connsiteY0" fmla="*/ 56894 h 694883"/>
-              <a:gd name="connsiteX1" fmla="*/ 2164466 w 12192000"/>
-              <a:gd name="connsiteY1" fmla="*/ 168573 h 694883"/>
-              <a:gd name="connsiteX2" fmla="*/ 3472404 w 12192000"/>
-              <a:gd name="connsiteY2" fmla="*/ 64401 h 694883"/>
-              <a:gd name="connsiteX3" fmla="*/ 4780345 w 12192000"/>
-              <a:gd name="connsiteY3" fmla="*/ 133722 h 694883"/>
-              <a:gd name="connsiteX4" fmla="*/ 6840638 w 12192000"/>
-              <a:gd name="connsiteY4" fmla="*/ 34807 h 694883"/>
-              <a:gd name="connsiteX5" fmla="*/ 8113852 w 12192000"/>
-              <a:gd name="connsiteY5" fmla="*/ 92806 h 694883"/>
-              <a:gd name="connsiteX6" fmla="*/ 9387068 w 12192000"/>
-              <a:gd name="connsiteY6" fmla="*/ 83 h 694883"/>
-              <a:gd name="connsiteX7" fmla="*/ 10428789 w 12192000"/>
-              <a:gd name="connsiteY7" fmla="*/ 111887 h 694883"/>
-              <a:gd name="connsiteX8" fmla="*/ 11308465 w 12192000"/>
-              <a:gd name="connsiteY8" fmla="*/ 10344 h 694883"/>
-              <a:gd name="connsiteX9" fmla="*/ 12121497 w 12192000"/>
-              <a:gd name="connsiteY9" fmla="*/ 86712 h 694883"/>
-              <a:gd name="connsiteX10" fmla="*/ 12192000 w 12192000"/>
-              <a:gd name="connsiteY10" fmla="*/ 107758 h 694883"/>
-              <a:gd name="connsiteX11" fmla="*/ 12192000 w 12192000"/>
-              <a:gd name="connsiteY11" fmla="*/ 694883 h 694883"/>
-              <a:gd name="connsiteX12" fmla="*/ 0 w 12192000"/>
-              <a:gd name="connsiteY12" fmla="*/ 694883 h 694883"/>
-              <a:gd name="connsiteX13" fmla="*/ 0 w 12192000"/>
-              <a:gd name="connsiteY13" fmla="*/ 149285 h 694883"/>
-              <a:gd name="connsiteX14" fmla="*/ 25907 w 12192000"/>
-              <a:gd name="connsiteY14" fmla="*/ 142099 h 694883"/>
-              <a:gd name="connsiteX15" fmla="*/ 1018572 w 12192000"/>
-              <a:gd name="connsiteY15" fmla="*/ 56894 h 694883"/>
-              <a:gd name="connsiteX0" fmla="*/ 1018572 w 12192000"/>
-              <a:gd name="connsiteY0" fmla="*/ 56892 h 694881"/>
-              <a:gd name="connsiteX1" fmla="*/ 2164466 w 12192000"/>
-              <a:gd name="connsiteY1" fmla="*/ 168571 h 694881"/>
-              <a:gd name="connsiteX2" fmla="*/ 3472404 w 12192000"/>
-              <a:gd name="connsiteY2" fmla="*/ 64399 h 694881"/>
-              <a:gd name="connsiteX3" fmla="*/ 4780345 w 12192000"/>
-              <a:gd name="connsiteY3" fmla="*/ 133720 h 694881"/>
-              <a:gd name="connsiteX4" fmla="*/ 6169306 w 12192000"/>
-              <a:gd name="connsiteY4" fmla="*/ 21917 h 694881"/>
-              <a:gd name="connsiteX5" fmla="*/ 8113852 w 12192000"/>
-              <a:gd name="connsiteY5" fmla="*/ 92804 h 694881"/>
-              <a:gd name="connsiteX6" fmla="*/ 9387068 w 12192000"/>
-              <a:gd name="connsiteY6" fmla="*/ 81 h 694881"/>
-              <a:gd name="connsiteX7" fmla="*/ 10428789 w 12192000"/>
-              <a:gd name="connsiteY7" fmla="*/ 111885 h 694881"/>
-              <a:gd name="connsiteX8" fmla="*/ 11308465 w 12192000"/>
-              <a:gd name="connsiteY8" fmla="*/ 10342 h 694881"/>
-              <a:gd name="connsiteX9" fmla="*/ 12121497 w 12192000"/>
-              <a:gd name="connsiteY9" fmla="*/ 86710 h 694881"/>
-              <a:gd name="connsiteX10" fmla="*/ 12192000 w 12192000"/>
-              <a:gd name="connsiteY10" fmla="*/ 107756 h 694881"/>
-              <a:gd name="connsiteX11" fmla="*/ 12192000 w 12192000"/>
-              <a:gd name="connsiteY11" fmla="*/ 694881 h 694881"/>
-              <a:gd name="connsiteX12" fmla="*/ 0 w 12192000"/>
-              <a:gd name="connsiteY12" fmla="*/ 694881 h 694881"/>
-              <a:gd name="connsiteX13" fmla="*/ 0 w 12192000"/>
-              <a:gd name="connsiteY13" fmla="*/ 149283 h 694881"/>
-              <a:gd name="connsiteX14" fmla="*/ 25907 w 12192000"/>
-              <a:gd name="connsiteY14" fmla="*/ 142097 h 694881"/>
-              <a:gd name="connsiteX15" fmla="*/ 1018572 w 12192000"/>
-              <a:gd name="connsiteY15" fmla="*/ 56892 h 694881"/>
-              <a:gd name="connsiteX0" fmla="*/ 1018572 w 12192000"/>
-              <a:gd name="connsiteY0" fmla="*/ 56812 h 694801"/>
-              <a:gd name="connsiteX1" fmla="*/ 2164466 w 12192000"/>
-              <a:gd name="connsiteY1" fmla="*/ 168491 h 694801"/>
-              <a:gd name="connsiteX2" fmla="*/ 3472404 w 12192000"/>
-              <a:gd name="connsiteY2" fmla="*/ 64319 h 694801"/>
-              <a:gd name="connsiteX3" fmla="*/ 4780345 w 12192000"/>
-              <a:gd name="connsiteY3" fmla="*/ 133640 h 694801"/>
-              <a:gd name="connsiteX4" fmla="*/ 6169306 w 12192000"/>
-              <a:gd name="connsiteY4" fmla="*/ 21837 h 694801"/>
-              <a:gd name="connsiteX5" fmla="*/ 7523543 w 12192000"/>
-              <a:gd name="connsiteY5" fmla="*/ 112057 h 694801"/>
-              <a:gd name="connsiteX6" fmla="*/ 9387068 w 12192000"/>
-              <a:gd name="connsiteY6" fmla="*/ 1 h 694801"/>
-              <a:gd name="connsiteX7" fmla="*/ 10428789 w 12192000"/>
-              <a:gd name="connsiteY7" fmla="*/ 111805 h 694801"/>
-              <a:gd name="connsiteX8" fmla="*/ 11308465 w 12192000"/>
-              <a:gd name="connsiteY8" fmla="*/ 10262 h 694801"/>
-              <a:gd name="connsiteX9" fmla="*/ 12121497 w 12192000"/>
-              <a:gd name="connsiteY9" fmla="*/ 86630 h 694801"/>
-              <a:gd name="connsiteX10" fmla="*/ 12192000 w 12192000"/>
-              <a:gd name="connsiteY10" fmla="*/ 107676 h 694801"/>
-              <a:gd name="connsiteX11" fmla="*/ 12192000 w 12192000"/>
-              <a:gd name="connsiteY11" fmla="*/ 694801 h 694801"/>
-              <a:gd name="connsiteX12" fmla="*/ 0 w 12192000"/>
-              <a:gd name="connsiteY12" fmla="*/ 694801 h 694801"/>
-              <a:gd name="connsiteX13" fmla="*/ 0 w 12192000"/>
-              <a:gd name="connsiteY13" fmla="*/ 149203 h 694801"/>
-              <a:gd name="connsiteX14" fmla="*/ 25907 w 12192000"/>
-              <a:gd name="connsiteY14" fmla="*/ 142017 h 694801"/>
-              <a:gd name="connsiteX15" fmla="*/ 1018572 w 12192000"/>
-              <a:gd name="connsiteY15" fmla="*/ 56812 h 694801"/>
-              <a:gd name="connsiteX0" fmla="*/ 1018572 w 12192000"/>
-              <a:gd name="connsiteY0" fmla="*/ 56812 h 694801"/>
-              <a:gd name="connsiteX1" fmla="*/ 2164466 w 12192000"/>
-              <a:gd name="connsiteY1" fmla="*/ 168491 h 694801"/>
-              <a:gd name="connsiteX2" fmla="*/ 3472404 w 12192000"/>
-              <a:gd name="connsiteY2" fmla="*/ 64319 h 694801"/>
-              <a:gd name="connsiteX3" fmla="*/ 4780345 w 12192000"/>
-              <a:gd name="connsiteY3" fmla="*/ 133640 h 694801"/>
-              <a:gd name="connsiteX4" fmla="*/ 6169306 w 12192000"/>
-              <a:gd name="connsiteY4" fmla="*/ 21837 h 694801"/>
-              <a:gd name="connsiteX5" fmla="*/ 7523543 w 12192000"/>
-              <a:gd name="connsiteY5" fmla="*/ 112057 h 694801"/>
-              <a:gd name="connsiteX6" fmla="*/ 8611564 w 12192000"/>
-              <a:gd name="connsiteY6" fmla="*/ 1 h 694801"/>
-              <a:gd name="connsiteX7" fmla="*/ 10428789 w 12192000"/>
-              <a:gd name="connsiteY7" fmla="*/ 111805 h 694801"/>
-              <a:gd name="connsiteX8" fmla="*/ 11308465 w 12192000"/>
-              <a:gd name="connsiteY8" fmla="*/ 10262 h 694801"/>
-              <a:gd name="connsiteX9" fmla="*/ 12121497 w 12192000"/>
-              <a:gd name="connsiteY9" fmla="*/ 86630 h 694801"/>
-              <a:gd name="connsiteX10" fmla="*/ 12192000 w 12192000"/>
-              <a:gd name="connsiteY10" fmla="*/ 107676 h 694801"/>
-              <a:gd name="connsiteX11" fmla="*/ 12192000 w 12192000"/>
-              <a:gd name="connsiteY11" fmla="*/ 694801 h 694801"/>
-              <a:gd name="connsiteX12" fmla="*/ 0 w 12192000"/>
-              <a:gd name="connsiteY12" fmla="*/ 694801 h 694801"/>
-              <a:gd name="connsiteX13" fmla="*/ 0 w 12192000"/>
-              <a:gd name="connsiteY13" fmla="*/ 149203 h 694801"/>
-              <a:gd name="connsiteX14" fmla="*/ 25907 w 12192000"/>
-              <a:gd name="connsiteY14" fmla="*/ 142017 h 694801"/>
-              <a:gd name="connsiteX15" fmla="*/ 1018572 w 12192000"/>
-              <a:gd name="connsiteY15" fmla="*/ 56812 h 694801"/>
-              <a:gd name="connsiteX0" fmla="*/ 1018572 w 12192000"/>
-              <a:gd name="connsiteY0" fmla="*/ 57063 h 695052"/>
-              <a:gd name="connsiteX1" fmla="*/ 2164466 w 12192000"/>
-              <a:gd name="connsiteY1" fmla="*/ 168742 h 695052"/>
-              <a:gd name="connsiteX2" fmla="*/ 3472404 w 12192000"/>
-              <a:gd name="connsiteY2" fmla="*/ 64570 h 695052"/>
-              <a:gd name="connsiteX3" fmla="*/ 4780345 w 12192000"/>
-              <a:gd name="connsiteY3" fmla="*/ 133891 h 695052"/>
-              <a:gd name="connsiteX4" fmla="*/ 6169306 w 12192000"/>
-              <a:gd name="connsiteY4" fmla="*/ 22088 h 695052"/>
-              <a:gd name="connsiteX5" fmla="*/ 7523543 w 12192000"/>
-              <a:gd name="connsiteY5" fmla="*/ 112308 h 695052"/>
-              <a:gd name="connsiteX6" fmla="*/ 8611564 w 12192000"/>
-              <a:gd name="connsiteY6" fmla="*/ 252 h 695052"/>
-              <a:gd name="connsiteX7" fmla="*/ 9965802 w 12192000"/>
-              <a:gd name="connsiteY7" fmla="*/ 79834 h 695052"/>
-              <a:gd name="connsiteX8" fmla="*/ 11308465 w 12192000"/>
-              <a:gd name="connsiteY8" fmla="*/ 10513 h 695052"/>
-              <a:gd name="connsiteX9" fmla="*/ 12121497 w 12192000"/>
-              <a:gd name="connsiteY9" fmla="*/ 86881 h 695052"/>
-              <a:gd name="connsiteX10" fmla="*/ 12192000 w 12192000"/>
-              <a:gd name="connsiteY10" fmla="*/ 107927 h 695052"/>
-              <a:gd name="connsiteX11" fmla="*/ 12192000 w 12192000"/>
-              <a:gd name="connsiteY11" fmla="*/ 695052 h 695052"/>
-              <a:gd name="connsiteX12" fmla="*/ 0 w 12192000"/>
-              <a:gd name="connsiteY12" fmla="*/ 695052 h 695052"/>
-              <a:gd name="connsiteX13" fmla="*/ 0 w 12192000"/>
-              <a:gd name="connsiteY13" fmla="*/ 149454 h 695052"/>
-              <a:gd name="connsiteX14" fmla="*/ 25907 w 12192000"/>
-              <a:gd name="connsiteY14" fmla="*/ 142268 h 695052"/>
-              <a:gd name="connsiteX15" fmla="*/ 1018572 w 12192000"/>
-              <a:gd name="connsiteY15" fmla="*/ 57063 h 695052"/>
-              <a:gd name="connsiteX0" fmla="*/ 1018572 w 12192000"/>
-              <a:gd name="connsiteY0" fmla="*/ 65894 h 703883"/>
-              <a:gd name="connsiteX1" fmla="*/ 2164466 w 12192000"/>
-              <a:gd name="connsiteY1" fmla="*/ 177573 h 703883"/>
-              <a:gd name="connsiteX2" fmla="*/ 3472404 w 12192000"/>
-              <a:gd name="connsiteY2" fmla="*/ 73401 h 703883"/>
-              <a:gd name="connsiteX3" fmla="*/ 4780345 w 12192000"/>
-              <a:gd name="connsiteY3" fmla="*/ 142722 h 703883"/>
-              <a:gd name="connsiteX4" fmla="*/ 6169306 w 12192000"/>
-              <a:gd name="connsiteY4" fmla="*/ 30919 h 703883"/>
-              <a:gd name="connsiteX5" fmla="*/ 7523543 w 12192000"/>
-              <a:gd name="connsiteY5" fmla="*/ 121139 h 703883"/>
-              <a:gd name="connsiteX6" fmla="*/ 8611564 w 12192000"/>
-              <a:gd name="connsiteY6" fmla="*/ 9083 h 703883"/>
-              <a:gd name="connsiteX7" fmla="*/ 9965802 w 12192000"/>
-              <a:gd name="connsiteY7" fmla="*/ 88665 h 703883"/>
-              <a:gd name="connsiteX8" fmla="*/ 11169569 w 12192000"/>
-              <a:gd name="connsiteY8" fmla="*/ 11 h 703883"/>
-              <a:gd name="connsiteX9" fmla="*/ 12121497 w 12192000"/>
-              <a:gd name="connsiteY9" fmla="*/ 95712 h 703883"/>
-              <a:gd name="connsiteX10" fmla="*/ 12192000 w 12192000"/>
-              <a:gd name="connsiteY10" fmla="*/ 116758 h 703883"/>
-              <a:gd name="connsiteX11" fmla="*/ 12192000 w 12192000"/>
-              <a:gd name="connsiteY11" fmla="*/ 703883 h 703883"/>
-              <a:gd name="connsiteX12" fmla="*/ 0 w 12192000"/>
-              <a:gd name="connsiteY12" fmla="*/ 703883 h 703883"/>
-              <a:gd name="connsiteX13" fmla="*/ 0 w 12192000"/>
-              <a:gd name="connsiteY13" fmla="*/ 158285 h 703883"/>
-              <a:gd name="connsiteX14" fmla="*/ 25907 w 12192000"/>
-              <a:gd name="connsiteY14" fmla="*/ 151099 h 703883"/>
-              <a:gd name="connsiteX15" fmla="*/ 1018572 w 12192000"/>
-              <a:gd name="connsiteY15" fmla="*/ 65894 h 703883"/>
-            </a:gdLst>
-            <a:ahLst/>
-            <a:cxnLst>
-              <a:cxn ang="0">
-                <a:pos x="connsiteX0" y="connsiteY0"/>
-              </a:cxn>
-              <a:cxn ang="0">
-                <a:pos x="connsiteX1" y="connsiteY1"/>
-              </a:cxn>
-              <a:cxn ang="0">
-                <a:pos x="connsiteX2" y="connsiteY2"/>
-              </a:cxn>
-              <a:cxn ang="0">
-                <a:pos x="connsiteX3" y="connsiteY3"/>
-              </a:cxn>
-              <a:cxn ang="0">
-                <a:pos x="connsiteX4" y="connsiteY4"/>
-              </a:cxn>
-              <a:cxn ang="0">
-                <a:pos x="connsiteX5" y="connsiteY5"/>
-              </a:cxn>
-              <a:cxn ang="0">
-                <a:pos x="connsiteX6" y="connsiteY6"/>
-              </a:cxn>
-              <a:cxn ang="0">
-                <a:pos x="connsiteX7" y="connsiteY7"/>
-              </a:cxn>
-              <a:cxn ang="0">
-                <a:pos x="connsiteX8" y="connsiteY8"/>
-              </a:cxn>
-              <a:cxn ang="0">
-                <a:pos x="connsiteX9" y="connsiteY9"/>
-              </a:cxn>
-              <a:cxn ang="0">
-                <a:pos x="connsiteX10" y="connsiteY10"/>
-              </a:cxn>
-              <a:cxn ang="0">
-                <a:pos x="connsiteX11" y="connsiteY11"/>
-              </a:cxn>
-              <a:cxn ang="0">
-                <a:pos x="connsiteX12" y="connsiteY12"/>
-              </a:cxn>
-              <a:cxn ang="0">
-                <a:pos x="connsiteX13" y="connsiteY13"/>
-              </a:cxn>
-              <a:cxn ang="0">
-                <a:pos x="connsiteX14" y="connsiteY14"/>
-              </a:cxn>
-              <a:cxn ang="0">
-                <a:pos x="connsiteX15" y="connsiteY15"/>
-              </a:cxn>
-            </a:cxnLst>
-            <a:rect l="l" t="t" r="r" b="b"/>
-            <a:pathLst>
-              <a:path w="12192000" h="703883">
-                <a:moveTo>
-                  <a:pt x="1018572" y="65894"/>
-                </a:moveTo>
-                <a:cubicBezTo>
-                  <a:pt x="1516283" y="65894"/>
-                  <a:pt x="1755494" y="176322"/>
-                  <a:pt x="2164466" y="177573"/>
-                </a:cubicBezTo>
-                <a:cubicBezTo>
-                  <a:pt x="2573438" y="178824"/>
-                  <a:pt x="3036424" y="79209"/>
-                  <a:pt x="3472404" y="73401"/>
-                </a:cubicBezTo>
-                <a:cubicBezTo>
-                  <a:pt x="3908384" y="67593"/>
-                  <a:pt x="4330861" y="149802"/>
-                  <a:pt x="4780345" y="142722"/>
-                </a:cubicBezTo>
-                <a:cubicBezTo>
-                  <a:pt x="5229829" y="135642"/>
-                  <a:pt x="5712106" y="34516"/>
-                  <a:pt x="6169306" y="30919"/>
-                </a:cubicBezTo>
-                <a:cubicBezTo>
-                  <a:pt x="6626506" y="27322"/>
-                  <a:pt x="7116500" y="124778"/>
-                  <a:pt x="7523543" y="121139"/>
-                </a:cubicBezTo>
-                <a:cubicBezTo>
-                  <a:pt x="7930586" y="117500"/>
-                  <a:pt x="8204521" y="14495"/>
-                  <a:pt x="8611564" y="9083"/>
-                </a:cubicBezTo>
-                <a:cubicBezTo>
-                  <a:pt x="9018607" y="3671"/>
-                  <a:pt x="9539468" y="90177"/>
-                  <a:pt x="9965802" y="88665"/>
-                </a:cubicBezTo>
-                <a:cubicBezTo>
-                  <a:pt x="10392136" y="87153"/>
-                  <a:pt x="10810287" y="-1163"/>
-                  <a:pt x="11169569" y="11"/>
-                </a:cubicBezTo>
-                <a:cubicBezTo>
-                  <a:pt x="11528851" y="1185"/>
-                  <a:pt x="11923371" y="45254"/>
-                  <a:pt x="12121497" y="95712"/>
-                </a:cubicBezTo>
-                <a:lnTo>
-                  <a:pt x="12192000" y="116758"/>
-                </a:lnTo>
-                <a:lnTo>
-                  <a:pt x="12192000" y="703883"/>
-                </a:lnTo>
-                <a:lnTo>
-                  <a:pt x="0" y="703883"/>
-                </a:lnTo>
-                <a:lnTo>
-                  <a:pt x="0" y="158285"/>
-                </a:lnTo>
-                <a:lnTo>
-                  <a:pt x="25907" y="151099"/>
-                </a:lnTo>
-                <a:cubicBezTo>
-                  <a:pt x="211057" y="92758"/>
-                  <a:pt x="583075" y="65894"/>
-                  <a:pt x="1018572" y="65894"/>
-                </a:cubicBezTo>
-                <a:close/>
-              </a:path>
-            </a:pathLst>
-          </a:custGeom>
-          <a:solidFill>
-            <a:srgbClr val="A1C6E7"/>
-          </a:solidFill>
-          <a:ln>
-            <a:noFill/>
-          </a:ln>
-        </p:spPr>
-        <p:style>
-          <a:lnRef idx="2">
-            <a:schemeClr val="accent1">
-              <a:shade val="50000"/>
-            </a:schemeClr>
-          </a:lnRef>
-          <a:fillRef idx="1">
-            <a:schemeClr val="accent1"/>
-          </a:fillRef>
-          <a:effectRef idx="0">
-            <a:schemeClr val="accent1"/>
-          </a:effectRef>
-          <a:fontRef idx="minor">
-            <a:schemeClr val="lt1"/>
-          </a:fontRef>
-        </p:style>
-        <p:txBody>
-          <a:bodyPr anchor="ctr"/>
-          <a:lstStyle/>
-          <a:p>
-            <a:pPr algn="ctr">
-              <a:defRPr lang="ko-KR" altLang="en-US"/>
-            </a:pPr>
-            <a:endParaRPr lang="ko-KR" altLang="en-US"/>
-          </a:p>
-        </p:txBody>
-      </p:sp>
-      <p:pic>
-        <p:nvPicPr>
-          <p:cNvPr id="38" name="그림 37"/>
-          <p:cNvPicPr>
-            <a:picLocks noChangeAspect="1"/>
-          </p:cNvPicPr>
-          <p:nvPr/>
-        </p:nvPicPr>
-        <p:blipFill rotWithShape="1">
-          <a:blip r:embed="rId4"/>
-          <a:srcRect/>
-          <a:stretch>
-            <a:fillRect/>
-          </a:stretch>
-        </p:blipFill>
-        <p:spPr>
-          <a:xfrm flipH="1">
-            <a:off x="196345" y="156687"/>
-            <a:ext cx="1056260" cy="898698"/>
-          </a:xfrm>
-          <a:prstGeom prst="rect">
-            <a:avLst/>
-          </a:prstGeom>
-        </p:spPr>
-      </p:pic>
-      <p:sp>
-        <p:nvSpPr>
-          <p:cNvPr id="17" name="TextBox 16">
-            <a:extLst>
-              <a:ext uri="{FF2B5EF4-FFF2-40B4-BE49-F238E27FC236}">
-                <a16:creationId xmlns:a16="http://schemas.microsoft.com/office/drawing/2014/main" id="{9E6FB522-32DE-1ABC-D3E2-1266DD63F809}"/>
-              </a:ext>
-            </a:extLst>
-          </p:cNvPr>
-          <p:cNvSpPr txBox="1"/>
-          <p:nvPr/>
-        </p:nvSpPr>
-        <p:spPr>
-          <a:xfrm>
-            <a:off x="1318757" y="119541"/>
-            <a:ext cx="5408614" cy="923330"/>
-          </a:xfrm>
-          <a:prstGeom prst="rect">
-            <a:avLst/>
-          </a:prstGeom>
-          <a:noFill/>
-        </p:spPr>
-        <p:txBody>
-          <a:bodyPr wrap="square" rtlCol="0">
-            <a:spAutoFit/>
-          </a:bodyPr>
-          <a:lstStyle/>
-          <a:p>
-            <a:r>
-              <a:rPr lang="en-US" altLang="ko-KR" sz="5400" dirty="0">
-                <a:solidFill>
-                  <a:schemeClr val="bg1"/>
-                </a:solidFill>
-                <a:latin typeface="210 골목길 L" panose="02020603020101020101" pitchFamily="18" charset="-127"/>
-                <a:ea typeface="210 골목길 L" panose="02020603020101020101" pitchFamily="18" charset="-127"/>
-                <a:cs typeface="Noto Sans SemBd" panose="020B0702040504020204" pitchFamily="34"/>
-              </a:rPr>
-              <a:t>Tic-Tac-Toe</a:t>
-            </a:r>
-            <a:endParaRPr lang="ko-KR" altLang="en-US" sz="5400" dirty="0">
-              <a:solidFill>
-                <a:schemeClr val="bg1"/>
-              </a:solidFill>
-              <a:latin typeface="210 골목길 L" panose="02020603020101020101" pitchFamily="18" charset="-127"/>
-              <a:ea typeface="210 골목길 L" panose="02020603020101020101" pitchFamily="18" charset="-127"/>
-            </a:endParaRPr>
-          </a:p>
-        </p:txBody>
-      </p:sp>
-      <p:pic>
-        <p:nvPicPr>
-          <p:cNvPr id="3" name="bandicam 2022-05-16 01-06-08-604">
-            <a:hlinkClick r:id="" action="ppaction://media"/>
-            <a:extLst>
-              <a:ext uri="{FF2B5EF4-FFF2-40B4-BE49-F238E27FC236}">
-                <a16:creationId xmlns:a16="http://schemas.microsoft.com/office/drawing/2014/main" id="{66E3B64F-7376-E305-53A1-68C4D5F00B23}"/>
-              </a:ext>
-            </a:extLst>
-          </p:cNvPr>
-          <p:cNvPicPr>
-            <a:picLocks noChangeAspect="1"/>
-          </p:cNvPicPr>
-          <p:nvPr>
-            <a:videoFile r:link="rId2"/>
-            <p:extLst>
-              <p:ext uri="{DAA4B4D4-6D71-4841-9C94-3DE7FCFB9230}">
-                <p14:media xmlns:p14="http://schemas.microsoft.com/office/powerpoint/2010/main" r:embed="rId1"/>
-              </p:ext>
-            </p:extLst>
-          </p:nvPr>
-        </p:nvPicPr>
-        <p:blipFill>
-          <a:blip r:embed="rId5"/>
-          <a:stretch>
-            <a:fillRect/>
-          </a:stretch>
-        </p:blipFill>
-        <p:spPr>
-          <a:xfrm>
-            <a:off x="3093308" y="1640434"/>
-            <a:ext cx="6005384" cy="4904137"/>
-          </a:xfrm>
-          <a:prstGeom prst="rect">
-            <a:avLst/>
-          </a:prstGeom>
-        </p:spPr>
-      </p:pic>
-    </p:spTree>
-    <p:extLst>
-      <p:ext uri="{BB962C8B-B14F-4D97-AF65-F5344CB8AC3E}">
-        <p14:creationId xmlns:p14="http://schemas.microsoft.com/office/powerpoint/2010/main" val="2421390071"/>
-      </p:ext>
-    </p:extLst>
-  </p:cSld>
-  <p:clrMapOvr>
-    <a:masterClrMapping/>
-  </p:clrMapOvr>
-  <p:transition/>
-  <p:timing>
-    <p:tnLst>
-      <p:par>
-        <p:cTn id="1" dur="indefinite" restart="never" nodeType="tmRoot">
-          <p:childTnLst>
-            <p:seq concurrent="1" nextAc="seek">
-              <p:cTn id="2" dur="indefinite" nodeType="mainSeq">
-                <p:childTnLst>
-                  <p:par>
-                    <p:cTn id="3" fill="hold">
-                      <p:stCondLst>
-                        <p:cond delay="indefinite"/>
-                      </p:stCondLst>
-                      <p:childTnLst>
-                        <p:par>
-                          <p:cTn id="4" fill="hold">
-                            <p:stCondLst>
-                              <p:cond delay="0"/>
-                            </p:stCondLst>
-                            <p:childTnLst>
-                              <p:par>
-                                <p:cTn id="5" presetID="1" presetClass="mediacall" presetSubtype="0" fill="hold" nodeType="clickEffect">
-                                  <p:stCondLst>
-                                    <p:cond delay="0"/>
-                                  </p:stCondLst>
-                                  <p:childTnLst>
-                                    <p:cmd type="call" cmd="playFrom(0.0)">
-                                      <p:cBhvr>
-                                        <p:cTn id="6" dur="9733" fill="hold"/>
-                                        <p:tgtEl>
-                                          <p:spTgt spid="3"/>
-                                        </p:tgtEl>
-                                      </p:cBhvr>
-                                    </p:cmd>
-                                  </p:childTnLst>
-                                </p:cTn>
-                              </p:par>
-                            </p:childTnLst>
-                          </p:cTn>
-                        </p:par>
-                      </p:childTnLst>
-                    </p:cTn>
-                  </p:par>
-                </p:childTnLst>
-              </p:cTn>
-              <p:prevCondLst>
-                <p:cond evt="onPrev" delay="0">
-                  <p:tgtEl>
-                    <p:sldTgt/>
-                  </p:tgtEl>
-                </p:cond>
-              </p:prevCondLst>
-              <p:nextCondLst>
-                <p:cond evt="onNext" delay="0">
-                  <p:tgtEl>
-                    <p:sldTgt/>
-                  </p:tgtEl>
-                </p:cond>
-              </p:nextCondLst>
-            </p:seq>
-            <p:video>
-              <p:cMediaNode vol="80000">
-                <p:cTn id="7" fill="hold" display="0">
-                  <p:stCondLst>
-                    <p:cond delay="indefinite"/>
-                  </p:stCondLst>
-                </p:cTn>
-                <p:tgtEl>
-                  <p:spTgt spid="3"/>
-                </p:tgtEl>
-              </p:cMediaNode>
-            </p:video>
-            <p:seq concurrent="1" nextAc="seek">
-              <p:cTn id="8" restart="whenNotActive" fill="hold" evtFilter="cancelBubble" nodeType="interactiveSeq">
-                <p:stCondLst>
-                  <p:cond evt="onClick" delay="0">
-                    <p:tgtEl>
-                      <p:spTgt spid="3"/>
-                    </p:tgtEl>
-                  </p:cond>
-                </p:stCondLst>
-                <p:endSync evt="end" delay="0">
-                  <p:rtn val="all"/>
-                </p:endSync>
-                <p:childTnLst>
-                  <p:par>
-                    <p:cTn id="9" fill="hold">
-                      <p:stCondLst>
-                        <p:cond delay="0"/>
-                      </p:stCondLst>
-                      <p:childTnLst>
-                        <p:par>
-                          <p:cTn id="10" fill="hold">
-                            <p:stCondLst>
-                              <p:cond delay="0"/>
-                            </p:stCondLst>
-                            <p:childTnLst>
-                              <p:par>
-                                <p:cTn id="11" presetID="2" presetClass="mediacall" presetSubtype="0" fill="hold" nodeType="clickEffect">
-                                  <p:stCondLst>
-                                    <p:cond delay="0"/>
-                                  </p:stCondLst>
-                                  <p:childTnLst>
-                                    <p:cmd type="call" cmd="togglePause">
-                                      <p:cBhvr>
-                                        <p:cTn id="12" dur="1" fill="hold"/>
-                                        <p:tgtEl>
-                                          <p:spTgt spid="3"/>
-                                        </p:tgtEl>
-                                      </p:cBhvr>
-                                    </p:cmd>
-                                  </p:childTnLst>
-                                </p:cTn>
-                              </p:par>
-                            </p:childTnLst>
-                          </p:cTn>
-                        </p:par>
-                      </p:childTnLst>
-                    </p:cTn>
-                  </p:par>
-                </p:childTnLst>
-              </p:cTn>
-              <p:nextCondLst>
-                <p:cond evt="onClick" delay="0">
-                  <p:tgtEl>
-                    <p:spTgt spid="3"/>
-                  </p:tgtEl>
-                </p:cond>
-              </p:nextCondLst>
-            </p:seq>
-          </p:childTnLst>
-        </p:cTn>
-      </p:par>
-    </p:tnLst>
-  </p:timing>
 </p:sld>
 </file>
 

--- a/TermProject/Term중간발표.pptx
+++ b/TermProject/Term중간발표.pptx
@@ -7574,7 +7574,7 @@
         <p:spPr>
           <a:xfrm>
             <a:off x="4515626" y="2006081"/>
-            <a:ext cx="6960637" cy="4452950"/>
+            <a:ext cx="6960637" cy="5099281"/>
           </a:xfrm>
           <a:prstGeom prst="rect">
             <a:avLst/>
@@ -7730,68 +7730,6 @@
                 <a:ea typeface="210 골목길 L" panose="02020603020101020101" pitchFamily="18" charset="-127"/>
                 <a:cs typeface="Noto Sans SemBd" panose="020B0702040504020204" pitchFamily="34"/>
               </a:rPr>
-              <a:t>공용화장실 </a:t>
-            </a:r>
-            <a:r>
-              <a:rPr lang="en-US" altLang="ko-KR" sz="2800" dirty="0">
-                <a:solidFill>
-                  <a:schemeClr val="tx1">
-                    <a:lumMod val="75000"/>
-                    <a:lumOff val="25000"/>
-                  </a:schemeClr>
-                </a:solidFill>
-                <a:latin typeface="210 골목길 L" panose="02020603020101020101" pitchFamily="18" charset="-127"/>
-                <a:ea typeface="210 골목길 L" panose="02020603020101020101" pitchFamily="18" charset="-127"/>
-                <a:cs typeface="Noto Sans SemBd" panose="020B0702040504020204" pitchFamily="34"/>
-              </a:rPr>
-              <a:t>OR </a:t>
-            </a:r>
-            <a:r>
-              <a:rPr lang="ko-KR" altLang="en-US" sz="2800" dirty="0">
-                <a:solidFill>
-                  <a:schemeClr val="tx1">
-                    <a:lumMod val="75000"/>
-                    <a:lumOff val="25000"/>
-                  </a:schemeClr>
-                </a:solidFill>
-                <a:latin typeface="210 골목길 L" panose="02020603020101020101" pitchFamily="18" charset="-127"/>
-                <a:ea typeface="210 골목길 L" panose="02020603020101020101" pitchFamily="18" charset="-127"/>
-                <a:cs typeface="Noto Sans SemBd" panose="020B0702040504020204" pitchFamily="34"/>
-              </a:rPr>
-              <a:t>수세식 유무에 따른 검색 기능</a:t>
-            </a:r>
-            <a:endParaRPr lang="en-US" altLang="ko-KR" sz="2800" dirty="0">
-              <a:solidFill>
-                <a:schemeClr val="tx1">
-                  <a:lumMod val="75000"/>
-                  <a:lumOff val="25000"/>
-                </a:schemeClr>
-              </a:solidFill>
-              <a:latin typeface="210 골목길 L" panose="02020603020101020101" pitchFamily="18" charset="-127"/>
-              <a:ea typeface="210 골목길 L" panose="02020603020101020101" pitchFamily="18" charset="-127"/>
-              <a:cs typeface="Noto Sans SemBd" panose="020B0702040504020204" pitchFamily="34"/>
-            </a:endParaRPr>
-          </a:p>
-          <a:p>
-            <a:pPr marL="457200" indent="-457200">
-              <a:lnSpc>
-                <a:spcPct val="150000"/>
-              </a:lnSpc>
-              <a:buFont typeface="Wingdings" panose="05000000000000000000" pitchFamily="2" charset="2"/>
-              <a:buChar char="§"/>
-            </a:pPr>
-            <a:r>
-              <a:rPr lang="ko-KR" altLang="en-US" sz="2800" dirty="0">
-                <a:solidFill>
-                  <a:schemeClr val="tx1">
-                    <a:lumMod val="75000"/>
-                    <a:lumOff val="25000"/>
-                  </a:schemeClr>
-                </a:solidFill>
-                <a:latin typeface="210 골목길 L" panose="02020603020101020101" pitchFamily="18" charset="-127"/>
-                <a:ea typeface="210 골목길 L" panose="02020603020101020101" pitchFamily="18" charset="-127"/>
-                <a:cs typeface="Noto Sans SemBd" panose="020B0702040504020204" pitchFamily="34"/>
-              </a:rPr>
               <a:t>검색한 정보를 입력한 이메일로 발신</a:t>
             </a:r>
             <a:endParaRPr lang="en-US" altLang="ko-KR" sz="2800" dirty="0">
@@ -7862,6 +7800,88 @@
               </a:rPr>
               <a:t>공중화장실 설치 수를 나타내는 그래프 기능</a:t>
             </a:r>
+            <a:endParaRPr lang="en-US" altLang="ko-KR" sz="2800" dirty="0">
+              <a:solidFill>
+                <a:schemeClr val="tx1">
+                  <a:lumMod val="75000"/>
+                  <a:lumOff val="25000"/>
+                </a:schemeClr>
+              </a:solidFill>
+              <a:latin typeface="210 골목길 L" panose="02020603020101020101" pitchFamily="18" charset="-127"/>
+              <a:ea typeface="210 골목길 L" panose="02020603020101020101" pitchFamily="18" charset="-127"/>
+              <a:cs typeface="Noto Sans SemBd" panose="020B0702040504020204" pitchFamily="34"/>
+            </a:endParaRPr>
+          </a:p>
+          <a:p>
+            <a:pPr marL="457200" indent="-457200">
+              <a:lnSpc>
+                <a:spcPct val="150000"/>
+              </a:lnSpc>
+              <a:buFont typeface="Wingdings" panose="05000000000000000000" pitchFamily="2" charset="2"/>
+              <a:buChar char="§"/>
+            </a:pPr>
+            <a:r>
+              <a:rPr lang="ko-KR" altLang="en-US" sz="2800" dirty="0">
+                <a:solidFill>
+                  <a:schemeClr val="tx1">
+                    <a:lumMod val="75000"/>
+                    <a:lumOff val="25000"/>
+                  </a:schemeClr>
+                </a:solidFill>
+                <a:latin typeface="210 골목길 L" panose="02020603020101020101" pitchFamily="18" charset="-127"/>
+                <a:ea typeface="210 골목길 L" panose="02020603020101020101" pitchFamily="18" charset="-127"/>
+                <a:cs typeface="Noto Sans SemBd" panose="020B0702040504020204" pitchFamily="34"/>
+              </a:rPr>
+              <a:t>공용화장실 </a:t>
+            </a:r>
+            <a:r>
+              <a:rPr lang="en-US" altLang="ko-KR" sz="2800" dirty="0">
+                <a:solidFill>
+                  <a:schemeClr val="tx1">
+                    <a:lumMod val="75000"/>
+                    <a:lumOff val="25000"/>
+                  </a:schemeClr>
+                </a:solidFill>
+                <a:latin typeface="210 골목길 L" panose="02020603020101020101" pitchFamily="18" charset="-127"/>
+                <a:ea typeface="210 골목길 L" panose="02020603020101020101" pitchFamily="18" charset="-127"/>
+                <a:cs typeface="Noto Sans SemBd" panose="020B0702040504020204" pitchFamily="34"/>
+              </a:rPr>
+              <a:t>OR </a:t>
+            </a:r>
+            <a:r>
+              <a:rPr lang="ko-KR" altLang="en-US" sz="2800" dirty="0">
+                <a:solidFill>
+                  <a:schemeClr val="tx1">
+                    <a:lumMod val="75000"/>
+                    <a:lumOff val="25000"/>
+                  </a:schemeClr>
+                </a:solidFill>
+                <a:latin typeface="210 골목길 L" panose="02020603020101020101" pitchFamily="18" charset="-127"/>
+                <a:ea typeface="210 골목길 L" panose="02020603020101020101" pitchFamily="18" charset="-127"/>
+                <a:cs typeface="Noto Sans SemBd" panose="020B0702040504020204" pitchFamily="34"/>
+              </a:rPr>
+              <a:t>수세식 유무에 따른 검색 기능</a:t>
+            </a:r>
+            <a:endParaRPr lang="en-US" altLang="ko-KR" sz="2800" dirty="0">
+              <a:solidFill>
+                <a:schemeClr val="tx1">
+                  <a:lumMod val="75000"/>
+                  <a:lumOff val="25000"/>
+                </a:schemeClr>
+              </a:solidFill>
+              <a:latin typeface="210 골목길 L" panose="02020603020101020101" pitchFamily="18" charset="-127"/>
+              <a:ea typeface="210 골목길 L" panose="02020603020101020101" pitchFamily="18" charset="-127"/>
+              <a:cs typeface="Noto Sans SemBd" panose="020B0702040504020204" pitchFamily="34"/>
+            </a:endParaRPr>
+          </a:p>
+          <a:p>
+            <a:pPr marL="457200" indent="-457200">
+              <a:lnSpc>
+                <a:spcPct val="150000"/>
+              </a:lnSpc>
+              <a:buFont typeface="Wingdings" panose="05000000000000000000" pitchFamily="2" charset="2"/>
+              <a:buChar char="§"/>
+            </a:pPr>
             <a:endParaRPr lang="en-US" altLang="ko-KR" sz="2800" dirty="0">
               <a:solidFill>
                 <a:schemeClr val="tx1">
@@ -10849,6 +10869,35 @@
           <a:xfrm>
             <a:off x="1252605" y="5547538"/>
             <a:ext cx="994253" cy="994253"/>
+          </a:xfrm>
+          <a:prstGeom prst="rect">
+            <a:avLst/>
+          </a:prstGeom>
+        </p:spPr>
+      </p:pic>
+      <p:pic>
+        <p:nvPicPr>
+          <p:cNvPr id="5" name="그림 4">
+            <a:extLst>
+              <a:ext uri="{FF2B5EF4-FFF2-40B4-BE49-F238E27FC236}">
+                <a16:creationId xmlns:a16="http://schemas.microsoft.com/office/drawing/2014/main" id="{D68F3221-A770-ED34-29F7-6241A0B369B2}"/>
+              </a:ext>
+            </a:extLst>
+          </p:cNvPr>
+          <p:cNvPicPr>
+            <a:picLocks noChangeAspect="1"/>
+          </p:cNvPicPr>
+          <p:nvPr/>
+        </p:nvPicPr>
+        <p:blipFill rotWithShape="1">
+          <a:blip r:embed="rId4"/>
+          <a:srcRect l="683" r="1063"/>
+          <a:stretch/>
+        </p:blipFill>
+        <p:spPr>
+          <a:xfrm>
+            <a:off x="3691157" y="998032"/>
+            <a:ext cx="3875714" cy="5740427"/>
           </a:xfrm>
           <a:prstGeom prst="rect">
             <a:avLst/>
@@ -15204,6 +15253,92 @@
           </a:p>
         </p:txBody>
       </p:sp>
+      <p:pic>
+        <p:nvPicPr>
+          <p:cNvPr id="5" name="그림 4">
+            <a:extLst>
+              <a:ext uri="{FF2B5EF4-FFF2-40B4-BE49-F238E27FC236}">
+                <a16:creationId xmlns:a16="http://schemas.microsoft.com/office/drawing/2014/main" id="{A7BB399D-2547-7487-6C70-0137F3E5BCEC}"/>
+              </a:ext>
+            </a:extLst>
+          </p:cNvPr>
+          <p:cNvPicPr>
+            <a:picLocks noChangeAspect="1"/>
+          </p:cNvPicPr>
+          <p:nvPr/>
+        </p:nvPicPr>
+        <p:blipFill>
+          <a:blip r:embed="rId3"/>
+          <a:stretch>
+            <a:fillRect/>
+          </a:stretch>
+        </p:blipFill>
+        <p:spPr>
+          <a:xfrm>
+            <a:off x="3243262" y="1959092"/>
+            <a:ext cx="5705475" cy="3829050"/>
+          </a:xfrm>
+          <a:prstGeom prst="rect">
+            <a:avLst/>
+          </a:prstGeom>
+        </p:spPr>
+      </p:pic>
+      <p:sp>
+        <p:nvSpPr>
+          <p:cNvPr id="6" name="원형: 비어 있음 5">
+            <a:extLst>
+              <a:ext uri="{FF2B5EF4-FFF2-40B4-BE49-F238E27FC236}">
+                <a16:creationId xmlns:a16="http://schemas.microsoft.com/office/drawing/2014/main" id="{C0B4CD39-8837-8B11-EA26-DFF9B5046694}"/>
+              </a:ext>
+            </a:extLst>
+          </p:cNvPr>
+          <p:cNvSpPr/>
+          <p:nvPr/>
+        </p:nvSpPr>
+        <p:spPr>
+          <a:xfrm>
+            <a:off x="8260839" y="2042054"/>
+            <a:ext cx="597934" cy="597934"/>
+          </a:xfrm>
+          <a:prstGeom prst="donut">
+            <a:avLst>
+              <a:gd name="adj" fmla="val 9798"/>
+            </a:avLst>
+          </a:prstGeom>
+          <a:solidFill>
+            <a:schemeClr val="accent2"/>
+          </a:solidFill>
+          <a:ln>
+            <a:noFill/>
+          </a:ln>
+        </p:spPr>
+        <p:style>
+          <a:lnRef idx="0">
+            <a:scrgbClr r="0" g="0" b="0"/>
+          </a:lnRef>
+          <a:fillRef idx="0">
+            <a:scrgbClr r="0" g="0" b="0"/>
+          </a:fillRef>
+          <a:effectRef idx="0">
+            <a:scrgbClr r="0" g="0" b="0"/>
+          </a:effectRef>
+          <a:fontRef idx="minor">
+            <a:schemeClr val="lt1"/>
+          </a:fontRef>
+        </p:style>
+        <p:txBody>
+          <a:bodyPr rtlCol="0" anchor="ctr"/>
+          <a:lstStyle/>
+          <a:p>
+            <a:pPr algn="ctr"/>
+            <a:endParaRPr lang="ko-KR" altLang="en-US" dirty="0">
+              <a:solidFill>
+                <a:schemeClr val="tx1"/>
+              </a:solidFill>
+            </a:endParaRPr>
+          </a:p>
+        </p:txBody>
+      </p:sp>
     </p:spTree>
     <p:extLst>
       <p:ext uri="{BB962C8B-B14F-4D97-AF65-F5344CB8AC3E}">
